--- a/UREPosterAndAssignments/SMS DETECTION POSTER - ARMANDO OROZCO- SAC.pptx
+++ b/UREPosterAndAssignments/SMS DETECTION POSTER - ARMANDO OROZCO- SAC.pptx
@@ -257,7 +257,7 @@
               <a:pPr>
                 <a:defRPr/>
               </a:pPr>
-              <a:t>7/18/2024</a:t>
+              <a:t>7/23/2024</a:t>
             </a:fld>
             <a:endParaRPr lang="en-US" altLang="en-US"/>
           </a:p>
@@ -984,7 +984,7 @@
               <a:pPr>
                 <a:defRPr/>
               </a:pPr>
-              <a:t>7/18/2024</a:t>
+              <a:t>7/23/2024</a:t>
             </a:fld>
             <a:endParaRPr lang="en-US" altLang="en-US"/>
           </a:p>
@@ -1181,7 +1181,7 @@
               <a:pPr>
                 <a:defRPr/>
               </a:pPr>
-              <a:t>7/18/2024</a:t>
+              <a:t>7/23/2024</a:t>
             </a:fld>
             <a:endParaRPr lang="en-US" altLang="en-US"/>
           </a:p>
@@ -1388,7 +1388,7 @@
               <a:pPr>
                 <a:defRPr/>
               </a:pPr>
-              <a:t>7/18/2024</a:t>
+              <a:t>7/23/2024</a:t>
             </a:fld>
             <a:endParaRPr lang="en-US" altLang="en-US"/>
           </a:p>
@@ -1585,7 +1585,7 @@
               <a:pPr>
                 <a:defRPr/>
               </a:pPr>
-              <a:t>7/18/2024</a:t>
+              <a:t>7/23/2024</a:t>
             </a:fld>
             <a:endParaRPr lang="en-US" altLang="en-US"/>
           </a:p>
@@ -1856,7 +1856,7 @@
               <a:pPr>
                 <a:defRPr/>
               </a:pPr>
-              <a:t>7/18/2024</a:t>
+              <a:t>7/23/2024</a:t>
             </a:fld>
             <a:endParaRPr lang="en-US" altLang="en-US"/>
           </a:p>
@@ -2115,7 +2115,7 @@
               <a:pPr>
                 <a:defRPr/>
               </a:pPr>
-              <a:t>7/18/2024</a:t>
+              <a:t>7/23/2024</a:t>
             </a:fld>
             <a:endParaRPr lang="en-US" altLang="en-US"/>
           </a:p>
@@ -2509,7 +2509,7 @@
               <a:pPr>
                 <a:defRPr/>
               </a:pPr>
-              <a:t>7/18/2024</a:t>
+              <a:t>7/23/2024</a:t>
             </a:fld>
             <a:endParaRPr lang="en-US" altLang="en-US"/>
           </a:p>
@@ -2654,7 +2654,7 @@
               <a:pPr>
                 <a:defRPr/>
               </a:pPr>
-              <a:t>7/18/2024</a:t>
+              <a:t>7/23/2024</a:t>
             </a:fld>
             <a:endParaRPr lang="en-US" altLang="en-US"/>
           </a:p>
@@ -2776,7 +2776,7 @@
               <a:pPr>
                 <a:defRPr/>
               </a:pPr>
-              <a:t>7/18/2024</a:t>
+              <a:t>7/23/2024</a:t>
             </a:fld>
             <a:endParaRPr lang="en-US" altLang="en-US"/>
           </a:p>
@@ -3080,7 +3080,7 @@
               <a:pPr>
                 <a:defRPr/>
               </a:pPr>
-              <a:t>7/18/2024</a:t>
+              <a:t>7/23/2024</a:t>
             </a:fld>
             <a:endParaRPr lang="en-US" altLang="en-US"/>
           </a:p>
@@ -3366,7 +3366,7 @@
               <a:pPr>
                 <a:defRPr/>
               </a:pPr>
-              <a:t>7/18/2024</a:t>
+              <a:t>7/23/2024</a:t>
             </a:fld>
             <a:endParaRPr lang="en-US" altLang="en-US"/>
           </a:p>
@@ -3662,7 +3662,7 @@
               <a:pPr>
                 <a:defRPr/>
               </a:pPr>
-              <a:t>7/18/2024</a:t>
+              <a:t>7/23/2024</a:t>
             </a:fld>
             <a:endParaRPr lang="en-US" altLang="en-US"/>
           </a:p>
@@ -4381,7 +4381,7 @@
         </p:nvSpPr>
         <p:spPr bwMode="auto">
           <a:xfrm>
-            <a:off x="5103208" y="897457"/>
+            <a:off x="5103208" y="656827"/>
             <a:ext cx="28289169" cy="2646878"/>
           </a:xfrm>
           <a:prstGeom prst="rect">
@@ -4527,7 +4527,7 @@
                 <a:latin typeface="Arial" panose="020B0604020202020204" pitchFamily="34" charset="0"/>
                 <a:cs typeface="Arial" panose="020B0604020202020204" pitchFamily="34" charset="0"/>
               </a:rPr>
-              <a:t>SMS Classification using machine learning techniques</a:t>
+              <a:t>Spam Classification of SMSs using Machine Learning Techniques</a:t>
             </a:r>
           </a:p>
           <a:p>
@@ -4609,9 +4609,9 @@
         <p:grpSpPr bwMode="auto">
           <a:xfrm>
             <a:off x="363538" y="4278696"/>
-            <a:ext cx="14240654" cy="3756417"/>
+            <a:ext cx="14240654" cy="4679747"/>
             <a:chOff x="432287" y="4365904"/>
-            <a:chExt cx="13705567" cy="2028672"/>
+            <a:chExt cx="13705567" cy="2527321"/>
           </a:xfrm>
         </p:grpSpPr>
         <p:sp>
@@ -4625,7 +4625,7 @@
           <p:spPr bwMode="auto">
             <a:xfrm>
               <a:off x="432287" y="4848765"/>
-              <a:ext cx="13700233" cy="1545811"/>
+              <a:ext cx="13700233" cy="2044460"/>
             </a:xfrm>
             <a:prstGeom prst="rect">
               <a:avLst/>
@@ -4765,7 +4765,7 @@
                   <a:latin typeface="Arial" panose="020B0604020202020204" pitchFamily="34" charset="0"/>
                   <a:cs typeface="Arial" panose="020B0604020202020204" pitchFamily="34" charset="0"/>
                 </a:rPr>
-                <a:t>The advent of machine learning has revolutionized the way we approach text classification, particularly in the Short Message Service (SMS) domain. This research explores different machine learning algorithms to create a strong model for SMS classification. The goal is to apply sophisticated machine learning techniques to classify SMS content to improve the user experience and security within messaging applications.</a:t>
+                <a:t>The advent of machine learning has revolutionized the way we approach text classification, particularly in the Short Message Service (SMS) domain. This research explores different machine learning algorithms and techniques to analyze their effects on sentiment recognition, specifically if an SMS is undesirable. The goal is to apply and analyze sophisticated machine learning techniques to classify SMS content into Spam, or not Spam (Ham) and analyze the effects that every single technique has and if it is suitable to implement in a day-day application.</a:t>
               </a:r>
             </a:p>
           </p:txBody>
@@ -5009,57 +5009,6 @@
       </p:sp>
       <p:sp>
         <p:nvSpPr>
-          <p:cNvPr id="79" name="Rectangle 78"/>
-          <p:cNvSpPr/>
-          <p:nvPr/>
-        </p:nvSpPr>
-        <p:spPr>
-          <a:xfrm>
-            <a:off x="21346766" y="24299389"/>
-            <a:ext cx="885923" cy="1035974"/>
-          </a:xfrm>
-          <a:prstGeom prst="rect">
-            <a:avLst/>
-          </a:prstGeom>
-          <a:solidFill>
-            <a:schemeClr val="bg1"/>
-          </a:solidFill>
-          <a:ln>
-            <a:solidFill>
-              <a:schemeClr val="bg1"/>
-            </a:solidFill>
-          </a:ln>
-        </p:spPr>
-        <p:style>
-          <a:lnRef idx="2">
-            <a:schemeClr val="accent1">
-              <a:shade val="50000"/>
-            </a:schemeClr>
-          </a:lnRef>
-          <a:fillRef idx="1">
-            <a:schemeClr val="accent1"/>
-          </a:fillRef>
-          <a:effectRef idx="0">
-            <a:schemeClr val="accent1"/>
-          </a:effectRef>
-          <a:fontRef idx="minor">
-            <a:schemeClr val="lt1"/>
-          </a:fontRef>
-        </p:style>
-        <p:txBody>
-          <a:bodyPr rtlCol="0" anchor="ctr"/>
-          <a:lstStyle/>
-          <a:p>
-            <a:pPr algn="ctr"/>
-            <a:endParaRPr lang="en-US">
-              <a:latin typeface="Arial" panose="020B0604020202020204" pitchFamily="34" charset="0"/>
-              <a:cs typeface="Arial" panose="020B0604020202020204" pitchFamily="34" charset="0"/>
-            </a:endParaRPr>
-          </a:p>
-        </p:txBody>
-      </p:sp>
-      <p:sp>
-        <p:nvSpPr>
           <p:cNvPr id="81" name="Rectangle 80"/>
           <p:cNvSpPr/>
           <p:nvPr/>
@@ -5221,7 +5170,7 @@
         </p:nvGrpSpPr>
         <p:grpSpPr bwMode="auto">
           <a:xfrm>
-            <a:off x="363538" y="8700230"/>
+            <a:off x="363538" y="8988986"/>
             <a:ext cx="14240654" cy="23875270"/>
             <a:chOff x="432287" y="4365904"/>
             <a:chExt cx="13705567" cy="12998947"/>
@@ -7459,7 +7408,7 @@
         </p:nvGrpSpPr>
         <p:grpSpPr bwMode="auto">
           <a:xfrm>
-            <a:off x="14645820" y="17329147"/>
+            <a:off x="14645820" y="27243169"/>
             <a:ext cx="14240654" cy="6064739"/>
             <a:chOff x="432287" y="4365904"/>
             <a:chExt cx="13705567" cy="3275292"/>
@@ -7989,9 +7938,9 @@
         <p:grpSpPr bwMode="auto">
           <a:xfrm>
             <a:off x="14796147" y="4278696"/>
-            <a:ext cx="14240654" cy="12528049"/>
+            <a:ext cx="14240654" cy="11143055"/>
             <a:chOff x="432287" y="4365904"/>
-            <a:chExt cx="13705567" cy="6765834"/>
+            <a:chExt cx="13705567" cy="6017861"/>
           </a:xfrm>
         </p:grpSpPr>
         <p:sp>
@@ -8011,7 +7960,7 @@
           <p:spPr bwMode="auto">
             <a:xfrm>
               <a:off x="432287" y="4848764"/>
-              <a:ext cx="13700233" cy="6282974"/>
+              <a:ext cx="13700233" cy="5535001"/>
             </a:xfrm>
             <a:prstGeom prst="rect">
               <a:avLst/>
@@ -8197,6 +8146,10 @@
                 </a:rPr>
                 <a:t>The process of embedding is the process to give sentiment to words and thus sentences, there are several techniques to give sentiment to words, and a handful of them were applied to observe their effects during the training. The techniques that were applied were:</a:t>
               </a:r>
+              <a:endParaRPr lang="en-US" sz="3000" b="1" dirty="0">
+                <a:latin typeface="Arial" panose="020B0604020202020204" pitchFamily="34" charset="0"/>
+                <a:cs typeface="Arial" panose="020B0604020202020204" pitchFamily="34" charset="0"/>
+              </a:endParaRPr>
             </a:p>
             <a:p>
               <a:pPr lvl="2">
@@ -8208,7 +8161,7 @@
                   <a:latin typeface="Arial" panose="020B0604020202020204" pitchFamily="34" charset="0"/>
                   <a:cs typeface="Arial" panose="020B0604020202020204" pitchFamily="34" charset="0"/>
                 </a:rPr>
-                <a:t>Word2Vec</a:t>
+                <a:t>Count Vectorizer</a:t>
               </a:r>
             </a:p>
             <a:p>
@@ -8234,7 +8187,7 @@
                   <a:latin typeface="Arial" panose="020B0604020202020204" pitchFamily="34" charset="0"/>
                   <a:cs typeface="Arial" panose="020B0604020202020204" pitchFamily="34" charset="0"/>
                 </a:rPr>
-                <a:t>Count Vectorizer*</a:t>
+                <a:t>TF-IDF</a:t>
               </a:r>
             </a:p>
             <a:p>
@@ -8243,11 +8196,11 @@
                 <a:buChar char="•"/>
               </a:pPr>
               <a:r>
-                <a:rPr lang="en-US" sz="3000" b="1" dirty="0">
-                  <a:latin typeface="Arial" panose="020B0604020202020204" pitchFamily="34" charset="0"/>
-                  <a:cs typeface="Arial" panose="020B0604020202020204" pitchFamily="34" charset="0"/>
-                </a:rPr>
-                <a:t>TF-IDF*</a:t>
+                <a:rPr lang="en-US" sz="3000" b="1">
+                  <a:latin typeface="Arial" panose="020B0604020202020204" pitchFamily="34" charset="0"/>
+                  <a:cs typeface="Arial" panose="020B0604020202020204" pitchFamily="34" charset="0"/>
+                </a:rPr>
+                <a:t>Hashing vectorizer</a:t>
               </a:r>
             </a:p>
             <a:p>
@@ -8255,33 +8208,6 @@
                 <a:buFont typeface="Arial" panose="020B0604020202020204" pitchFamily="34" charset="0"/>
                 <a:buChar char="•"/>
               </a:pPr>
-              <a:r>
-                <a:rPr lang="en-US" sz="3000" b="1" dirty="0">
-                  <a:latin typeface="Arial" panose="020B0604020202020204" pitchFamily="34" charset="0"/>
-                  <a:cs typeface="Arial" panose="020B0604020202020204" pitchFamily="34" charset="0"/>
-                </a:rPr>
-                <a:t>Hashing vectorizer*</a:t>
-              </a:r>
-            </a:p>
-            <a:p>
-              <a:pPr lvl="2">
-                <a:buFont typeface="Arial" panose="020B0604020202020204" pitchFamily="34" charset="0"/>
-                <a:buChar char="•"/>
-              </a:pPr>
-              <a:r>
-                <a:rPr lang="en-US" sz="3000" b="1" dirty="0" err="1">
-                  <a:latin typeface="Arial" panose="020B0604020202020204" pitchFamily="34" charset="0"/>
-                  <a:cs typeface="Arial" panose="020B0604020202020204" pitchFamily="34" charset="0"/>
-                </a:rPr>
-                <a:t>GloVe</a:t>
-              </a:r>
-              <a:endParaRPr lang="en-US" sz="3000" b="1" dirty="0">
-                <a:latin typeface="Arial" panose="020B0604020202020204" pitchFamily="34" charset="0"/>
-                <a:cs typeface="Arial" panose="020B0604020202020204" pitchFamily="34" charset="0"/>
-              </a:endParaRPr>
-            </a:p>
-            <a:p>
-              <a:pPr marL="914400" lvl="2" indent="0"/>
               <a:endParaRPr lang="en-US" sz="3000" b="1" dirty="0">
                 <a:latin typeface="Arial" panose="020B0604020202020204" pitchFamily="34" charset="0"/>
                 <a:cs typeface="Arial" panose="020B0604020202020204" pitchFamily="34" charset="0"/>
@@ -8323,7 +8249,7 @@
                   <a:latin typeface="Arial" panose="020B0604020202020204" pitchFamily="34" charset="0"/>
                   <a:cs typeface="Arial" panose="020B0604020202020204" pitchFamily="34" charset="0"/>
                 </a:rPr>
-                <a:t>Naive Bayes Classification</a:t>
+                <a:t>Naive Bayes Classifier</a:t>
               </a:r>
             </a:p>
             <a:p>
@@ -8336,7 +8262,7 @@
                   <a:latin typeface="Arial" panose="020B0604020202020204" pitchFamily="34" charset="0"/>
                   <a:cs typeface="Arial" panose="020B0604020202020204" pitchFamily="34" charset="0"/>
                 </a:rPr>
-                <a:t>K-Nearest neighbors</a:t>
+                <a:t>K-Nearest neighbors Classifier</a:t>
               </a:r>
             </a:p>
             <a:p>
@@ -8349,7 +8275,7 @@
                   <a:latin typeface="Arial" panose="020B0604020202020204" pitchFamily="34" charset="0"/>
                   <a:cs typeface="Arial" panose="020B0604020202020204" pitchFamily="34" charset="0"/>
                 </a:rPr>
-                <a:t>Decision Tree Classification</a:t>
+                <a:t>Decision Tree Classifier</a:t>
               </a:r>
             </a:p>
             <a:p>
@@ -8362,20 +8288,7 @@
                   <a:latin typeface="Arial" panose="020B0604020202020204" pitchFamily="34" charset="0"/>
                   <a:cs typeface="Arial" panose="020B0604020202020204" pitchFamily="34" charset="0"/>
                 </a:rPr>
-                <a:t>Random Forest Classification</a:t>
-              </a:r>
-            </a:p>
-            <a:p>
-              <a:pPr lvl="2">
-                <a:buFont typeface="Arial" panose="020B0604020202020204" pitchFamily="34" charset="0"/>
-                <a:buChar char="•"/>
-              </a:pPr>
-              <a:r>
-                <a:rPr lang="en-US" sz="3000" b="1" dirty="0">
-                  <a:latin typeface="Arial" panose="020B0604020202020204" pitchFamily="34" charset="0"/>
-                  <a:cs typeface="Arial" panose="020B0604020202020204" pitchFamily="34" charset="0"/>
-                </a:rPr>
-                <a:t>Densely-connected Neural Network</a:t>
+                <a:t>Random Forest Classifier</a:t>
               </a:r>
             </a:p>
             <a:p>

--- a/UREPosterAndAssignments/SMS DETECTION POSTER - ARMANDO OROZCO- SAC.pptx
+++ b/UREPosterAndAssignments/SMS DETECTION POSTER - ARMANDO OROZCO- SAC.pptx
@@ -257,7 +257,7 @@
               <a:pPr>
                 <a:defRPr/>
               </a:pPr>
-              <a:t>7/23/2024</a:t>
+              <a:t>7/25/2024</a:t>
             </a:fld>
             <a:endParaRPr lang="en-US" altLang="en-US"/>
           </a:p>
@@ -610,14 +610,14 @@
           </a:ln>
           <a:extLst>
             <a:ext uri="{909E8E84-426E-40dd-AFC4-6F175D3DCCD1}">
-              <a14:hiddenFill xmlns:a14="http://schemas.microsoft.com/office/drawing/2010/main" xmlns="">
+              <a14:hiddenFill xmlns="" xmlns:a14="http://schemas.microsoft.com/office/drawing/2010/main">
                 <a:solidFill>
                   <a:srgbClr val="FFFFFF"/>
                 </a:solidFill>
               </a14:hiddenFill>
             </a:ext>
             <a:ext uri="{FAA26D3D-D897-4be2-8F04-BA451C77F1D7}">
-              <ma14:placeholderFlag xmlns:ma14="http://schemas.microsoft.com/office/mac/drawingml/2011/main" xmlns="" val="1"/>
+              <ma14:placeholderFlag xmlns="" xmlns:ma14="http://schemas.microsoft.com/office/mac/drawingml/2011/main" val="1"/>
             </a:ext>
           </a:extLst>
         </p:spPr>
@@ -636,14 +636,14 @@
           <a:noFill/>
           <a:extLst>
             <a:ext uri="{909E8E84-426E-40dd-AFC4-6F175D3DCCD1}">
-              <a14:hiddenFill xmlns:a14="http://schemas.microsoft.com/office/drawing/2010/main" xmlns="">
+              <a14:hiddenFill xmlns="" xmlns:a14="http://schemas.microsoft.com/office/drawing/2010/main">
                 <a:solidFill>
                   <a:srgbClr val="FFFFFF"/>
                 </a:solidFill>
               </a14:hiddenFill>
             </a:ext>
             <a:ext uri="{91240B29-F687-4f45-9708-019B960494DF}">
-              <a14:hiddenLine xmlns:a14="http://schemas.microsoft.com/office/drawing/2010/main" xmlns="" w="9525">
+              <a14:hiddenLine xmlns="" xmlns:a14="http://schemas.microsoft.com/office/drawing/2010/main" w="9525">
                 <a:solidFill>
                   <a:srgbClr val="000000"/>
                 </a:solidFill>
@@ -653,7 +653,7 @@
               </a14:hiddenLine>
             </a:ext>
             <a:ext uri="{FAA26D3D-D897-4be2-8F04-BA451C77F1D7}">
-              <ma14:placeholderFlag xmlns:ma14="http://schemas.microsoft.com/office/mac/drawingml/2011/main" xmlns="" val="1"/>
+              <ma14:placeholderFlag xmlns="" xmlns:ma14="http://schemas.microsoft.com/office/mac/drawingml/2011/main" val="1"/>
             </a:ext>
           </a:extLst>
         </p:spPr>
@@ -693,14 +693,14 @@
           <a:noFill/>
           <a:extLst>
             <a:ext uri="{909E8E84-426E-40dd-AFC4-6F175D3DCCD1}">
-              <a14:hiddenFill xmlns:a14="http://schemas.microsoft.com/office/drawing/2010/main" xmlns="">
+              <a14:hiddenFill xmlns="" xmlns:a14="http://schemas.microsoft.com/office/drawing/2010/main">
                 <a:solidFill>
                   <a:srgbClr val="FFFFFF"/>
                 </a:solidFill>
               </a14:hiddenFill>
             </a:ext>
             <a:ext uri="{91240B29-F687-4f45-9708-019B960494DF}">
-              <a14:hiddenLine xmlns:a14="http://schemas.microsoft.com/office/drawing/2010/main" xmlns="" w="9525">
+              <a14:hiddenLine xmlns="" xmlns:a14="http://schemas.microsoft.com/office/drawing/2010/main" w="9525">
                 <a:solidFill>
                   <a:srgbClr val="000000"/>
                 </a:solidFill>
@@ -984,7 +984,7 @@
               <a:pPr>
                 <a:defRPr/>
               </a:pPr>
-              <a:t>7/23/2024</a:t>
+              <a:t>7/25/2024</a:t>
             </a:fld>
             <a:endParaRPr lang="en-US" altLang="en-US"/>
           </a:p>
@@ -1181,7 +1181,7 @@
               <a:pPr>
                 <a:defRPr/>
               </a:pPr>
-              <a:t>7/23/2024</a:t>
+              <a:t>7/25/2024</a:t>
             </a:fld>
             <a:endParaRPr lang="en-US" altLang="en-US"/>
           </a:p>
@@ -1388,7 +1388,7 @@
               <a:pPr>
                 <a:defRPr/>
               </a:pPr>
-              <a:t>7/23/2024</a:t>
+              <a:t>7/25/2024</a:t>
             </a:fld>
             <a:endParaRPr lang="en-US" altLang="en-US"/>
           </a:p>
@@ -1585,7 +1585,7 @@
               <a:pPr>
                 <a:defRPr/>
               </a:pPr>
-              <a:t>7/23/2024</a:t>
+              <a:t>7/25/2024</a:t>
             </a:fld>
             <a:endParaRPr lang="en-US" altLang="en-US"/>
           </a:p>
@@ -1856,7 +1856,7 @@
               <a:pPr>
                 <a:defRPr/>
               </a:pPr>
-              <a:t>7/23/2024</a:t>
+              <a:t>7/25/2024</a:t>
             </a:fld>
             <a:endParaRPr lang="en-US" altLang="en-US"/>
           </a:p>
@@ -2115,7 +2115,7 @@
               <a:pPr>
                 <a:defRPr/>
               </a:pPr>
-              <a:t>7/23/2024</a:t>
+              <a:t>7/25/2024</a:t>
             </a:fld>
             <a:endParaRPr lang="en-US" altLang="en-US"/>
           </a:p>
@@ -2509,7 +2509,7 @@
               <a:pPr>
                 <a:defRPr/>
               </a:pPr>
-              <a:t>7/23/2024</a:t>
+              <a:t>7/25/2024</a:t>
             </a:fld>
             <a:endParaRPr lang="en-US" altLang="en-US"/>
           </a:p>
@@ -2654,7 +2654,7 @@
               <a:pPr>
                 <a:defRPr/>
               </a:pPr>
-              <a:t>7/23/2024</a:t>
+              <a:t>7/25/2024</a:t>
             </a:fld>
             <a:endParaRPr lang="en-US" altLang="en-US"/>
           </a:p>
@@ -2776,7 +2776,7 @@
               <a:pPr>
                 <a:defRPr/>
               </a:pPr>
-              <a:t>7/23/2024</a:t>
+              <a:t>7/25/2024</a:t>
             </a:fld>
             <a:endParaRPr lang="en-US" altLang="en-US"/>
           </a:p>
@@ -3080,7 +3080,7 @@
               <a:pPr>
                 <a:defRPr/>
               </a:pPr>
-              <a:t>7/23/2024</a:t>
+              <a:t>7/25/2024</a:t>
             </a:fld>
             <a:endParaRPr lang="en-US" altLang="en-US"/>
           </a:p>
@@ -3366,7 +3366,7 @@
               <a:pPr>
                 <a:defRPr/>
               </a:pPr>
-              <a:t>7/23/2024</a:t>
+              <a:t>7/25/2024</a:t>
             </a:fld>
             <a:endParaRPr lang="en-US" altLang="en-US"/>
           </a:p>
@@ -3493,14 +3493,14 @@
           </a:ln>
           <a:extLst>
             <a:ext uri="{909E8E84-426E-40dd-AFC4-6F175D3DCCD1}">
-              <a14:hiddenFill xmlns:a14="http://schemas.microsoft.com/office/drawing/2010/main" xmlns="">
+              <a14:hiddenFill xmlns="" xmlns:a14="http://schemas.microsoft.com/office/drawing/2010/main">
                 <a:solidFill>
                   <a:srgbClr val="FFFFFF"/>
                 </a:solidFill>
               </a14:hiddenFill>
             </a:ext>
             <a:ext uri="{91240B29-F687-4f45-9708-019B960494DF}">
-              <a14:hiddenLine xmlns:a14="http://schemas.microsoft.com/office/drawing/2010/main" xmlns="" w="9525">
+              <a14:hiddenLine xmlns="" xmlns:a14="http://schemas.microsoft.com/office/drawing/2010/main" w="9525">
                 <a:solidFill>
                   <a:srgbClr val="000000"/>
                 </a:solidFill>
@@ -3510,7 +3510,7 @@
               </a14:hiddenLine>
             </a:ext>
             <a:ext uri="{FAA26D3D-D897-4be2-8F04-BA451C77F1D7}">
-              <ma14:placeholderFlag xmlns:ma14="http://schemas.microsoft.com/office/mac/drawingml/2011/main" xmlns="" val="1"/>
+              <ma14:placeholderFlag xmlns="" xmlns:ma14="http://schemas.microsoft.com/office/mac/drawingml/2011/main" val="1"/>
             </a:ext>
           </a:extLst>
         </p:spPr>
@@ -3554,14 +3554,14 @@
           </a:ln>
           <a:extLst>
             <a:ext uri="{909E8E84-426E-40dd-AFC4-6F175D3DCCD1}">
-              <a14:hiddenFill xmlns:a14="http://schemas.microsoft.com/office/drawing/2010/main" xmlns="">
+              <a14:hiddenFill xmlns="" xmlns:a14="http://schemas.microsoft.com/office/drawing/2010/main">
                 <a:solidFill>
                   <a:srgbClr val="FFFFFF"/>
                 </a:solidFill>
               </a14:hiddenFill>
             </a:ext>
             <a:ext uri="{91240B29-F687-4f45-9708-019B960494DF}">
-              <a14:hiddenLine xmlns:a14="http://schemas.microsoft.com/office/drawing/2010/main" xmlns="" w="9525">
+              <a14:hiddenLine xmlns="" xmlns:a14="http://schemas.microsoft.com/office/drawing/2010/main" w="9525">
                 <a:solidFill>
                   <a:srgbClr val="000000"/>
                 </a:solidFill>
@@ -3571,7 +3571,7 @@
               </a14:hiddenLine>
             </a:ext>
             <a:ext uri="{FAA26D3D-D897-4be2-8F04-BA451C77F1D7}">
-              <ma14:placeholderFlag xmlns:ma14="http://schemas.microsoft.com/office/mac/drawingml/2011/main" xmlns="" val="1"/>
+              <ma14:placeholderFlag xmlns="" xmlns:ma14="http://schemas.microsoft.com/office/mac/drawingml/2011/main" val="1"/>
             </a:ext>
           </a:extLst>
         </p:spPr>
@@ -3662,7 +3662,7 @@
               <a:pPr>
                 <a:defRPr/>
               </a:pPr>
-              <a:t>7/23/2024</a:t>
+              <a:t>7/25/2024</a:t>
             </a:fld>
             <a:endParaRPr lang="en-US" altLang="en-US"/>
           </a:p>
@@ -4395,7 +4395,7 @@
           </a:ln>
           <a:extLst>
             <a:ext uri="{91240B29-F687-4f45-9708-019B960494DF}">
-              <a14:hiddenLine xmlns:a14="http://schemas.microsoft.com/office/drawing/2010/main" xmlns="" w="9525">
+              <a14:hiddenLine xmlns="" xmlns:a14="http://schemas.microsoft.com/office/drawing/2010/main" w="9525">
                 <a:solidFill>
                   <a:srgbClr val="000000"/>
                 </a:solidFill>
@@ -4609,9 +4609,9 @@
         <p:grpSpPr bwMode="auto">
           <a:xfrm>
             <a:off x="363538" y="4278696"/>
-            <a:ext cx="14240654" cy="4679747"/>
+            <a:ext cx="14240654" cy="5141413"/>
             <a:chOff x="432287" y="4365904"/>
-            <a:chExt cx="13705567" cy="2527321"/>
+            <a:chExt cx="13705567" cy="2776646"/>
           </a:xfrm>
         </p:grpSpPr>
         <p:sp>
@@ -4625,7 +4625,7 @@
           <p:spPr bwMode="auto">
             <a:xfrm>
               <a:off x="432287" y="4848765"/>
-              <a:ext cx="13700233" cy="2044460"/>
+              <a:ext cx="13700233" cy="2293785"/>
             </a:xfrm>
             <a:prstGeom prst="rect">
               <a:avLst/>
@@ -4639,7 +4639,7 @@
             </a:ln>
             <a:extLst>
               <a:ext uri="{909E8E84-426E-40dd-AFC4-6F175D3DCCD1}">
-                <a14:hiddenFill xmlns:a14="http://schemas.microsoft.com/office/drawing/2010/main" xmlns="">
+                <a14:hiddenFill xmlns="" xmlns:a14="http://schemas.microsoft.com/office/drawing/2010/main">
                   <a:solidFill>
                     <a:srgbClr val="FFFFFF"/>
                   </a:solidFill>
@@ -4765,7 +4765,21 @@
                   <a:latin typeface="Arial" panose="020B0604020202020204" pitchFamily="34" charset="0"/>
                   <a:cs typeface="Arial" panose="020B0604020202020204" pitchFamily="34" charset="0"/>
                 </a:rPr>
-                <a:t>The advent of machine learning has revolutionized the way we approach text classification, particularly in the Short Message Service (SMS) domain. This research explores different machine learning algorithms and techniques to analyze their effects on sentiment recognition, specifically if an SMS is undesirable. The goal is to apply and analyze sophisticated machine learning techniques to classify SMS content into Spam, or not Spam (Ham) and analyze the effects that every single technique has and if it is suitable to implement in a day-day application.</a:t>
+                <a:t>The advent of machine learning has revolutionized the way we approach text classification, particularly in the Short Message Service (SMS) domain. This research explores different machine learning algorithms and techniques to analyze their effects on sentiment recognition, specifically if an SMS message is undesirable. An undesired message that could possibly be malicious </a:t>
+              </a:r>
+              <a:r>
+                <a:rPr lang="en-US" altLang="en-US" sz="3000">
+                  <a:latin typeface="Arial" panose="020B0604020202020204" pitchFamily="34" charset="0"/>
+                  <a:cs typeface="Arial" panose="020B0604020202020204" pitchFamily="34" charset="0"/>
+                </a:rPr>
+                <a:t>is called . </a:t>
+              </a:r>
+              <a:r>
+                <a:rPr lang="en-US" altLang="en-US" sz="3000" dirty="0">
+                  <a:latin typeface="Arial" panose="020B0604020202020204" pitchFamily="34" charset="0"/>
+                  <a:cs typeface="Arial" panose="020B0604020202020204" pitchFamily="34" charset="0"/>
+                </a:rPr>
+                <a:t>The goal is to apply and analyze sophisticated machine learning techniques to classify SMS content into Spam, or not Spam (Ham) and analyze the effects that every single technique has and if it is suitable to implement in a day-day application.</a:t>
               </a:r>
             </a:p>
           </p:txBody>
@@ -5201,7 +5215,7 @@
             </a:ln>
             <a:extLst>
               <a:ext uri="{909E8E84-426E-40dd-AFC4-6F175D3DCCD1}">
-                <a14:hiddenFill xmlns:a14="http://schemas.microsoft.com/office/drawing/2010/main" xmlns="">
+                <a14:hiddenFill xmlns="" xmlns:a14="http://schemas.microsoft.com/office/drawing/2010/main">
                   <a:solidFill>
                     <a:srgbClr val="FFFFFF"/>
                   </a:solidFill>
@@ -5954,7 +5968,7 @@
             </a:ln>
             <a:extLst>
               <a:ext uri="{909E8E84-426E-40dd-AFC4-6F175D3DCCD1}">
-                <a14:hiddenFill xmlns:a14="http://schemas.microsoft.com/office/drawing/2010/main" xmlns="">
+                <a14:hiddenFill xmlns="" xmlns:a14="http://schemas.microsoft.com/office/drawing/2010/main">
                   <a:solidFill>
                     <a:srgbClr val="FFFFFF"/>
                   </a:solidFill>
@@ -6293,7 +6307,7 @@
             </a:ln>
             <a:extLst>
               <a:ext uri="{909E8E84-426E-40dd-AFC4-6F175D3DCCD1}">
-                <a14:hiddenFill xmlns:a14="http://schemas.microsoft.com/office/drawing/2010/main" xmlns="">
+                <a14:hiddenFill xmlns="" xmlns:a14="http://schemas.microsoft.com/office/drawing/2010/main">
                   <a:solidFill>
                     <a:srgbClr val="FFFFFF"/>
                   </a:solidFill>
@@ -6632,7 +6646,7 @@
             </a:ln>
             <a:extLst>
               <a:ext uri="{909E8E84-426E-40dd-AFC4-6F175D3DCCD1}">
-                <a14:hiddenFill xmlns:a14="http://schemas.microsoft.com/office/drawing/2010/main" xmlns="">
+                <a14:hiddenFill xmlns="" xmlns:a14="http://schemas.microsoft.com/office/drawing/2010/main">
                   <a:solidFill>
                     <a:srgbClr val="FFFFFF"/>
                   </a:solidFill>
@@ -7103,7 +7117,7 @@
             </a:ln>
             <a:extLst>
               <a:ext uri="{909E8E84-426E-40dd-AFC4-6F175D3DCCD1}">
-                <a14:hiddenFill xmlns:a14="http://schemas.microsoft.com/office/drawing/2010/main" xmlns="">
+                <a14:hiddenFill xmlns="" xmlns:a14="http://schemas.microsoft.com/office/drawing/2010/main">
                   <a:solidFill>
                     <a:srgbClr val="FFFFFF"/>
                   </a:solidFill>
@@ -7439,7 +7453,7 @@
             </a:ln>
             <a:extLst>
               <a:ext uri="{909E8E84-426E-40dd-AFC4-6F175D3DCCD1}">
-                <a14:hiddenFill xmlns:a14="http://schemas.microsoft.com/office/drawing/2010/main" xmlns="">
+                <a14:hiddenFill xmlns="" xmlns:a14="http://schemas.microsoft.com/office/drawing/2010/main">
                   <a:solidFill>
                     <a:srgbClr val="FFFFFF"/>
                   </a:solidFill>
@@ -7974,7 +7988,7 @@
             </a:ln>
             <a:extLst>
               <a:ext uri="{909E8E84-426E-40dd-AFC4-6F175D3DCCD1}">
-                <a14:hiddenFill xmlns:a14="http://schemas.microsoft.com/office/drawing/2010/main" xmlns="">
+                <a14:hiddenFill xmlns="" xmlns:a14="http://schemas.microsoft.com/office/drawing/2010/main">
                   <a:solidFill>
                     <a:srgbClr val="FFFFFF"/>
                   </a:solidFill>
@@ -8196,7 +8210,7 @@
                 <a:buChar char="•"/>
               </a:pPr>
               <a:r>
-                <a:rPr lang="en-US" sz="3000" b="1">
+                <a:rPr lang="en-US" sz="3000" b="1" dirty="0">
                   <a:latin typeface="Arial" panose="020B0604020202020204" pitchFamily="34" charset="0"/>
                   <a:cs typeface="Arial" panose="020B0604020202020204" pitchFamily="34" charset="0"/>
                 </a:rPr>

--- a/UREPosterAndAssignments/SMS DETECTION POSTER - ARMANDO OROZCO- SAC.pptx
+++ b/UREPosterAndAssignments/SMS DETECTION POSTER - ARMANDO OROZCO- SAC.pptx
@@ -257,7 +257,7 @@
               <a:pPr>
                 <a:defRPr/>
               </a:pPr>
-              <a:t>7/25/2024</a:t>
+              <a:t>7/26/2024</a:t>
             </a:fld>
             <a:endParaRPr lang="en-US" altLang="en-US"/>
           </a:p>
@@ -984,7 +984,7 @@
               <a:pPr>
                 <a:defRPr/>
               </a:pPr>
-              <a:t>7/25/2024</a:t>
+              <a:t>7/26/2024</a:t>
             </a:fld>
             <a:endParaRPr lang="en-US" altLang="en-US"/>
           </a:p>
@@ -1181,7 +1181,7 @@
               <a:pPr>
                 <a:defRPr/>
               </a:pPr>
-              <a:t>7/25/2024</a:t>
+              <a:t>7/26/2024</a:t>
             </a:fld>
             <a:endParaRPr lang="en-US" altLang="en-US"/>
           </a:p>
@@ -1388,7 +1388,7 @@
               <a:pPr>
                 <a:defRPr/>
               </a:pPr>
-              <a:t>7/25/2024</a:t>
+              <a:t>7/26/2024</a:t>
             </a:fld>
             <a:endParaRPr lang="en-US" altLang="en-US"/>
           </a:p>
@@ -1585,7 +1585,7 @@
               <a:pPr>
                 <a:defRPr/>
               </a:pPr>
-              <a:t>7/25/2024</a:t>
+              <a:t>7/26/2024</a:t>
             </a:fld>
             <a:endParaRPr lang="en-US" altLang="en-US"/>
           </a:p>
@@ -1856,7 +1856,7 @@
               <a:pPr>
                 <a:defRPr/>
               </a:pPr>
-              <a:t>7/25/2024</a:t>
+              <a:t>7/26/2024</a:t>
             </a:fld>
             <a:endParaRPr lang="en-US" altLang="en-US"/>
           </a:p>
@@ -2115,7 +2115,7 @@
               <a:pPr>
                 <a:defRPr/>
               </a:pPr>
-              <a:t>7/25/2024</a:t>
+              <a:t>7/26/2024</a:t>
             </a:fld>
             <a:endParaRPr lang="en-US" altLang="en-US"/>
           </a:p>
@@ -2509,7 +2509,7 @@
               <a:pPr>
                 <a:defRPr/>
               </a:pPr>
-              <a:t>7/25/2024</a:t>
+              <a:t>7/26/2024</a:t>
             </a:fld>
             <a:endParaRPr lang="en-US" altLang="en-US"/>
           </a:p>
@@ -2654,7 +2654,7 @@
               <a:pPr>
                 <a:defRPr/>
               </a:pPr>
-              <a:t>7/25/2024</a:t>
+              <a:t>7/26/2024</a:t>
             </a:fld>
             <a:endParaRPr lang="en-US" altLang="en-US"/>
           </a:p>
@@ -2776,7 +2776,7 @@
               <a:pPr>
                 <a:defRPr/>
               </a:pPr>
-              <a:t>7/25/2024</a:t>
+              <a:t>7/26/2024</a:t>
             </a:fld>
             <a:endParaRPr lang="en-US" altLang="en-US"/>
           </a:p>
@@ -3080,7 +3080,7 @@
               <a:pPr>
                 <a:defRPr/>
               </a:pPr>
-              <a:t>7/25/2024</a:t>
+              <a:t>7/26/2024</a:t>
             </a:fld>
             <a:endParaRPr lang="en-US" altLang="en-US"/>
           </a:p>
@@ -3366,7 +3366,7 @@
               <a:pPr>
                 <a:defRPr/>
               </a:pPr>
-              <a:t>7/25/2024</a:t>
+              <a:t>7/26/2024</a:t>
             </a:fld>
             <a:endParaRPr lang="en-US" altLang="en-US"/>
           </a:p>
@@ -3662,7 +3662,7 @@
               <a:pPr>
                 <a:defRPr/>
               </a:pPr>
-              <a:t>7/25/2024</a:t>
+              <a:t>7/26/2024</a:t>
             </a:fld>
             <a:endParaRPr lang="en-US" altLang="en-US"/>
           </a:p>
@@ -4765,21 +4765,7 @@
                   <a:latin typeface="Arial" panose="020B0604020202020204" pitchFamily="34" charset="0"/>
                   <a:cs typeface="Arial" panose="020B0604020202020204" pitchFamily="34" charset="0"/>
                 </a:rPr>
-                <a:t>The advent of machine learning has revolutionized the way we approach text classification, particularly in the Short Message Service (SMS) domain. This research explores different machine learning algorithms and techniques to analyze their effects on sentiment recognition, specifically if an SMS message is undesirable. An undesired message that could possibly be malicious </a:t>
-              </a:r>
-              <a:r>
-                <a:rPr lang="en-US" altLang="en-US" sz="3000">
-                  <a:latin typeface="Arial" panose="020B0604020202020204" pitchFamily="34" charset="0"/>
-                  <a:cs typeface="Arial" panose="020B0604020202020204" pitchFamily="34" charset="0"/>
-                </a:rPr>
-                <a:t>is called . </a:t>
-              </a:r>
-              <a:r>
-                <a:rPr lang="en-US" altLang="en-US" sz="3000" dirty="0">
-                  <a:latin typeface="Arial" panose="020B0604020202020204" pitchFamily="34" charset="0"/>
-                  <a:cs typeface="Arial" panose="020B0604020202020204" pitchFamily="34" charset="0"/>
-                </a:rPr>
-                <a:t>The goal is to apply and analyze sophisticated machine learning techniques to classify SMS content into Spam, or not Spam (Ham) and analyze the effects that every single technique has and if it is suitable to implement in a day-day application.</a:t>
+                <a:t>The advent of machine learning has revolutionized the way we approach text classification, particularly in the Short Message Service (SMS) domain. This research explores different machine learning algorithms and techniques to analyze their effects on sentiment recognition, specifically if an SMS message is undesirable. An undesired message that could possibly be malicious is called . The goal is to apply and analyze sophisticated machine learning techniques to classify SMS content into Spam, or not Spam (Ham) and analyze the effects that every single technique has and if it is suitable to implement in a day-day application.</a:t>
               </a:r>
             </a:p>
           </p:txBody>
@@ -5184,10 +5170,10 @@
         </p:nvGrpSpPr>
         <p:grpSpPr bwMode="auto">
           <a:xfrm>
-            <a:off x="363538" y="8988986"/>
-            <a:ext cx="14240654" cy="23875270"/>
-            <a:chOff x="432287" y="4365904"/>
-            <a:chExt cx="13705567" cy="12998947"/>
+            <a:off x="363538" y="9677256"/>
+            <a:ext cx="14235112" cy="22685383"/>
+            <a:chOff x="432287" y="4361588"/>
+            <a:chExt cx="13700233" cy="12351110"/>
           </a:xfrm>
         </p:grpSpPr>
         <p:sp>
@@ -5201,7 +5187,7 @@
           <p:spPr bwMode="auto">
             <a:xfrm>
               <a:off x="432287" y="4848765"/>
-              <a:ext cx="13700233" cy="12516086"/>
+              <a:ext cx="13700233" cy="11863933"/>
             </a:xfrm>
             <a:prstGeom prst="rect">
               <a:avLst/>
@@ -5334,13 +5320,6 @@
                 </a:defRPr>
               </a:lvl9pPr>
             </a:lstStyle>
-            <a:p>
-              <a:pPr marL="0" indent="0"/>
-              <a:endParaRPr lang="en-US" sz="3000" strike="sngStrike" dirty="0">
-                <a:latin typeface="Arial" panose="020B0604020202020204" pitchFamily="34" charset="0"/>
-                <a:cs typeface="Arial" panose="020B0604020202020204" pitchFamily="34" charset="0"/>
-              </a:endParaRPr>
-            </a:p>
             <a:p>
               <a:pPr>
                 <a:buFont typeface="Arial" panose="020B0604020202020204" pitchFamily="34" charset="0"/>
@@ -5483,7 +5462,7 @@
                   <a:latin typeface="Arial" panose="020B0604020202020204" pitchFamily="34" charset="0"/>
                   <a:cs typeface="Arial" panose="020B0604020202020204" pitchFamily="34" charset="0"/>
                 </a:rPr>
-                <a:t> for machine learning models, and some NLP techniques, and finally, </a:t>
+                <a:t> for machine learning models. Some NLP techniques, and finally, </a:t>
               </a:r>
               <a:r>
                 <a:rPr lang="en-US" sz="3000" b="1" dirty="0">
@@ -5497,7 +5476,7 @@
                   <a:latin typeface="Arial" panose="020B0604020202020204" pitchFamily="34" charset="0"/>
                   <a:cs typeface="Arial" panose="020B0604020202020204" pitchFamily="34" charset="0"/>
                 </a:rPr>
-                <a:t> provided some NLP tokenization techniques in specific the ‘</a:t>
+                <a:t> provided some NLP tokenization techniques specific to the ‘</a:t>
               </a:r>
               <a:r>
                 <a:rPr lang="en-US" sz="3000" b="1" dirty="0" err="1">
@@ -5561,42 +5540,8 @@
                   <a:latin typeface="Arial" panose="020B0604020202020204" pitchFamily="34" charset="0"/>
                   <a:cs typeface="Arial" panose="020B0604020202020204" pitchFamily="34" charset="0"/>
                 </a:rPr>
-                <a:t>The data was collected from different sources to have less biased results two data sets were selected. The first data set was selected from the UCI machine-learning repository</a:t>
+                <a:t>Data was collected from the UCI machine learning repository and a paper by Mishra, S, &amp; Soni. The second dataset is simplified by removing the 'URL', 'PHONE', and 'EMAIL' columns, as the focus is on NLP techniques without external information.</a:t>
               </a:r>
-              <a:r>
-                <a:rPr lang="en-US" sz="3000" baseline="30000" dirty="0">
-                  <a:latin typeface="Arial" panose="020B0604020202020204" pitchFamily="34" charset="0"/>
-                  <a:cs typeface="Arial" panose="020B0604020202020204" pitchFamily="34" charset="0"/>
-                </a:rPr>
-                <a:t>1</a:t>
-              </a:r>
-              <a:r>
-                <a:rPr lang="en-US" sz="3000" dirty="0">
-                  <a:latin typeface="Arial" panose="020B0604020202020204" pitchFamily="34" charset="0"/>
-                  <a:cs typeface="Arial" panose="020B0604020202020204" pitchFamily="34" charset="0"/>
-                </a:rPr>
-                <a:t>, and the second data set was collected from Mishra, S, &amp; Soni, D. paper</a:t>
-              </a:r>
-              <a:r>
-                <a:rPr lang="en-US" sz="3000" baseline="30000" dirty="0">
-                  <a:latin typeface="Arial" panose="020B0604020202020204" pitchFamily="34" charset="0"/>
-                  <a:cs typeface="Arial" panose="020B0604020202020204" pitchFamily="34" charset="0"/>
-                </a:rPr>
-                <a:t>2</a:t>
-              </a:r>
-              <a:r>
-                <a:rPr lang="en-US" sz="3000" dirty="0">
-                  <a:latin typeface="Arial" panose="020B0604020202020204" pitchFamily="34" charset="0"/>
-                  <a:cs typeface="Arial" panose="020B0604020202020204" pitchFamily="34" charset="0"/>
-                </a:rPr>
-                <a:t>, in which several techniques are discussed to solve this problem. In the particular case of this experiment, the second data set was simplified as the columns ‘URL’, ‘PHONE’, and ‘EMAIL’, were unnecessary, since the point of this research is to explore text data without external information, only using NLP techniques, the use of external variables or features are discouraged.</a:t>
-              </a:r>
-            </a:p>
-            <a:p>
-              <a:pPr>
-                <a:buFont typeface="Arial" panose="020B0604020202020204" pitchFamily="34" charset="0"/>
-                <a:buChar char="•"/>
-              </a:pPr>
               <a:endParaRPr lang="en-US" sz="3000" b="1" dirty="0">
                 <a:latin typeface="Arial" panose="020B0604020202020204" pitchFamily="34" charset="0"/>
                 <a:cs typeface="Arial" panose="020B0604020202020204" pitchFamily="34" charset="0"/>
@@ -5760,6 +5705,43 @@
                 </a:rPr>
                 <a:t>After the words were lemmatized and the stop words were removed, the remaining words were turned into numbers, for example. The word “hello” = 1, and “book” = 2, this would be repeated with all words. After every word was assigned a number, all sentences were rewritten with their respective word-to-number translation</a:t>
               </a:r>
+            </a:p>
+            <a:p>
+              <a:pPr lvl="1">
+                <a:buFont typeface="Arial" panose="020B0604020202020204" pitchFamily="34" charset="0"/>
+                <a:buChar char="•"/>
+              </a:pPr>
+              <a:r>
+                <a:rPr lang="en-US" sz="3000" b="1" dirty="0">
+                  <a:latin typeface="Arial" panose="020B0604020202020204" pitchFamily="34" charset="0"/>
+                  <a:cs typeface="Arial" panose="020B0604020202020204" pitchFamily="34" charset="0"/>
+                </a:rPr>
+                <a:t>Padding:</a:t>
+              </a:r>
+              <a:r>
+                <a:rPr lang="en-US" sz="3000" dirty="0">
+                  <a:latin typeface="Arial" panose="020B0604020202020204" pitchFamily="34" charset="0"/>
+                  <a:cs typeface="Arial" panose="020B0604020202020204" pitchFamily="34" charset="0"/>
+                </a:rPr>
+                <a:t> After the tokenization and the lemmatization, the sentences need to be converted to lists of the same length, a padding algorithm was provided by the </a:t>
+              </a:r>
+              <a:r>
+                <a:rPr lang="en-US" sz="3000" b="1" dirty="0">
+                  <a:latin typeface="Arial" panose="020B0604020202020204" pitchFamily="34" charset="0"/>
+                  <a:cs typeface="Arial" panose="020B0604020202020204" pitchFamily="34" charset="0"/>
+                </a:rPr>
+                <a:t>TensorFlow </a:t>
+              </a:r>
+              <a:r>
+                <a:rPr lang="en-US" sz="3000" dirty="0">
+                  <a:latin typeface="Arial" panose="020B0604020202020204" pitchFamily="34" charset="0"/>
+                  <a:cs typeface="Arial" panose="020B0604020202020204" pitchFamily="34" charset="0"/>
+                </a:rPr>
+                <a:t>library</a:t>
+              </a:r>
+            </a:p>
+            <a:p>
+              <a:pPr marL="457200" lvl="1" indent="0"/>
               <a:endParaRPr lang="en-US" sz="3000" b="1" dirty="0">
                 <a:latin typeface="Arial" panose="020B0604020202020204" pitchFamily="34" charset="0"/>
                 <a:cs typeface="Arial" panose="020B0604020202020204" pitchFamily="34" charset="0"/>
@@ -5784,7 +5766,7 @@
           </p:nvSpPr>
           <p:spPr bwMode="auto">
             <a:xfrm>
-              <a:off x="437621" y="4365904"/>
+              <a:off x="432287" y="4361588"/>
               <a:ext cx="13700233" cy="448784"/>
             </a:xfrm>
             <a:prstGeom prst="rect">
@@ -5937,7 +5919,7 @@
         </p:nvGrpSpPr>
         <p:grpSpPr bwMode="auto">
           <a:xfrm>
-            <a:off x="29223214" y="4275403"/>
+            <a:off x="29292552" y="16787004"/>
             <a:ext cx="14240655" cy="3294752"/>
             <a:chOff x="432287" y="4365904"/>
             <a:chExt cx="13705568" cy="1779348"/>
@@ -6276,7 +6258,7 @@
         </p:nvGrpSpPr>
         <p:grpSpPr bwMode="auto">
           <a:xfrm>
-            <a:off x="29239839" y="15939131"/>
+            <a:off x="29426248" y="19884435"/>
             <a:ext cx="14240655" cy="2371424"/>
             <a:chOff x="432287" y="4365904"/>
             <a:chExt cx="13705568" cy="1280700"/>
@@ -6615,7 +6597,7 @@
         </p:nvGrpSpPr>
         <p:grpSpPr bwMode="auto">
           <a:xfrm>
-            <a:off x="29239839" y="20183080"/>
+            <a:off x="29431791" y="22755314"/>
             <a:ext cx="14240655" cy="7449738"/>
             <a:chOff x="432287" y="4365904"/>
             <a:chExt cx="13705568" cy="4023269"/>
@@ -7086,10 +7068,10 @@
         </p:nvGrpSpPr>
         <p:grpSpPr bwMode="auto">
           <a:xfrm>
-            <a:off x="29239839" y="29649519"/>
-            <a:ext cx="14240655" cy="2371424"/>
-            <a:chOff x="432287" y="4365904"/>
-            <a:chExt cx="13705568" cy="1280700"/>
+            <a:off x="29437335" y="30515979"/>
+            <a:ext cx="14287825" cy="2402421"/>
+            <a:chOff x="432287" y="4349164"/>
+            <a:chExt cx="13750966" cy="1297440"/>
           </a:xfrm>
         </p:grpSpPr>
         <p:sp>
@@ -7269,7 +7251,7 @@
           </p:nvSpPr>
           <p:spPr bwMode="auto">
             <a:xfrm>
-              <a:off x="437621" y="4365904"/>
+              <a:off x="483019" y="4349164"/>
               <a:ext cx="13700234" cy="448784"/>
             </a:xfrm>
             <a:prstGeom prst="rect">
@@ -7422,10 +7404,10 @@
         </p:nvGrpSpPr>
         <p:grpSpPr bwMode="auto">
           <a:xfrm>
-            <a:off x="14645820" y="27243169"/>
-            <a:ext cx="14240654" cy="6064739"/>
-            <a:chOff x="432287" y="4365904"/>
-            <a:chExt cx="13705567" cy="3275292"/>
+            <a:off x="15024581" y="25455243"/>
+            <a:ext cx="14267971" cy="6077839"/>
+            <a:chOff x="432287" y="4358829"/>
+            <a:chExt cx="13731857" cy="3282367"/>
           </a:xfrm>
         </p:grpSpPr>
         <p:sp>
@@ -7652,7 +7634,7 @@
           </p:nvSpPr>
           <p:spPr bwMode="auto">
             <a:xfrm>
-              <a:off x="437621" y="4365904"/>
+              <a:off x="463911" y="4358829"/>
               <a:ext cx="13700233" cy="448784"/>
             </a:xfrm>
             <a:prstGeom prst="rect">
@@ -7952,9 +7934,9 @@
         <p:grpSpPr bwMode="auto">
           <a:xfrm>
             <a:off x="14796147" y="4278696"/>
-            <a:ext cx="14240654" cy="11143055"/>
+            <a:ext cx="14240654" cy="9758059"/>
             <a:chOff x="432287" y="4365904"/>
-            <a:chExt cx="13705567" cy="6017861"/>
+            <a:chExt cx="13705567" cy="5269887"/>
           </a:xfrm>
         </p:grpSpPr>
         <p:sp>
@@ -7974,7 +7956,7 @@
           <p:spPr bwMode="auto">
             <a:xfrm>
               <a:off x="432287" y="4848764"/>
-              <a:ext cx="13700233" cy="5535001"/>
+              <a:ext cx="13700233" cy="4787027"/>
             </a:xfrm>
             <a:prstGeom prst="rect">
               <a:avLst/>
@@ -8107,40 +8089,6 @@
                 </a:defRPr>
               </a:lvl9pPr>
             </a:lstStyle>
-            <a:p>
-              <a:pPr marL="914400" lvl="1" indent="-457200">
-                <a:buFont typeface="Arial" panose="020B0604020202020204" pitchFamily="34" charset="0"/>
-                <a:buChar char="•"/>
-              </a:pPr>
-              <a:r>
-                <a:rPr lang="en-US" sz="3000" b="1" dirty="0">
-                  <a:latin typeface="Arial" panose="020B0604020202020204" pitchFamily="34" charset="0"/>
-                  <a:cs typeface="Arial" panose="020B0604020202020204" pitchFamily="34" charset="0"/>
-                </a:rPr>
-                <a:t>Padding:</a:t>
-              </a:r>
-              <a:r>
-                <a:rPr lang="en-US" sz="3000" dirty="0">
-                  <a:latin typeface="Arial" panose="020B0604020202020204" pitchFamily="34" charset="0"/>
-                  <a:cs typeface="Arial" panose="020B0604020202020204" pitchFamily="34" charset="0"/>
-                </a:rPr>
-                <a:t> After the tokenization and the lemmatization, the sentences need to be converted to lists of the same length, a padding algorithm was provided by the </a:t>
-              </a:r>
-              <a:r>
-                <a:rPr lang="en-US" sz="3000" b="1" dirty="0">
-                  <a:latin typeface="Arial" panose="020B0604020202020204" pitchFamily="34" charset="0"/>
-                  <a:cs typeface="Arial" panose="020B0604020202020204" pitchFamily="34" charset="0"/>
-                </a:rPr>
-                <a:t>TensorFlow </a:t>
-              </a:r>
-              <a:r>
-                <a:rPr lang="en-US" sz="3000" dirty="0">
-                  <a:latin typeface="Arial" panose="020B0604020202020204" pitchFamily="34" charset="0"/>
-                  <a:cs typeface="Arial" panose="020B0604020202020204" pitchFamily="34" charset="0"/>
-                </a:rPr>
-                <a:t>library</a:t>
-              </a:r>
-            </a:p>
             <a:p>
               <a:pPr lvl="1">
                 <a:buFont typeface="Arial" panose="020B0604020202020204" pitchFamily="34" charset="0"/>
@@ -8486,6 +8434,42 @@
           </p:txBody>
         </p:sp>
       </p:grpSp>
+      <p:pic>
+        <p:nvPicPr>
+          <p:cNvPr id="9" name="Picture 8" descr="A diagram of the process">
+            <a:extLst>
+              <a:ext uri="{FF2B5EF4-FFF2-40B4-BE49-F238E27FC236}">
+                <a16:creationId xmlns:a16="http://schemas.microsoft.com/office/drawing/2014/main" id="{63D02D34-C393-6F50-0B9A-134BD5AF7301}"/>
+              </a:ext>
+            </a:extLst>
+          </p:cNvPr>
+          <p:cNvPicPr>
+            <a:picLocks noChangeAspect="1"/>
+          </p:cNvPicPr>
+          <p:nvPr/>
+        </p:nvPicPr>
+        <p:blipFill>
+          <a:blip r:embed="rId8">
+            <a:extLst>
+              <a:ext uri="{28A0092B-C50C-407E-A947-70E740481C1C}">
+                <a14:useLocalDpi xmlns:a14="http://schemas.microsoft.com/office/drawing/2010/main" val="0"/>
+              </a:ext>
+            </a:extLst>
+          </a:blip>
+          <a:stretch>
+            <a:fillRect/>
+          </a:stretch>
+        </p:blipFill>
+        <p:spPr>
+          <a:xfrm>
+            <a:off x="15024581" y="13103875"/>
+            <a:ext cx="12587920" cy="11010846"/>
+          </a:xfrm>
+          <a:prstGeom prst="rect">
+            <a:avLst/>
+          </a:prstGeom>
+        </p:spPr>
+      </p:pic>
     </p:spTree>
   </p:cSld>
   <p:clrMapOvr>

--- a/UREPosterAndAssignments/SMS DETECTION POSTER - ARMANDO OROZCO- SAC.pptx
+++ b/UREPosterAndAssignments/SMS DETECTION POSTER - ARMANDO OROZCO- SAC.pptx
@@ -257,7 +257,7 @@
               <a:pPr>
                 <a:defRPr/>
               </a:pPr>
-              <a:t>7/26/2024</a:t>
+              <a:t>7/27/2024</a:t>
             </a:fld>
             <a:endParaRPr lang="en-US" altLang="en-US"/>
           </a:p>
@@ -610,14 +610,14 @@
           </a:ln>
           <a:extLst>
             <a:ext uri="{909E8E84-426E-40dd-AFC4-6F175D3DCCD1}">
-              <a14:hiddenFill xmlns="" xmlns:a14="http://schemas.microsoft.com/office/drawing/2010/main">
+              <a14:hiddenFill xmlns:a14="http://schemas.microsoft.com/office/drawing/2010/main" xmlns="">
                 <a:solidFill>
                   <a:srgbClr val="FFFFFF"/>
                 </a:solidFill>
               </a14:hiddenFill>
             </a:ext>
             <a:ext uri="{FAA26D3D-D897-4be2-8F04-BA451C77F1D7}">
-              <ma14:placeholderFlag xmlns="" xmlns:ma14="http://schemas.microsoft.com/office/mac/drawingml/2011/main" val="1"/>
+              <ma14:placeholderFlag xmlns:ma14="http://schemas.microsoft.com/office/mac/drawingml/2011/main" xmlns="" val="1"/>
             </a:ext>
           </a:extLst>
         </p:spPr>
@@ -636,14 +636,14 @@
           <a:noFill/>
           <a:extLst>
             <a:ext uri="{909E8E84-426E-40dd-AFC4-6F175D3DCCD1}">
-              <a14:hiddenFill xmlns="" xmlns:a14="http://schemas.microsoft.com/office/drawing/2010/main">
+              <a14:hiddenFill xmlns:a14="http://schemas.microsoft.com/office/drawing/2010/main" xmlns="">
                 <a:solidFill>
                   <a:srgbClr val="FFFFFF"/>
                 </a:solidFill>
               </a14:hiddenFill>
             </a:ext>
             <a:ext uri="{91240B29-F687-4f45-9708-019B960494DF}">
-              <a14:hiddenLine xmlns="" xmlns:a14="http://schemas.microsoft.com/office/drawing/2010/main" w="9525">
+              <a14:hiddenLine xmlns:a14="http://schemas.microsoft.com/office/drawing/2010/main" xmlns="" w="9525">
                 <a:solidFill>
                   <a:srgbClr val="000000"/>
                 </a:solidFill>
@@ -653,7 +653,7 @@
               </a14:hiddenLine>
             </a:ext>
             <a:ext uri="{FAA26D3D-D897-4be2-8F04-BA451C77F1D7}">
-              <ma14:placeholderFlag xmlns="" xmlns:ma14="http://schemas.microsoft.com/office/mac/drawingml/2011/main" val="1"/>
+              <ma14:placeholderFlag xmlns:ma14="http://schemas.microsoft.com/office/mac/drawingml/2011/main" xmlns="" val="1"/>
             </a:ext>
           </a:extLst>
         </p:spPr>
@@ -693,14 +693,14 @@
           <a:noFill/>
           <a:extLst>
             <a:ext uri="{909E8E84-426E-40dd-AFC4-6F175D3DCCD1}">
-              <a14:hiddenFill xmlns="" xmlns:a14="http://schemas.microsoft.com/office/drawing/2010/main">
+              <a14:hiddenFill xmlns:a14="http://schemas.microsoft.com/office/drawing/2010/main" xmlns="">
                 <a:solidFill>
                   <a:srgbClr val="FFFFFF"/>
                 </a:solidFill>
               </a14:hiddenFill>
             </a:ext>
             <a:ext uri="{91240B29-F687-4f45-9708-019B960494DF}">
-              <a14:hiddenLine xmlns="" xmlns:a14="http://schemas.microsoft.com/office/drawing/2010/main" w="9525">
+              <a14:hiddenLine xmlns:a14="http://schemas.microsoft.com/office/drawing/2010/main" xmlns="" w="9525">
                 <a:solidFill>
                   <a:srgbClr val="000000"/>
                 </a:solidFill>
@@ -984,7 +984,7 @@
               <a:pPr>
                 <a:defRPr/>
               </a:pPr>
-              <a:t>7/26/2024</a:t>
+              <a:t>7/27/2024</a:t>
             </a:fld>
             <a:endParaRPr lang="en-US" altLang="en-US"/>
           </a:p>
@@ -1181,7 +1181,7 @@
               <a:pPr>
                 <a:defRPr/>
               </a:pPr>
-              <a:t>7/26/2024</a:t>
+              <a:t>7/27/2024</a:t>
             </a:fld>
             <a:endParaRPr lang="en-US" altLang="en-US"/>
           </a:p>
@@ -1388,7 +1388,7 @@
               <a:pPr>
                 <a:defRPr/>
               </a:pPr>
-              <a:t>7/26/2024</a:t>
+              <a:t>7/27/2024</a:t>
             </a:fld>
             <a:endParaRPr lang="en-US" altLang="en-US"/>
           </a:p>
@@ -1585,7 +1585,7 @@
               <a:pPr>
                 <a:defRPr/>
               </a:pPr>
-              <a:t>7/26/2024</a:t>
+              <a:t>7/27/2024</a:t>
             </a:fld>
             <a:endParaRPr lang="en-US" altLang="en-US"/>
           </a:p>
@@ -1856,7 +1856,7 @@
               <a:pPr>
                 <a:defRPr/>
               </a:pPr>
-              <a:t>7/26/2024</a:t>
+              <a:t>7/27/2024</a:t>
             </a:fld>
             <a:endParaRPr lang="en-US" altLang="en-US"/>
           </a:p>
@@ -2115,7 +2115,7 @@
               <a:pPr>
                 <a:defRPr/>
               </a:pPr>
-              <a:t>7/26/2024</a:t>
+              <a:t>7/27/2024</a:t>
             </a:fld>
             <a:endParaRPr lang="en-US" altLang="en-US"/>
           </a:p>
@@ -2509,7 +2509,7 @@
               <a:pPr>
                 <a:defRPr/>
               </a:pPr>
-              <a:t>7/26/2024</a:t>
+              <a:t>7/27/2024</a:t>
             </a:fld>
             <a:endParaRPr lang="en-US" altLang="en-US"/>
           </a:p>
@@ -2654,7 +2654,7 @@
               <a:pPr>
                 <a:defRPr/>
               </a:pPr>
-              <a:t>7/26/2024</a:t>
+              <a:t>7/27/2024</a:t>
             </a:fld>
             <a:endParaRPr lang="en-US" altLang="en-US"/>
           </a:p>
@@ -2776,7 +2776,7 @@
               <a:pPr>
                 <a:defRPr/>
               </a:pPr>
-              <a:t>7/26/2024</a:t>
+              <a:t>7/27/2024</a:t>
             </a:fld>
             <a:endParaRPr lang="en-US" altLang="en-US"/>
           </a:p>
@@ -3080,7 +3080,7 @@
               <a:pPr>
                 <a:defRPr/>
               </a:pPr>
-              <a:t>7/26/2024</a:t>
+              <a:t>7/27/2024</a:t>
             </a:fld>
             <a:endParaRPr lang="en-US" altLang="en-US"/>
           </a:p>
@@ -3366,7 +3366,7 @@
               <a:pPr>
                 <a:defRPr/>
               </a:pPr>
-              <a:t>7/26/2024</a:t>
+              <a:t>7/27/2024</a:t>
             </a:fld>
             <a:endParaRPr lang="en-US" altLang="en-US"/>
           </a:p>
@@ -3493,14 +3493,14 @@
           </a:ln>
           <a:extLst>
             <a:ext uri="{909E8E84-426E-40dd-AFC4-6F175D3DCCD1}">
-              <a14:hiddenFill xmlns="" xmlns:a14="http://schemas.microsoft.com/office/drawing/2010/main">
+              <a14:hiddenFill xmlns:a14="http://schemas.microsoft.com/office/drawing/2010/main" xmlns="">
                 <a:solidFill>
                   <a:srgbClr val="FFFFFF"/>
                 </a:solidFill>
               </a14:hiddenFill>
             </a:ext>
             <a:ext uri="{91240B29-F687-4f45-9708-019B960494DF}">
-              <a14:hiddenLine xmlns="" xmlns:a14="http://schemas.microsoft.com/office/drawing/2010/main" w="9525">
+              <a14:hiddenLine xmlns:a14="http://schemas.microsoft.com/office/drawing/2010/main" xmlns="" w="9525">
                 <a:solidFill>
                   <a:srgbClr val="000000"/>
                 </a:solidFill>
@@ -3510,7 +3510,7 @@
               </a14:hiddenLine>
             </a:ext>
             <a:ext uri="{FAA26D3D-D897-4be2-8F04-BA451C77F1D7}">
-              <ma14:placeholderFlag xmlns="" xmlns:ma14="http://schemas.microsoft.com/office/mac/drawingml/2011/main" val="1"/>
+              <ma14:placeholderFlag xmlns:ma14="http://schemas.microsoft.com/office/mac/drawingml/2011/main" xmlns="" val="1"/>
             </a:ext>
           </a:extLst>
         </p:spPr>
@@ -3554,14 +3554,14 @@
           </a:ln>
           <a:extLst>
             <a:ext uri="{909E8E84-426E-40dd-AFC4-6F175D3DCCD1}">
-              <a14:hiddenFill xmlns="" xmlns:a14="http://schemas.microsoft.com/office/drawing/2010/main">
+              <a14:hiddenFill xmlns:a14="http://schemas.microsoft.com/office/drawing/2010/main" xmlns="">
                 <a:solidFill>
                   <a:srgbClr val="FFFFFF"/>
                 </a:solidFill>
               </a14:hiddenFill>
             </a:ext>
             <a:ext uri="{91240B29-F687-4f45-9708-019B960494DF}">
-              <a14:hiddenLine xmlns="" xmlns:a14="http://schemas.microsoft.com/office/drawing/2010/main" w="9525">
+              <a14:hiddenLine xmlns:a14="http://schemas.microsoft.com/office/drawing/2010/main" xmlns="" w="9525">
                 <a:solidFill>
                   <a:srgbClr val="000000"/>
                 </a:solidFill>
@@ -3571,7 +3571,7 @@
               </a14:hiddenLine>
             </a:ext>
             <a:ext uri="{FAA26D3D-D897-4be2-8F04-BA451C77F1D7}">
-              <ma14:placeholderFlag xmlns="" xmlns:ma14="http://schemas.microsoft.com/office/mac/drawingml/2011/main" val="1"/>
+              <ma14:placeholderFlag xmlns:ma14="http://schemas.microsoft.com/office/mac/drawingml/2011/main" xmlns="" val="1"/>
             </a:ext>
           </a:extLst>
         </p:spPr>
@@ -3662,7 +3662,7 @@
               <a:pPr>
                 <a:defRPr/>
               </a:pPr>
-              <a:t>7/26/2024</a:t>
+              <a:t>7/27/2024</a:t>
             </a:fld>
             <a:endParaRPr lang="en-US" altLang="en-US"/>
           </a:p>
@@ -4395,7 +4395,7 @@
           </a:ln>
           <a:extLst>
             <a:ext uri="{91240B29-F687-4f45-9708-019B960494DF}">
-              <a14:hiddenLine xmlns="" xmlns:a14="http://schemas.microsoft.com/office/drawing/2010/main" w="9525">
+              <a14:hiddenLine xmlns:a14="http://schemas.microsoft.com/office/drawing/2010/main" xmlns="" w="9525">
                 <a:solidFill>
                   <a:srgbClr val="000000"/>
                 </a:solidFill>
@@ -4639,7 +4639,7 @@
             </a:ln>
             <a:extLst>
               <a:ext uri="{909E8E84-426E-40dd-AFC4-6F175D3DCCD1}">
-                <a14:hiddenFill xmlns="" xmlns:a14="http://schemas.microsoft.com/office/drawing/2010/main">
+                <a14:hiddenFill xmlns:a14="http://schemas.microsoft.com/office/drawing/2010/main" xmlns="">
                   <a:solidFill>
                     <a:srgbClr val="FFFFFF"/>
                   </a:solidFill>
@@ -5171,9 +5171,9 @@
         <p:grpSpPr bwMode="auto">
           <a:xfrm>
             <a:off x="363538" y="9677256"/>
-            <a:ext cx="14235112" cy="22685383"/>
+            <a:ext cx="14235112" cy="24532042"/>
             <a:chOff x="432287" y="4361588"/>
-            <a:chExt cx="13700233" cy="12351110"/>
+            <a:chExt cx="13700233" cy="13356527"/>
           </a:xfrm>
         </p:grpSpPr>
         <p:sp>
@@ -5187,7 +5187,7 @@
           <p:spPr bwMode="auto">
             <a:xfrm>
               <a:off x="432287" y="4848765"/>
-              <a:ext cx="13700233" cy="11863933"/>
+              <a:ext cx="13700233" cy="12869350"/>
             </a:xfrm>
             <a:prstGeom prst="rect">
               <a:avLst/>
@@ -5201,7 +5201,7 @@
             </a:ln>
             <a:extLst>
               <a:ext uri="{909E8E84-426E-40dd-AFC4-6F175D3DCCD1}">
-                <a14:hiddenFill xmlns="" xmlns:a14="http://schemas.microsoft.com/office/drawing/2010/main">
+                <a14:hiddenFill xmlns:a14="http://schemas.microsoft.com/office/drawing/2010/main" xmlns="">
                   <a:solidFill>
                     <a:srgbClr val="FFFFFF"/>
                   </a:solidFill>
@@ -5343,13 +5343,48 @@
                   <a:latin typeface="Arial" panose="020B0604020202020204" pitchFamily="34" charset="0"/>
                   <a:cs typeface="Arial" panose="020B0604020202020204" pitchFamily="34" charset="0"/>
                 </a:rPr>
-                <a:t>As with almost any project a handful of software libraries and tools were used to realize the experiments, first as an </a:t>
+                <a:t>For the project, we used </a:t>
+              </a:r>
+              <a:r>
+                <a:rPr lang="en-US" sz="3000" b="1" dirty="0" err="1">
+                  <a:latin typeface="Arial" panose="020B0604020202020204" pitchFamily="34" charset="0"/>
+                  <a:cs typeface="Arial" panose="020B0604020202020204" pitchFamily="34" charset="0"/>
+                </a:rPr>
+                <a:t>Jupyter</a:t>
               </a:r>
               <a:r>
                 <a:rPr lang="en-US" sz="3000" b="1" dirty="0">
                   <a:latin typeface="Arial" panose="020B0604020202020204" pitchFamily="34" charset="0"/>
                   <a:cs typeface="Arial" panose="020B0604020202020204" pitchFamily="34" charset="0"/>
                 </a:rPr>
+                <a:t> Notebook </a:t>
+              </a:r>
+              <a:r>
+                <a:rPr lang="en-US" sz="3000" dirty="0">
+                  <a:latin typeface="Arial" panose="020B0604020202020204" pitchFamily="34" charset="0"/>
+                  <a:cs typeface="Arial" panose="020B0604020202020204" pitchFamily="34" charset="0"/>
+                </a:rPr>
+                <a:t>and </a:t>
+              </a:r>
+              <a:r>
+                <a:rPr lang="en-US" sz="3000" b="1" dirty="0">
+                  <a:latin typeface="Arial" panose="020B0604020202020204" pitchFamily="34" charset="0"/>
+                  <a:cs typeface="Arial" panose="020B0604020202020204" pitchFamily="34" charset="0"/>
+                </a:rPr>
+                <a:t>Visual Studio Code</a:t>
+              </a:r>
+              <a:r>
+                <a:rPr lang="en-US" sz="3000" dirty="0">
+                  <a:latin typeface="Arial" panose="020B0604020202020204" pitchFamily="34" charset="0"/>
+                  <a:cs typeface="Arial" panose="020B0604020202020204" pitchFamily="34" charset="0"/>
+                </a:rPr>
+                <a:t> as the </a:t>
+              </a:r>
+              <a:r>
+                <a:rPr lang="en-US" sz="3000" b="1" dirty="0">
+                  <a:latin typeface="Arial" panose="020B0604020202020204" pitchFamily="34" charset="0"/>
+                  <a:cs typeface="Arial" panose="020B0604020202020204" pitchFamily="34" charset="0"/>
+                </a:rPr>
                 <a:t>IDE</a:t>
               </a:r>
               <a:r>
@@ -5357,161 +5392,169 @@
                   <a:latin typeface="Arial" panose="020B0604020202020204" pitchFamily="34" charset="0"/>
                   <a:cs typeface="Arial" panose="020B0604020202020204" pitchFamily="34" charset="0"/>
                 </a:rPr>
-                <a:t> (Integrated Development Environment) </a:t>
+                <a:t> and code </a:t>
+              </a:r>
+              <a:r>
+                <a:rPr lang="en-US" sz="3000" b="1" dirty="0">
+                  <a:latin typeface="Arial" panose="020B0604020202020204" pitchFamily="34" charset="0"/>
+                  <a:cs typeface="Arial" panose="020B0604020202020204" pitchFamily="34" charset="0"/>
+                </a:rPr>
+                <a:t>editor</a:t>
+              </a:r>
+              <a:r>
+                <a:rPr lang="en-US" sz="3000" dirty="0">
+                  <a:latin typeface="Arial" panose="020B0604020202020204" pitchFamily="34" charset="0"/>
+                  <a:cs typeface="Arial" panose="020B0604020202020204" pitchFamily="34" charset="0"/>
+                </a:rPr>
+                <a:t>, respectively. The primary language was </a:t>
+              </a:r>
+              <a:r>
+                <a:rPr lang="en-US" sz="3000" b="1" dirty="0">
+                  <a:latin typeface="Arial" panose="020B0604020202020204" pitchFamily="34" charset="0"/>
+                  <a:cs typeface="Arial" panose="020B0604020202020204" pitchFamily="34" charset="0"/>
+                </a:rPr>
+                <a:t>Python</a:t>
+              </a:r>
+              <a:r>
+                <a:rPr lang="en-US" sz="3000" dirty="0">
+                  <a:latin typeface="Arial" panose="020B0604020202020204" pitchFamily="34" charset="0"/>
+                  <a:cs typeface="Arial" panose="020B0604020202020204" pitchFamily="34" charset="0"/>
+                </a:rPr>
+                <a:t>, and we utilized </a:t>
+              </a:r>
+              <a:r>
+                <a:rPr lang="en-US" sz="3000" b="1" dirty="0">
+                  <a:latin typeface="Arial" panose="020B0604020202020204" pitchFamily="34" charset="0"/>
+                  <a:cs typeface="Arial" panose="020B0604020202020204" pitchFamily="34" charset="0"/>
+                </a:rPr>
+                <a:t>Pandas</a:t>
+              </a:r>
+              <a:r>
+                <a:rPr lang="en-US" sz="3000" dirty="0">
+                  <a:latin typeface="Arial" panose="020B0604020202020204" pitchFamily="34" charset="0"/>
+                  <a:cs typeface="Arial" panose="020B0604020202020204" pitchFamily="34" charset="0"/>
+                </a:rPr>
+                <a:t> for data management, </a:t>
+              </a:r>
+              <a:r>
+                <a:rPr lang="en-US" sz="3000" b="1" dirty="0">
+                  <a:latin typeface="Arial" panose="020B0604020202020204" pitchFamily="34" charset="0"/>
+                  <a:cs typeface="Arial" panose="020B0604020202020204" pitchFamily="34" charset="0"/>
+                </a:rPr>
+                <a:t>NumPy</a:t>
+              </a:r>
+              <a:r>
+                <a:rPr lang="en-US" sz="3000" dirty="0">
+                  <a:latin typeface="Arial" panose="020B0604020202020204" pitchFamily="34" charset="0"/>
+                  <a:cs typeface="Arial" panose="020B0604020202020204" pitchFamily="34" charset="0"/>
+                </a:rPr>
+                <a:t> for mathematical operations, </a:t>
+              </a:r>
+              <a:r>
+                <a:rPr lang="en-US" sz="3000" b="1" dirty="0">
+                  <a:latin typeface="Arial" panose="020B0604020202020204" pitchFamily="34" charset="0"/>
+                  <a:cs typeface="Arial" panose="020B0604020202020204" pitchFamily="34" charset="0"/>
+                </a:rPr>
+                <a:t>matplotlib</a:t>
+              </a:r>
+              <a:r>
+                <a:rPr lang="en-US" sz="3000" dirty="0">
+                  <a:latin typeface="Arial" panose="020B0604020202020204" pitchFamily="34" charset="0"/>
+                  <a:cs typeface="Arial" panose="020B0604020202020204" pitchFamily="34" charset="0"/>
+                </a:rPr>
+                <a:t> for plotting, and </a:t>
+              </a:r>
+              <a:r>
+                <a:rPr lang="en-US" sz="3000" b="1" dirty="0">
+                  <a:latin typeface="Arial" panose="020B0604020202020204" pitchFamily="34" charset="0"/>
+                  <a:cs typeface="Arial" panose="020B0604020202020204" pitchFamily="34" charset="0"/>
+                </a:rPr>
+                <a:t>scikit-learn</a:t>
+              </a:r>
+              <a:r>
+                <a:rPr lang="en-US" sz="3000" dirty="0">
+                  <a:latin typeface="Arial" panose="020B0604020202020204" pitchFamily="34" charset="0"/>
+                  <a:cs typeface="Arial" panose="020B0604020202020204" pitchFamily="34" charset="0"/>
+                </a:rPr>
+                <a:t> and </a:t>
               </a:r>
               <a:r>
                 <a:rPr lang="en-US" sz="3000" b="1" dirty="0" err="1">
                   <a:latin typeface="Arial" panose="020B0604020202020204" pitchFamily="34" charset="0"/>
                   <a:cs typeface="Arial" panose="020B0604020202020204" pitchFamily="34" charset="0"/>
                 </a:rPr>
-                <a:t>Jupyter</a:t>
+                <a:t>Tensorflow</a:t>
+              </a:r>
+              <a:r>
+                <a:rPr lang="en-US" sz="3000" dirty="0">
+                  <a:latin typeface="Arial" panose="020B0604020202020204" pitchFamily="34" charset="0"/>
+                  <a:cs typeface="Arial" panose="020B0604020202020204" pitchFamily="34" charset="0"/>
+                </a:rPr>
+                <a:t> for machine learning. Additionally, we employed NLP techniques and specific </a:t>
               </a:r>
               <a:r>
                 <a:rPr lang="en-US" sz="3000" b="1" dirty="0">
                   <a:latin typeface="Arial" panose="020B0604020202020204" pitchFamily="34" charset="0"/>
                   <a:cs typeface="Arial" panose="020B0604020202020204" pitchFamily="34" charset="0"/>
                 </a:rPr>
-                <a:t> Notebook </a:t>
+                <a:t>NLP</a:t>
               </a:r>
               <a:r>
                 <a:rPr lang="en-US" sz="3000" dirty="0">
                   <a:latin typeface="Arial" panose="020B0604020202020204" pitchFamily="34" charset="0"/>
                   <a:cs typeface="Arial" panose="020B0604020202020204" pitchFamily="34" charset="0"/>
                 </a:rPr>
-                <a:t>was used and </a:t>
+                <a:t> tokenization techniques using </a:t>
               </a:r>
               <a:r>
                 <a:rPr lang="en-US" sz="3000" b="1" dirty="0">
                   <a:latin typeface="Arial" panose="020B0604020202020204" pitchFamily="34" charset="0"/>
                   <a:cs typeface="Arial" panose="020B0604020202020204" pitchFamily="34" charset="0"/>
                 </a:rPr>
-                <a:t>Visual Studio </a:t>
+                <a:t>NLTK's</a:t>
               </a:r>
               <a:r>
                 <a:rPr lang="en-US" sz="3000" dirty="0">
                   <a:latin typeface="Arial" panose="020B0604020202020204" pitchFamily="34" charset="0"/>
                   <a:cs typeface="Arial" panose="020B0604020202020204" pitchFamily="34" charset="0"/>
                 </a:rPr>
-                <a:t>code as an editor. The programming language used was Python, and libraries such as </a:t>
+                <a:t> </a:t>
               </a:r>
               <a:r>
                 <a:rPr lang="en-US" sz="3000" b="1" dirty="0">
                   <a:latin typeface="Arial" panose="020B0604020202020204" pitchFamily="34" charset="0"/>
                   <a:cs typeface="Arial" panose="020B0604020202020204" pitchFamily="34" charset="0"/>
                 </a:rPr>
-                <a:t>Pandas</a:t>
+                <a:t>'</a:t>
+              </a:r>
+              <a:r>
+                <a:rPr lang="en-US" sz="3000" b="1" dirty="0" err="1">
+                  <a:latin typeface="Arial" panose="020B0604020202020204" pitchFamily="34" charset="0"/>
+                  <a:cs typeface="Arial" panose="020B0604020202020204" pitchFamily="34" charset="0"/>
+                </a:rPr>
+                <a:t>TweetTokenizer</a:t>
               </a:r>
               <a:r>
                 <a:rPr lang="en-US" sz="3000" dirty="0">
                   <a:latin typeface="Arial" panose="020B0604020202020204" pitchFamily="34" charset="0"/>
                   <a:cs typeface="Arial" panose="020B0604020202020204" pitchFamily="34" charset="0"/>
                 </a:rPr>
-                <a:t> for data management, </a:t>
+                <a:t>' and </a:t>
               </a:r>
               <a:r>
                 <a:rPr lang="en-US" sz="3000" b="1" dirty="0">
                   <a:latin typeface="Arial" panose="020B0604020202020204" pitchFamily="34" charset="0"/>
                   <a:cs typeface="Arial" panose="020B0604020202020204" pitchFamily="34" charset="0"/>
                 </a:rPr>
-                <a:t>NumPy</a:t>
+                <a:t>'WordNet</a:t>
               </a:r>
               <a:r>
                 <a:rPr lang="en-US" sz="3000" dirty="0">
                   <a:latin typeface="Arial" panose="020B0604020202020204" pitchFamily="34" charset="0"/>
                   <a:cs typeface="Arial" panose="020B0604020202020204" pitchFamily="34" charset="0"/>
                 </a:rPr>
-                <a:t> for some mathematical operations, </a:t>
-              </a:r>
-              <a:r>
-                <a:rPr lang="en-US" sz="3000" b="1" dirty="0">
-                  <a:latin typeface="Arial" panose="020B0604020202020204" pitchFamily="34" charset="0"/>
-                  <a:cs typeface="Arial" panose="020B0604020202020204" pitchFamily="34" charset="0"/>
-                </a:rPr>
-                <a:t>matplotlib</a:t>
-              </a:r>
-              <a:r>
-                <a:rPr lang="en-US" sz="3000" dirty="0">
-                  <a:latin typeface="Arial" panose="020B0604020202020204" pitchFamily="34" charset="0"/>
-                  <a:cs typeface="Arial" panose="020B0604020202020204" pitchFamily="34" charset="0"/>
-                </a:rPr>
-                <a:t> to plot graphs, </a:t>
-              </a:r>
-              <a:r>
-                <a:rPr lang="en-US" sz="3000" b="1" dirty="0">
-                  <a:latin typeface="Arial" panose="020B0604020202020204" pitchFamily="34" charset="0"/>
-                  <a:cs typeface="Arial" panose="020B0604020202020204" pitchFamily="34" charset="0"/>
-                </a:rPr>
-                <a:t>scikit-learn,</a:t>
-              </a:r>
-              <a:r>
-                <a:rPr lang="en-US" sz="3000" dirty="0">
-                  <a:latin typeface="Arial" panose="020B0604020202020204" pitchFamily="34" charset="0"/>
-                  <a:cs typeface="Arial" panose="020B0604020202020204" pitchFamily="34" charset="0"/>
-                </a:rPr>
-                <a:t> and </a:t>
-              </a:r>
-              <a:r>
-                <a:rPr lang="en-US" sz="3000" b="1" dirty="0" err="1">
-                  <a:latin typeface="Arial" panose="020B0604020202020204" pitchFamily="34" charset="0"/>
-                  <a:cs typeface="Arial" panose="020B0604020202020204" pitchFamily="34" charset="0"/>
-                </a:rPr>
-                <a:t>Tensorflow</a:t>
-              </a:r>
-              <a:r>
-                <a:rPr lang="en-US" sz="3000" dirty="0">
-                  <a:latin typeface="Arial" panose="020B0604020202020204" pitchFamily="34" charset="0"/>
-                  <a:cs typeface="Arial" panose="020B0604020202020204" pitchFamily="34" charset="0"/>
-                </a:rPr>
-                <a:t> for machine learning models. Some NLP techniques, and finally, </a:t>
-              </a:r>
-              <a:r>
-                <a:rPr lang="en-US" sz="3000" b="1" dirty="0">
-                  <a:latin typeface="Arial" panose="020B0604020202020204" pitchFamily="34" charset="0"/>
-                  <a:cs typeface="Arial" panose="020B0604020202020204" pitchFamily="34" charset="0"/>
-                </a:rPr>
-                <a:t>NLTK</a:t>
-              </a:r>
-              <a:r>
-                <a:rPr lang="en-US" sz="3000" dirty="0">
-                  <a:latin typeface="Arial" panose="020B0604020202020204" pitchFamily="34" charset="0"/>
-                  <a:cs typeface="Arial" panose="020B0604020202020204" pitchFamily="34" charset="0"/>
-                </a:rPr>
-                <a:t> provided some NLP tokenization techniques specific to the ‘</a:t>
-              </a:r>
-              <a:r>
-                <a:rPr lang="en-US" sz="3000" b="1" dirty="0" err="1">
-                  <a:latin typeface="Arial" panose="020B0604020202020204" pitchFamily="34" charset="0"/>
-                  <a:cs typeface="Arial" panose="020B0604020202020204" pitchFamily="34" charset="0"/>
-                </a:rPr>
-                <a:t>TweetTokenizer</a:t>
-              </a:r>
-              <a:r>
-                <a:rPr lang="en-US" sz="3000" dirty="0">
-                  <a:latin typeface="Arial" panose="020B0604020202020204" pitchFamily="34" charset="0"/>
-                  <a:cs typeface="Arial" panose="020B0604020202020204" pitchFamily="34" charset="0"/>
-                </a:rPr>
-                <a:t>’, and the virtual dictionary ‘</a:t>
-              </a:r>
-              <a:r>
-                <a:rPr lang="en-US" sz="3000" b="1" dirty="0">
-                  <a:latin typeface="Arial" panose="020B0604020202020204" pitchFamily="34" charset="0"/>
-                  <a:cs typeface="Arial" panose="020B0604020202020204" pitchFamily="34" charset="0"/>
-                </a:rPr>
-                <a:t>WordNet</a:t>
-              </a:r>
-              <a:r>
-                <a:rPr lang="en-US" sz="3000" dirty="0">
-                  <a:latin typeface="Arial" panose="020B0604020202020204" pitchFamily="34" charset="0"/>
-                  <a:cs typeface="Arial" panose="020B0604020202020204" pitchFamily="34" charset="0"/>
-                </a:rPr>
-                <a:t>’.</a:t>
-              </a:r>
-            </a:p>
-            <a:p>
-              <a:pPr>
-                <a:buFont typeface="Arial" panose="020B0604020202020204" pitchFamily="34" charset="0"/>
-                <a:buChar char="•"/>
-              </a:pPr>
+                <a:t>' virtual dictionary.</a:t>
+              </a:r>
               <a:endParaRPr lang="en-US" sz="3000" b="1" dirty="0">
                 <a:latin typeface="Arial" panose="020B0604020202020204" pitchFamily="34" charset="0"/>
                 <a:cs typeface="Arial" panose="020B0604020202020204" pitchFamily="34" charset="0"/>
@@ -5561,16 +5604,13 @@
               </a:r>
             </a:p>
             <a:p>
-              <a:pPr lvl="1">
-                <a:buFont typeface="Arial" panose="020B0604020202020204" pitchFamily="34" charset="0"/>
-                <a:buChar char="•"/>
-              </a:pPr>
+              <a:pPr marL="457200" lvl="1" indent="0"/>
               <a:r>
                 <a:rPr lang="en-US" sz="3000" dirty="0">
                   <a:latin typeface="Arial" panose="020B0604020202020204" pitchFamily="34" charset="0"/>
                   <a:cs typeface="Arial" panose="020B0604020202020204" pitchFamily="34" charset="0"/>
                 </a:rPr>
-                <a:t>The NLP techniques are used to preprocess human language (in this case English) and turn it into an understandable computer language, like numbers, and then these numbers will be fed into the machine learning model to make predictions. There are several steps to follow and the order that was taken for this research was the next one:</a:t>
+                <a:t>NLP techniques preprocess human language, like English, into a computer-readable format, such as numbers. These numbers are then used in a machine learning model to make predictions:</a:t>
               </a:r>
             </a:p>
             <a:p>
@@ -5739,6 +5779,86 @@
                 </a:rPr>
                 <a:t>library</a:t>
               </a:r>
+            </a:p>
+            <a:p>
+              <a:pPr lvl="1">
+                <a:buFont typeface="Arial" panose="020B0604020202020204" pitchFamily="34" charset="0"/>
+                <a:buChar char="•"/>
+              </a:pPr>
+              <a:r>
+                <a:rPr lang="en-US" sz="3000" b="1" dirty="0">
+                  <a:latin typeface="Arial" panose="020B0604020202020204" pitchFamily="34" charset="0"/>
+                  <a:cs typeface="Arial" panose="020B0604020202020204" pitchFamily="34" charset="0"/>
+                </a:rPr>
+                <a:t>Embedding: </a:t>
+              </a:r>
+              <a:r>
+                <a:rPr lang="en-US" sz="3000" dirty="0">
+                  <a:latin typeface="Arial" panose="020B0604020202020204" pitchFamily="34" charset="0"/>
+                  <a:cs typeface="Arial" panose="020B0604020202020204" pitchFamily="34" charset="0"/>
+                </a:rPr>
+                <a:t>The process of embedding is the process to give sentiment to words and thus sentences, there are several techniques to give sentiment to words, and a handful of them were applied to observe their effects during the training. The techniques that were applied were:</a:t>
+              </a:r>
+              <a:endParaRPr lang="en-US" sz="3000" b="1" dirty="0">
+                <a:latin typeface="Arial" panose="020B0604020202020204" pitchFamily="34" charset="0"/>
+                <a:cs typeface="Arial" panose="020B0604020202020204" pitchFamily="34" charset="0"/>
+              </a:endParaRPr>
+            </a:p>
+            <a:p>
+              <a:pPr lvl="2">
+                <a:buFont typeface="Arial" panose="020B0604020202020204" pitchFamily="34" charset="0"/>
+                <a:buChar char="•"/>
+              </a:pPr>
+              <a:r>
+                <a:rPr lang="en-US" sz="3000" b="1" dirty="0">
+                  <a:latin typeface="Arial" panose="020B0604020202020204" pitchFamily="34" charset="0"/>
+                  <a:cs typeface="Arial" panose="020B0604020202020204" pitchFamily="34" charset="0"/>
+                </a:rPr>
+                <a:t>Count Vectorizer</a:t>
+              </a:r>
+            </a:p>
+            <a:p>
+              <a:pPr lvl="2">
+                <a:buFont typeface="Arial" panose="020B0604020202020204" pitchFamily="34" charset="0"/>
+                <a:buChar char="•"/>
+              </a:pPr>
+              <a:r>
+                <a:rPr lang="en-US" sz="3000" b="1" dirty="0">
+                  <a:latin typeface="Arial" panose="020B0604020202020204" pitchFamily="34" charset="0"/>
+                  <a:cs typeface="Arial" panose="020B0604020202020204" pitchFamily="34" charset="0"/>
+                </a:rPr>
+                <a:t>BERT</a:t>
+              </a:r>
+            </a:p>
+            <a:p>
+              <a:pPr lvl="2">
+                <a:buFont typeface="Arial" panose="020B0604020202020204" pitchFamily="34" charset="0"/>
+                <a:buChar char="•"/>
+              </a:pPr>
+              <a:r>
+                <a:rPr lang="en-US" sz="3000" b="1" dirty="0">
+                  <a:latin typeface="Arial" panose="020B0604020202020204" pitchFamily="34" charset="0"/>
+                  <a:cs typeface="Arial" panose="020B0604020202020204" pitchFamily="34" charset="0"/>
+                </a:rPr>
+                <a:t>TF-IDF</a:t>
+              </a:r>
+            </a:p>
+            <a:p>
+              <a:pPr lvl="2">
+                <a:buFont typeface="Arial" panose="020B0604020202020204" pitchFamily="34" charset="0"/>
+                <a:buChar char="•"/>
+              </a:pPr>
+              <a:r>
+                <a:rPr lang="en-US" sz="3000" b="1" dirty="0">
+                  <a:latin typeface="Arial" panose="020B0604020202020204" pitchFamily="34" charset="0"/>
+                  <a:cs typeface="Arial" panose="020B0604020202020204" pitchFamily="34" charset="0"/>
+                </a:rPr>
+                <a:t>Hashing vectorizer</a:t>
+              </a:r>
+              <a:endParaRPr lang="en-US" sz="3000" dirty="0">
+                <a:latin typeface="Arial" panose="020B0604020202020204" pitchFamily="34" charset="0"/>
+                <a:cs typeface="Arial" panose="020B0604020202020204" pitchFamily="34" charset="0"/>
+              </a:endParaRPr>
             </a:p>
             <a:p>
               <a:pPr marL="457200" lvl="1" indent="0"/>
@@ -5950,7 +6070,7 @@
             </a:ln>
             <a:extLst>
               <a:ext uri="{909E8E84-426E-40dd-AFC4-6F175D3DCCD1}">
-                <a14:hiddenFill xmlns="" xmlns:a14="http://schemas.microsoft.com/office/drawing/2010/main">
+                <a14:hiddenFill xmlns:a14="http://schemas.microsoft.com/office/drawing/2010/main" xmlns="">
                   <a:solidFill>
                     <a:srgbClr val="FFFFFF"/>
                   </a:solidFill>
@@ -6289,7 +6409,7 @@
             </a:ln>
             <a:extLst>
               <a:ext uri="{909E8E84-426E-40dd-AFC4-6F175D3DCCD1}">
-                <a14:hiddenFill xmlns="" xmlns:a14="http://schemas.microsoft.com/office/drawing/2010/main">
+                <a14:hiddenFill xmlns:a14="http://schemas.microsoft.com/office/drawing/2010/main" xmlns="">
                   <a:solidFill>
                     <a:srgbClr val="FFFFFF"/>
                   </a:solidFill>
@@ -6628,7 +6748,7 @@
             </a:ln>
             <a:extLst>
               <a:ext uri="{909E8E84-426E-40dd-AFC4-6F175D3DCCD1}">
-                <a14:hiddenFill xmlns="" xmlns:a14="http://schemas.microsoft.com/office/drawing/2010/main">
+                <a14:hiddenFill xmlns:a14="http://schemas.microsoft.com/office/drawing/2010/main" xmlns="">
                   <a:solidFill>
                     <a:srgbClr val="FFFFFF"/>
                   </a:solidFill>
@@ -7099,7 +7219,7 @@
             </a:ln>
             <a:extLst>
               <a:ext uri="{909E8E84-426E-40dd-AFC4-6F175D3DCCD1}">
-                <a14:hiddenFill xmlns="" xmlns:a14="http://schemas.microsoft.com/office/drawing/2010/main">
+                <a14:hiddenFill xmlns:a14="http://schemas.microsoft.com/office/drawing/2010/main" xmlns="">
                   <a:solidFill>
                     <a:srgbClr val="FFFFFF"/>
                   </a:solidFill>
@@ -7404,7 +7524,7 @@
         </p:nvGrpSpPr>
         <p:grpSpPr bwMode="auto">
           <a:xfrm>
-            <a:off x="15024581" y="25455243"/>
+            <a:off x="14633689" y="21438208"/>
             <a:ext cx="14267971" cy="6077839"/>
             <a:chOff x="432287" y="4358829"/>
             <a:chExt cx="13731857" cy="3282367"/>
@@ -7435,7 +7555,7 @@
             </a:ln>
             <a:extLst>
               <a:ext uri="{909E8E84-426E-40dd-AFC4-6F175D3DCCD1}">
-                <a14:hiddenFill xmlns="" xmlns:a14="http://schemas.microsoft.com/office/drawing/2010/main">
+                <a14:hiddenFill xmlns:a14="http://schemas.microsoft.com/office/drawing/2010/main" xmlns="">
                   <a:solidFill>
                     <a:srgbClr val="FFFFFF"/>
                   </a:solidFill>
@@ -7934,9 +8054,9 @@
         <p:grpSpPr bwMode="auto">
           <a:xfrm>
             <a:off x="14796147" y="4278696"/>
-            <a:ext cx="14240654" cy="9758059"/>
+            <a:ext cx="14240654" cy="5603076"/>
             <a:chOff x="432287" y="4365904"/>
-            <a:chExt cx="13705567" cy="5269887"/>
+            <a:chExt cx="13705567" cy="3025968"/>
           </a:xfrm>
         </p:grpSpPr>
         <p:sp>
@@ -7956,7 +8076,7 @@
           <p:spPr bwMode="auto">
             <a:xfrm>
               <a:off x="432287" y="4848764"/>
-              <a:ext cx="13700233" cy="4787027"/>
+              <a:ext cx="13700233" cy="2543108"/>
             </a:xfrm>
             <a:prstGeom prst="rect">
               <a:avLst/>
@@ -7970,7 +8090,7 @@
             </a:ln>
             <a:extLst>
               <a:ext uri="{909E8E84-426E-40dd-AFC4-6F175D3DCCD1}">
-                <a14:hiddenFill xmlns="" xmlns:a14="http://schemas.microsoft.com/office/drawing/2010/main">
+                <a14:hiddenFill xmlns:a14="http://schemas.microsoft.com/office/drawing/2010/main" xmlns="">
                   <a:solidFill>
                     <a:srgbClr val="FFFFFF"/>
                   </a:solidFill>
@@ -8089,92 +8209,6 @@
                 </a:defRPr>
               </a:lvl9pPr>
             </a:lstStyle>
-            <a:p>
-              <a:pPr lvl="1">
-                <a:buFont typeface="Arial" panose="020B0604020202020204" pitchFamily="34" charset="0"/>
-                <a:buChar char="•"/>
-              </a:pPr>
-              <a:r>
-                <a:rPr lang="en-US" sz="3000" b="1" dirty="0">
-                  <a:latin typeface="Arial" panose="020B0604020202020204" pitchFamily="34" charset="0"/>
-                  <a:cs typeface="Arial" panose="020B0604020202020204" pitchFamily="34" charset="0"/>
-                </a:rPr>
-                <a:t>Embedding: </a:t>
-              </a:r>
-              <a:r>
-                <a:rPr lang="en-US" sz="3000" dirty="0">
-                  <a:latin typeface="Arial" panose="020B0604020202020204" pitchFamily="34" charset="0"/>
-                  <a:cs typeface="Arial" panose="020B0604020202020204" pitchFamily="34" charset="0"/>
-                </a:rPr>
-                <a:t>The process of embedding is the process to give sentiment to words and thus sentences, there are several techniques to give sentiment to words, and a handful of them were applied to observe their effects during the training. The techniques that were applied were:</a:t>
-              </a:r>
-              <a:endParaRPr lang="en-US" sz="3000" b="1" dirty="0">
-                <a:latin typeface="Arial" panose="020B0604020202020204" pitchFamily="34" charset="0"/>
-                <a:cs typeface="Arial" panose="020B0604020202020204" pitchFamily="34" charset="0"/>
-              </a:endParaRPr>
-            </a:p>
-            <a:p>
-              <a:pPr lvl="2">
-                <a:buFont typeface="Arial" panose="020B0604020202020204" pitchFamily="34" charset="0"/>
-                <a:buChar char="•"/>
-              </a:pPr>
-              <a:r>
-                <a:rPr lang="en-US" sz="3000" b="1" dirty="0">
-                  <a:latin typeface="Arial" panose="020B0604020202020204" pitchFamily="34" charset="0"/>
-                  <a:cs typeface="Arial" panose="020B0604020202020204" pitchFamily="34" charset="0"/>
-                </a:rPr>
-                <a:t>Count Vectorizer</a:t>
-              </a:r>
-            </a:p>
-            <a:p>
-              <a:pPr lvl="2">
-                <a:buFont typeface="Arial" panose="020B0604020202020204" pitchFamily="34" charset="0"/>
-                <a:buChar char="•"/>
-              </a:pPr>
-              <a:r>
-                <a:rPr lang="en-US" sz="3000" b="1" dirty="0">
-                  <a:latin typeface="Arial" panose="020B0604020202020204" pitchFamily="34" charset="0"/>
-                  <a:cs typeface="Arial" panose="020B0604020202020204" pitchFamily="34" charset="0"/>
-                </a:rPr>
-                <a:t>BERT</a:t>
-              </a:r>
-            </a:p>
-            <a:p>
-              <a:pPr lvl="2">
-                <a:buFont typeface="Arial" panose="020B0604020202020204" pitchFamily="34" charset="0"/>
-                <a:buChar char="•"/>
-              </a:pPr>
-              <a:r>
-                <a:rPr lang="en-US" sz="3000" b="1" dirty="0">
-                  <a:latin typeface="Arial" panose="020B0604020202020204" pitchFamily="34" charset="0"/>
-                  <a:cs typeface="Arial" panose="020B0604020202020204" pitchFamily="34" charset="0"/>
-                </a:rPr>
-                <a:t>TF-IDF</a:t>
-              </a:r>
-            </a:p>
-            <a:p>
-              <a:pPr lvl="2">
-                <a:buFont typeface="Arial" panose="020B0604020202020204" pitchFamily="34" charset="0"/>
-                <a:buChar char="•"/>
-              </a:pPr>
-              <a:r>
-                <a:rPr lang="en-US" sz="3000" b="1" dirty="0">
-                  <a:latin typeface="Arial" panose="020B0604020202020204" pitchFamily="34" charset="0"/>
-                  <a:cs typeface="Arial" panose="020B0604020202020204" pitchFamily="34" charset="0"/>
-                </a:rPr>
-                <a:t>Hashing vectorizer</a:t>
-              </a:r>
-            </a:p>
-            <a:p>
-              <a:pPr lvl="2">
-                <a:buFont typeface="Arial" panose="020B0604020202020204" pitchFamily="34" charset="0"/>
-                <a:buChar char="•"/>
-              </a:pPr>
-              <a:endParaRPr lang="en-US" sz="3000" b="1" dirty="0">
-                <a:latin typeface="Arial" panose="020B0604020202020204" pitchFamily="34" charset="0"/>
-                <a:cs typeface="Arial" panose="020B0604020202020204" pitchFamily="34" charset="0"/>
-              </a:endParaRPr>
-            </a:p>
             <a:p>
               <a:pPr>
                 <a:buFont typeface="Arial" panose="020B0604020202020204" pitchFamily="34" charset="0"/>
@@ -8462,8 +8496,8 @@
         </p:blipFill>
         <p:spPr>
           <a:xfrm>
-            <a:off x="15024581" y="13103875"/>
-            <a:ext cx="12587920" cy="11010846"/>
+            <a:off x="14593107" y="9097117"/>
+            <a:ext cx="14080334" cy="12316283"/>
           </a:xfrm>
           <a:prstGeom prst="rect">
             <a:avLst/>

--- a/UREPosterAndAssignments/SMS DETECTION POSTER - ARMANDO OROZCO- SAC.pptx
+++ b/UREPosterAndAssignments/SMS DETECTION POSTER - ARMANDO OROZCO- SAC.pptx
@@ -257,7 +257,7 @@
               <a:pPr>
                 <a:defRPr/>
               </a:pPr>
-              <a:t>7/27/2024</a:t>
+              <a:t>7/29/2024</a:t>
             </a:fld>
             <a:endParaRPr lang="en-US" altLang="en-US"/>
           </a:p>
@@ -610,14 +610,14 @@
           </a:ln>
           <a:extLst>
             <a:ext uri="{909E8E84-426E-40dd-AFC4-6F175D3DCCD1}">
-              <a14:hiddenFill xmlns:a14="http://schemas.microsoft.com/office/drawing/2010/main" xmlns="">
+              <a14:hiddenFill xmlns="" xmlns:a14="http://schemas.microsoft.com/office/drawing/2010/main">
                 <a:solidFill>
                   <a:srgbClr val="FFFFFF"/>
                 </a:solidFill>
               </a14:hiddenFill>
             </a:ext>
             <a:ext uri="{FAA26D3D-D897-4be2-8F04-BA451C77F1D7}">
-              <ma14:placeholderFlag xmlns:ma14="http://schemas.microsoft.com/office/mac/drawingml/2011/main" xmlns="" val="1"/>
+              <ma14:placeholderFlag xmlns="" xmlns:ma14="http://schemas.microsoft.com/office/mac/drawingml/2011/main" val="1"/>
             </a:ext>
           </a:extLst>
         </p:spPr>
@@ -636,14 +636,14 @@
           <a:noFill/>
           <a:extLst>
             <a:ext uri="{909E8E84-426E-40dd-AFC4-6F175D3DCCD1}">
-              <a14:hiddenFill xmlns:a14="http://schemas.microsoft.com/office/drawing/2010/main" xmlns="">
+              <a14:hiddenFill xmlns="" xmlns:a14="http://schemas.microsoft.com/office/drawing/2010/main">
                 <a:solidFill>
                   <a:srgbClr val="FFFFFF"/>
                 </a:solidFill>
               </a14:hiddenFill>
             </a:ext>
             <a:ext uri="{91240B29-F687-4f45-9708-019B960494DF}">
-              <a14:hiddenLine xmlns:a14="http://schemas.microsoft.com/office/drawing/2010/main" xmlns="" w="9525">
+              <a14:hiddenLine xmlns="" xmlns:a14="http://schemas.microsoft.com/office/drawing/2010/main" w="9525">
                 <a:solidFill>
                   <a:srgbClr val="000000"/>
                 </a:solidFill>
@@ -653,7 +653,7 @@
               </a14:hiddenLine>
             </a:ext>
             <a:ext uri="{FAA26D3D-D897-4be2-8F04-BA451C77F1D7}">
-              <ma14:placeholderFlag xmlns:ma14="http://schemas.microsoft.com/office/mac/drawingml/2011/main" xmlns="" val="1"/>
+              <ma14:placeholderFlag xmlns="" xmlns:ma14="http://schemas.microsoft.com/office/mac/drawingml/2011/main" val="1"/>
             </a:ext>
           </a:extLst>
         </p:spPr>
@@ -693,14 +693,14 @@
           <a:noFill/>
           <a:extLst>
             <a:ext uri="{909E8E84-426E-40dd-AFC4-6F175D3DCCD1}">
-              <a14:hiddenFill xmlns:a14="http://schemas.microsoft.com/office/drawing/2010/main" xmlns="">
+              <a14:hiddenFill xmlns="" xmlns:a14="http://schemas.microsoft.com/office/drawing/2010/main">
                 <a:solidFill>
                   <a:srgbClr val="FFFFFF"/>
                 </a:solidFill>
               </a14:hiddenFill>
             </a:ext>
             <a:ext uri="{91240B29-F687-4f45-9708-019B960494DF}">
-              <a14:hiddenLine xmlns:a14="http://schemas.microsoft.com/office/drawing/2010/main" xmlns="" w="9525">
+              <a14:hiddenLine xmlns="" xmlns:a14="http://schemas.microsoft.com/office/drawing/2010/main" w="9525">
                 <a:solidFill>
                   <a:srgbClr val="000000"/>
                 </a:solidFill>
@@ -984,7 +984,7 @@
               <a:pPr>
                 <a:defRPr/>
               </a:pPr>
-              <a:t>7/27/2024</a:t>
+              <a:t>7/29/2024</a:t>
             </a:fld>
             <a:endParaRPr lang="en-US" altLang="en-US"/>
           </a:p>
@@ -1181,7 +1181,7 @@
               <a:pPr>
                 <a:defRPr/>
               </a:pPr>
-              <a:t>7/27/2024</a:t>
+              <a:t>7/29/2024</a:t>
             </a:fld>
             <a:endParaRPr lang="en-US" altLang="en-US"/>
           </a:p>
@@ -1388,7 +1388,7 @@
               <a:pPr>
                 <a:defRPr/>
               </a:pPr>
-              <a:t>7/27/2024</a:t>
+              <a:t>7/29/2024</a:t>
             </a:fld>
             <a:endParaRPr lang="en-US" altLang="en-US"/>
           </a:p>
@@ -1585,7 +1585,7 @@
               <a:pPr>
                 <a:defRPr/>
               </a:pPr>
-              <a:t>7/27/2024</a:t>
+              <a:t>7/29/2024</a:t>
             </a:fld>
             <a:endParaRPr lang="en-US" altLang="en-US"/>
           </a:p>
@@ -1856,7 +1856,7 @@
               <a:pPr>
                 <a:defRPr/>
               </a:pPr>
-              <a:t>7/27/2024</a:t>
+              <a:t>7/29/2024</a:t>
             </a:fld>
             <a:endParaRPr lang="en-US" altLang="en-US"/>
           </a:p>
@@ -2115,7 +2115,7 @@
               <a:pPr>
                 <a:defRPr/>
               </a:pPr>
-              <a:t>7/27/2024</a:t>
+              <a:t>7/29/2024</a:t>
             </a:fld>
             <a:endParaRPr lang="en-US" altLang="en-US"/>
           </a:p>
@@ -2509,7 +2509,7 @@
               <a:pPr>
                 <a:defRPr/>
               </a:pPr>
-              <a:t>7/27/2024</a:t>
+              <a:t>7/29/2024</a:t>
             </a:fld>
             <a:endParaRPr lang="en-US" altLang="en-US"/>
           </a:p>
@@ -2654,7 +2654,7 @@
               <a:pPr>
                 <a:defRPr/>
               </a:pPr>
-              <a:t>7/27/2024</a:t>
+              <a:t>7/29/2024</a:t>
             </a:fld>
             <a:endParaRPr lang="en-US" altLang="en-US"/>
           </a:p>
@@ -2776,7 +2776,7 @@
               <a:pPr>
                 <a:defRPr/>
               </a:pPr>
-              <a:t>7/27/2024</a:t>
+              <a:t>7/29/2024</a:t>
             </a:fld>
             <a:endParaRPr lang="en-US" altLang="en-US"/>
           </a:p>
@@ -3080,7 +3080,7 @@
               <a:pPr>
                 <a:defRPr/>
               </a:pPr>
-              <a:t>7/27/2024</a:t>
+              <a:t>7/29/2024</a:t>
             </a:fld>
             <a:endParaRPr lang="en-US" altLang="en-US"/>
           </a:p>
@@ -3366,7 +3366,7 @@
               <a:pPr>
                 <a:defRPr/>
               </a:pPr>
-              <a:t>7/27/2024</a:t>
+              <a:t>7/29/2024</a:t>
             </a:fld>
             <a:endParaRPr lang="en-US" altLang="en-US"/>
           </a:p>
@@ -3493,14 +3493,14 @@
           </a:ln>
           <a:extLst>
             <a:ext uri="{909E8E84-426E-40dd-AFC4-6F175D3DCCD1}">
-              <a14:hiddenFill xmlns:a14="http://schemas.microsoft.com/office/drawing/2010/main" xmlns="">
+              <a14:hiddenFill xmlns="" xmlns:a14="http://schemas.microsoft.com/office/drawing/2010/main">
                 <a:solidFill>
                   <a:srgbClr val="FFFFFF"/>
                 </a:solidFill>
               </a14:hiddenFill>
             </a:ext>
             <a:ext uri="{91240B29-F687-4f45-9708-019B960494DF}">
-              <a14:hiddenLine xmlns:a14="http://schemas.microsoft.com/office/drawing/2010/main" xmlns="" w="9525">
+              <a14:hiddenLine xmlns="" xmlns:a14="http://schemas.microsoft.com/office/drawing/2010/main" w="9525">
                 <a:solidFill>
                   <a:srgbClr val="000000"/>
                 </a:solidFill>
@@ -3510,7 +3510,7 @@
               </a14:hiddenLine>
             </a:ext>
             <a:ext uri="{FAA26D3D-D897-4be2-8F04-BA451C77F1D7}">
-              <ma14:placeholderFlag xmlns:ma14="http://schemas.microsoft.com/office/mac/drawingml/2011/main" xmlns="" val="1"/>
+              <ma14:placeholderFlag xmlns="" xmlns:ma14="http://schemas.microsoft.com/office/mac/drawingml/2011/main" val="1"/>
             </a:ext>
           </a:extLst>
         </p:spPr>
@@ -3554,14 +3554,14 @@
           </a:ln>
           <a:extLst>
             <a:ext uri="{909E8E84-426E-40dd-AFC4-6F175D3DCCD1}">
-              <a14:hiddenFill xmlns:a14="http://schemas.microsoft.com/office/drawing/2010/main" xmlns="">
+              <a14:hiddenFill xmlns="" xmlns:a14="http://schemas.microsoft.com/office/drawing/2010/main">
                 <a:solidFill>
                   <a:srgbClr val="FFFFFF"/>
                 </a:solidFill>
               </a14:hiddenFill>
             </a:ext>
             <a:ext uri="{91240B29-F687-4f45-9708-019B960494DF}">
-              <a14:hiddenLine xmlns:a14="http://schemas.microsoft.com/office/drawing/2010/main" xmlns="" w="9525">
+              <a14:hiddenLine xmlns="" xmlns:a14="http://schemas.microsoft.com/office/drawing/2010/main" w="9525">
                 <a:solidFill>
                   <a:srgbClr val="000000"/>
                 </a:solidFill>
@@ -3571,7 +3571,7 @@
               </a14:hiddenLine>
             </a:ext>
             <a:ext uri="{FAA26D3D-D897-4be2-8F04-BA451C77F1D7}">
-              <ma14:placeholderFlag xmlns:ma14="http://schemas.microsoft.com/office/mac/drawingml/2011/main" xmlns="" val="1"/>
+              <ma14:placeholderFlag xmlns="" xmlns:ma14="http://schemas.microsoft.com/office/mac/drawingml/2011/main" val="1"/>
             </a:ext>
           </a:extLst>
         </p:spPr>
@@ -3662,7 +3662,7 @@
               <a:pPr>
                 <a:defRPr/>
               </a:pPr>
-              <a:t>7/27/2024</a:t>
+              <a:t>7/29/2024</a:t>
             </a:fld>
             <a:endParaRPr lang="en-US" altLang="en-US"/>
           </a:p>
@@ -4248,6 +4248,76 @@
           <a:chExt cx="0" cy="0"/>
         </a:xfrm>
       </p:grpSpPr>
+      <p:pic>
+        <p:nvPicPr>
+          <p:cNvPr id="14337" name="Graphic 14336">
+            <a:extLst>
+              <a:ext uri="{FF2B5EF4-FFF2-40B4-BE49-F238E27FC236}">
+                <a16:creationId xmlns:a16="http://schemas.microsoft.com/office/drawing/2014/main" id="{2350A28F-71ED-1E58-B1DF-5B017739147C}"/>
+              </a:ext>
+            </a:extLst>
+          </p:cNvPr>
+          <p:cNvPicPr>
+            <a:picLocks noChangeAspect="1"/>
+          </p:cNvPicPr>
+          <p:nvPr/>
+        </p:nvPicPr>
+        <p:blipFill rotWithShape="1">
+          <a:blip r:embed="rId3">
+            <a:extLst>
+              <a:ext uri="{96DAC541-7B7A-43D3-8B79-37D633B846F1}">
+                <asvg:svgBlip xmlns:asvg="http://schemas.microsoft.com/office/drawing/2016/SVG/main" r:embed="rId4"/>
+              </a:ext>
+            </a:extLst>
+          </a:blip>
+          <a:srcRect b="58408"/>
+          <a:stretch/>
+        </p:blipFill>
+        <p:spPr>
+          <a:xfrm>
+            <a:off x="30321245" y="4932879"/>
+            <a:ext cx="11056485" cy="8544738"/>
+          </a:xfrm>
+          <a:prstGeom prst="rect">
+            <a:avLst/>
+          </a:prstGeom>
+        </p:spPr>
+      </p:pic>
+      <p:pic>
+        <p:nvPicPr>
+          <p:cNvPr id="14355" name="Graphic 14354">
+            <a:extLst>
+              <a:ext uri="{FF2B5EF4-FFF2-40B4-BE49-F238E27FC236}">
+                <a16:creationId xmlns:a16="http://schemas.microsoft.com/office/drawing/2014/main" id="{DD595D4E-0ABC-B0BE-8770-FE44E48FD32A}"/>
+              </a:ext>
+            </a:extLst>
+          </p:cNvPr>
+          <p:cNvPicPr>
+            <a:picLocks noChangeAspect="1"/>
+          </p:cNvPicPr>
+          <p:nvPr/>
+        </p:nvPicPr>
+        <p:blipFill rotWithShape="1">
+          <a:blip r:embed="rId5">
+            <a:extLst>
+              <a:ext uri="{96DAC541-7B7A-43D3-8B79-37D633B846F1}">
+                <asvg:svgBlip xmlns:asvg="http://schemas.microsoft.com/office/drawing/2016/SVG/main" r:embed="rId6"/>
+              </a:ext>
+            </a:extLst>
+          </a:blip>
+          <a:srcRect l="12500" t="42825" r="22500" b="3940"/>
+          <a:stretch/>
+        </p:blipFill>
+        <p:spPr>
+          <a:xfrm>
+            <a:off x="14598648" y="20531360"/>
+            <a:ext cx="13257692" cy="10858134"/>
+          </a:xfrm>
+          <a:prstGeom prst="rect">
+            <a:avLst/>
+          </a:prstGeom>
+        </p:spPr>
+      </p:pic>
       <p:sp>
         <p:nvSpPr>
           <p:cNvPr id="18" name="TextBox 17"/>
@@ -4395,7 +4465,7 @@
           </a:ln>
           <a:extLst>
             <a:ext uri="{91240B29-F687-4f45-9708-019B960494DF}">
-              <a14:hiddenLine xmlns:a14="http://schemas.microsoft.com/office/drawing/2010/main" xmlns="" w="9525">
+              <a14:hiddenLine xmlns="" xmlns:a14="http://schemas.microsoft.com/office/drawing/2010/main" w="9525">
                 <a:solidFill>
                   <a:srgbClr val="000000"/>
                 </a:solidFill>
@@ -4639,7 +4709,7 @@
             </a:ln>
             <a:extLst>
               <a:ext uri="{909E8E84-426E-40dd-AFC4-6F175D3DCCD1}">
-                <a14:hiddenFill xmlns:a14="http://schemas.microsoft.com/office/drawing/2010/main" xmlns="">
+                <a14:hiddenFill xmlns="" xmlns:a14="http://schemas.microsoft.com/office/drawing/2010/main">
                   <a:solidFill>
                     <a:srgbClr val="FFFFFF"/>
                   </a:solidFill>
@@ -4932,7 +5002,7 @@
           <p:nvPr/>
         </p:nvPicPr>
         <p:blipFill>
-          <a:blip r:embed="rId3">
+          <a:blip r:embed="rId7">
             <a:extLst>
               <a:ext uri="{28A0092B-C50C-407E-A947-70E740481C1C}">
                 <a14:useLocalDpi xmlns:a14="http://schemas.microsoft.com/office/drawing/2010/main" val="0"/>
@@ -5007,159 +5077,6 @@
           </a:p>
         </p:txBody>
       </p:sp>
-      <p:sp>
-        <p:nvSpPr>
-          <p:cNvPr id="81" name="Rectangle 80"/>
-          <p:cNvSpPr/>
-          <p:nvPr/>
-        </p:nvSpPr>
-        <p:spPr>
-          <a:xfrm>
-            <a:off x="17629856" y="25456910"/>
-            <a:ext cx="3538342" cy="914400"/>
-          </a:xfrm>
-          <a:prstGeom prst="rect">
-            <a:avLst/>
-          </a:prstGeom>
-          <a:solidFill>
-            <a:schemeClr val="bg1"/>
-          </a:solidFill>
-          <a:ln>
-            <a:solidFill>
-              <a:schemeClr val="bg1"/>
-            </a:solidFill>
-          </a:ln>
-        </p:spPr>
-        <p:style>
-          <a:lnRef idx="2">
-            <a:schemeClr val="accent1">
-              <a:shade val="50000"/>
-            </a:schemeClr>
-          </a:lnRef>
-          <a:fillRef idx="1">
-            <a:schemeClr val="accent1"/>
-          </a:fillRef>
-          <a:effectRef idx="0">
-            <a:schemeClr val="accent1"/>
-          </a:effectRef>
-          <a:fontRef idx="minor">
-            <a:schemeClr val="lt1"/>
-          </a:fontRef>
-        </p:style>
-        <p:txBody>
-          <a:bodyPr rtlCol="0" anchor="ctr"/>
-          <a:lstStyle/>
-          <a:p>
-            <a:pPr algn="ctr"/>
-            <a:endParaRPr lang="en-US">
-              <a:latin typeface="Arial" panose="020B0604020202020204" pitchFamily="34" charset="0"/>
-              <a:cs typeface="Arial" panose="020B0604020202020204" pitchFamily="34" charset="0"/>
-            </a:endParaRPr>
-          </a:p>
-        </p:txBody>
-      </p:sp>
-      <p:sp>
-        <p:nvSpPr>
-          <p:cNvPr id="92" name="Rectangle 91"/>
-          <p:cNvSpPr/>
-          <p:nvPr/>
-        </p:nvSpPr>
-        <p:spPr>
-          <a:xfrm>
-            <a:off x="25755599" y="30449520"/>
-            <a:ext cx="1592225" cy="1478280"/>
-          </a:xfrm>
-          <a:prstGeom prst="rect">
-            <a:avLst/>
-          </a:prstGeom>
-          <a:solidFill>
-            <a:schemeClr val="bg1"/>
-          </a:solidFill>
-          <a:ln>
-            <a:solidFill>
-              <a:schemeClr val="bg1"/>
-            </a:solidFill>
-          </a:ln>
-        </p:spPr>
-        <p:style>
-          <a:lnRef idx="2">
-            <a:schemeClr val="accent1">
-              <a:shade val="50000"/>
-            </a:schemeClr>
-          </a:lnRef>
-          <a:fillRef idx="1">
-            <a:schemeClr val="accent1"/>
-          </a:fillRef>
-          <a:effectRef idx="0">
-            <a:schemeClr val="accent1"/>
-          </a:effectRef>
-          <a:fontRef idx="minor">
-            <a:schemeClr val="lt1"/>
-          </a:fontRef>
-        </p:style>
-        <p:txBody>
-          <a:bodyPr rtlCol="0" anchor="ctr"/>
-          <a:lstStyle/>
-          <a:p>
-            <a:pPr algn="ctr"/>
-            <a:endParaRPr lang="en-US">
-              <a:latin typeface="Arial" panose="020B0604020202020204" pitchFamily="34" charset="0"/>
-              <a:cs typeface="Arial" panose="020B0604020202020204" pitchFamily="34" charset="0"/>
-            </a:endParaRPr>
-          </a:p>
-        </p:txBody>
-      </p:sp>
-      <p:sp>
-        <p:nvSpPr>
-          <p:cNvPr id="95" name="Rectangle 94"/>
-          <p:cNvSpPr/>
-          <p:nvPr/>
-        </p:nvSpPr>
-        <p:spPr>
-          <a:xfrm>
-            <a:off x="14950925" y="27540856"/>
-            <a:ext cx="2363040" cy="1480491"/>
-          </a:xfrm>
-          <a:prstGeom prst="rect">
-            <a:avLst/>
-          </a:prstGeom>
-          <a:solidFill>
-            <a:schemeClr val="bg1"/>
-          </a:solidFill>
-          <a:ln>
-            <a:solidFill>
-              <a:schemeClr val="bg1"/>
-            </a:solidFill>
-          </a:ln>
-        </p:spPr>
-        <p:style>
-          <a:lnRef idx="2">
-            <a:schemeClr val="accent1">
-              <a:shade val="50000"/>
-            </a:schemeClr>
-          </a:lnRef>
-          <a:fillRef idx="1">
-            <a:schemeClr val="accent1"/>
-          </a:fillRef>
-          <a:effectRef idx="0">
-            <a:schemeClr val="accent1"/>
-          </a:effectRef>
-          <a:fontRef idx="minor">
-            <a:schemeClr val="lt1"/>
-          </a:fontRef>
-        </p:style>
-        <p:txBody>
-          <a:bodyPr rtlCol="0" anchor="ctr"/>
-          <a:lstStyle/>
-          <a:p>
-            <a:pPr algn="ctr"/>
-            <a:endParaRPr lang="en-US">
-              <a:latin typeface="Arial" panose="020B0604020202020204" pitchFamily="34" charset="0"/>
-              <a:cs typeface="Arial" panose="020B0604020202020204" pitchFamily="34" charset="0"/>
-            </a:endParaRPr>
-          </a:p>
-        </p:txBody>
-      </p:sp>
       <p:grpSp>
         <p:nvGrpSpPr>
           <p:cNvPr id="42" name="Group 6"/>
@@ -5170,10 +5087,10 @@
         </p:nvGrpSpPr>
         <p:grpSpPr bwMode="auto">
           <a:xfrm>
-            <a:off x="363538" y="9677256"/>
-            <a:ext cx="14235112" cy="24532042"/>
-            <a:chOff x="432287" y="4361588"/>
-            <a:chExt cx="13700233" cy="13356527"/>
+            <a:off x="363537" y="9969184"/>
+            <a:ext cx="14235112" cy="23264970"/>
+            <a:chOff x="432287" y="4335860"/>
+            <a:chExt cx="13700233" cy="11782777"/>
           </a:xfrm>
         </p:grpSpPr>
         <p:sp>
@@ -5187,7 +5104,7 @@
           <p:spPr bwMode="auto">
             <a:xfrm>
               <a:off x="432287" y="4848765"/>
-              <a:ext cx="13700233" cy="12869350"/>
+              <a:ext cx="13700233" cy="11269872"/>
             </a:xfrm>
             <a:prstGeom prst="rect">
               <a:avLst/>
@@ -5201,7 +5118,7 @@
             </a:ln>
             <a:extLst>
               <a:ext uri="{909E8E84-426E-40dd-AFC4-6F175D3DCCD1}">
-                <a14:hiddenFill xmlns:a14="http://schemas.microsoft.com/office/drawing/2010/main" xmlns="">
+                <a14:hiddenFill xmlns="" xmlns:a14="http://schemas.microsoft.com/office/drawing/2010/main">
                   <a:solidFill>
                     <a:srgbClr val="FFFFFF"/>
                   </a:solidFill>
@@ -5583,7 +5500,7 @@
                   <a:latin typeface="Arial" panose="020B0604020202020204" pitchFamily="34" charset="0"/>
                   <a:cs typeface="Arial" panose="020B0604020202020204" pitchFamily="34" charset="0"/>
                 </a:rPr>
-                <a:t>Data was collected from the UCI machine learning repository and a paper by Mishra, S, &amp; Soni. The second dataset is simplified by removing the 'URL', 'PHONE', and 'EMAIL' columns, as the focus is on NLP techniques without external information.</a:t>
+                <a:t>Data was collected from the UCI machine learning repository and a paper by Mishra, S, &amp; Soni. The second dataset is simplified by removing the 'URL', 'PHONE', and 'EMAIL' columns, as the focus is on NLP techniques without external information. A split of 80%-20% was used./</a:t>
               </a:r>
               <a:endParaRPr lang="en-US" sz="3000" b="1" dirty="0">
                 <a:latin typeface="Arial" panose="020B0604020202020204" pitchFamily="34" charset="0"/>
@@ -5610,7 +5527,7 @@
                   <a:latin typeface="Arial" panose="020B0604020202020204" pitchFamily="34" charset="0"/>
                   <a:cs typeface="Arial" panose="020B0604020202020204" pitchFamily="34" charset="0"/>
                 </a:rPr>
-                <a:t>NLP techniques preprocess human language, like English, into a computer-readable format, such as numbers. These numbers are then used in a machine learning model to make predictions:</a:t>
+                <a:t>NLP techniques preprocess human language, like English, into a computer-readable format, such as numbers. These numbers are then used in a machine-learning model to make predictions:</a:t>
               </a:r>
             </a:p>
             <a:p>
@@ -5630,7 +5547,14 @@
                   <a:latin typeface="Arial" panose="020B0604020202020204" pitchFamily="34" charset="0"/>
                   <a:cs typeface="Arial" panose="020B0604020202020204" pitchFamily="34" charset="0"/>
                 </a:rPr>
-                <a:t>: The process consists of turning sentences into a list of words, during this process the ‘</a:t>
+                <a:t>: The process involves using the </a:t>
+              </a:r>
+              <a:r>
+                <a:rPr lang="en-US" sz="3000" b="1" dirty="0">
+                  <a:latin typeface="Arial" panose="020B0604020202020204" pitchFamily="34" charset="0"/>
+                  <a:cs typeface="Arial" panose="020B0604020202020204" pitchFamily="34" charset="0"/>
+                </a:rPr>
+                <a:t>'</a:t>
               </a:r>
               <a:r>
                 <a:rPr lang="en-US" sz="3000" b="1" dirty="0" err="1">
@@ -5644,21 +5568,21 @@
                   <a:latin typeface="Arial" panose="020B0604020202020204" pitchFamily="34" charset="0"/>
                   <a:cs typeface="Arial" panose="020B0604020202020204" pitchFamily="34" charset="0"/>
                 </a:rPr>
-                <a:t>’ from </a:t>
+                <a:t>' from </a:t>
               </a:r>
               <a:r>
                 <a:rPr lang="en-US" sz="3000" b="1" dirty="0">
                   <a:latin typeface="Arial" panose="020B0604020202020204" pitchFamily="34" charset="0"/>
                   <a:cs typeface="Arial" panose="020B0604020202020204" pitchFamily="34" charset="0"/>
                 </a:rPr>
-                <a:t>NLTK, </a:t>
+                <a:t>NLTK</a:t>
               </a:r>
               <a:r>
                 <a:rPr lang="en-US" sz="3000" dirty="0">
                   <a:latin typeface="Arial" panose="020B0604020202020204" pitchFamily="34" charset="0"/>
                   <a:cs typeface="Arial" panose="020B0604020202020204" pitchFamily="34" charset="0"/>
                 </a:rPr>
-                <a:t>was used. This tokenized specializes in short conversations like tweets, as the name says. Tweets can be similar to short text messages (SMS), as both can include, links, words that are outside of the English dictionary, or different symbols used to give meaning to something. After being separated into words these were turned into numbers so the computer could understand. </a:t>
+                <a:t> to turn sentences into a list of words, which are then converted into numbers for computer processing. </a:t>
               </a:r>
             </a:p>
             <a:p>
@@ -5814,7 +5738,7 @@
                   <a:latin typeface="Arial" panose="020B0604020202020204" pitchFamily="34" charset="0"/>
                   <a:cs typeface="Arial" panose="020B0604020202020204" pitchFamily="34" charset="0"/>
                 </a:rPr>
-                <a:t>Count Vectorizer</a:t>
+                <a:t>Count Vectorizer	</a:t>
               </a:r>
             </a:p>
             <a:p>
@@ -5827,7 +5751,7 @@
                   <a:latin typeface="Arial" panose="020B0604020202020204" pitchFamily="34" charset="0"/>
                   <a:cs typeface="Arial" panose="020B0604020202020204" pitchFamily="34" charset="0"/>
                 </a:rPr>
-                <a:t>BERT</a:t>
+                <a:t>TF-IDF (Term Frequency-Inverse Document Frequency)</a:t>
               </a:r>
             </a:p>
             <a:p>
@@ -5840,11 +5764,11 @@
                   <a:latin typeface="Arial" panose="020B0604020202020204" pitchFamily="34" charset="0"/>
                   <a:cs typeface="Arial" panose="020B0604020202020204" pitchFamily="34" charset="0"/>
                 </a:rPr>
-                <a:t>TF-IDF</a:t>
+                <a:t>Hashing vectorizer ( not used with NB)	 </a:t>
               </a:r>
             </a:p>
             <a:p>
-              <a:pPr lvl="2">
+              <a:pPr>
                 <a:buFont typeface="Arial" panose="020B0604020202020204" pitchFamily="34" charset="0"/>
                 <a:buChar char="•"/>
               </a:pPr>
@@ -5853,26 +5777,21 @@
                   <a:latin typeface="Arial" panose="020B0604020202020204" pitchFamily="34" charset="0"/>
                   <a:cs typeface="Arial" panose="020B0604020202020204" pitchFamily="34" charset="0"/>
                 </a:rPr>
-                <a:t>Hashing vectorizer</a:t>
-              </a:r>
-              <a:endParaRPr lang="en-US" sz="3000" dirty="0">
-                <a:latin typeface="Arial" panose="020B0604020202020204" pitchFamily="34" charset="0"/>
-                <a:cs typeface="Arial" panose="020B0604020202020204" pitchFamily="34" charset="0"/>
-              </a:endParaRPr>
-            </a:p>
-            <a:p>
-              <a:pPr marL="457200" lvl="1" indent="0"/>
-              <a:endParaRPr lang="en-US" sz="3000" b="1" dirty="0">
-                <a:latin typeface="Arial" panose="020B0604020202020204" pitchFamily="34" charset="0"/>
-                <a:cs typeface="Arial" panose="020B0604020202020204" pitchFamily="34" charset="0"/>
-              </a:endParaRPr>
-            </a:p>
-            <a:p>
-              <a:pPr marL="0" indent="0"/>
-              <a:endParaRPr lang="en-US" altLang="en-US" sz="3000" dirty="0">
-                <a:latin typeface="Arial" panose="020B0604020202020204" pitchFamily="34" charset="0"/>
-                <a:cs typeface="Arial" panose="020B0604020202020204" pitchFamily="34" charset="0"/>
-              </a:endParaRPr>
+                <a:t>Model selection and training</a:t>
+              </a:r>
+              <a:br>
+                <a:rPr lang="en-US" sz="3000" b="1" dirty="0">
+                  <a:latin typeface="Arial" panose="020B0604020202020204" pitchFamily="34" charset="0"/>
+                  <a:cs typeface="Arial" panose="020B0604020202020204" pitchFamily="34" charset="0"/>
+                </a:rPr>
+              </a:br>
+              <a:r>
+                <a:rPr lang="en-US" sz="3000" dirty="0">
+                  <a:latin typeface="Arial" panose="020B0604020202020204" pitchFamily="34" charset="0"/>
+                  <a:cs typeface="Arial" panose="020B0604020202020204" pitchFamily="34" charset="0"/>
+                </a:rPr>
+                <a:t>Once the Text Preprocessing was done, the next step was to train models. A pool of Machine-learning models and some deep-learning techniques were chosen during this research. </a:t>
+              </a:r>
             </a:p>
           </p:txBody>
         </p:sp>
@@ -5886,7 +5805,7 @@
           </p:nvSpPr>
           <p:spPr bwMode="auto">
             <a:xfrm>
-              <a:off x="432287" y="4361588"/>
+              <a:off x="432287" y="4335860"/>
               <a:ext cx="13700233" cy="448784"/>
             </a:xfrm>
             <a:prstGeom prst="rect">
@@ -6039,10 +5958,10 @@
         </p:nvGrpSpPr>
         <p:grpSpPr bwMode="auto">
           <a:xfrm>
-            <a:off x="29292552" y="16787004"/>
-            <a:ext cx="14240655" cy="3294752"/>
+            <a:off x="29431791" y="13890869"/>
+            <a:ext cx="14240655" cy="12066384"/>
             <a:chOff x="432287" y="4365904"/>
-            <a:chExt cx="13705568" cy="1779348"/>
+            <a:chExt cx="13705568" cy="6516513"/>
           </a:xfrm>
         </p:grpSpPr>
         <p:sp>
@@ -6056,7 +5975,7 @@
           <p:spPr bwMode="auto">
             <a:xfrm>
               <a:off x="432287" y="4848765"/>
-              <a:ext cx="13700233" cy="1296487"/>
+              <a:ext cx="13700233" cy="6033652"/>
             </a:xfrm>
             <a:prstGeom prst="rect">
               <a:avLst/>
@@ -6070,7 +5989,7 @@
             </a:ln>
             <a:extLst>
               <a:ext uri="{909E8E84-426E-40dd-AFC4-6F175D3DCCD1}">
-                <a14:hiddenFill xmlns:a14="http://schemas.microsoft.com/office/drawing/2010/main" xmlns="">
+                <a14:hiddenFill xmlns="" xmlns:a14="http://schemas.microsoft.com/office/drawing/2010/main">
                   <a:solidFill>
                     <a:srgbClr val="FFFFFF"/>
                   </a:solidFill>
@@ -6192,26 +6111,12 @@
             <a:p>
               <a:pPr marL="0" indent="0" eaLnBrk="1" hangingPunct="1"/>
               <a:r>
-                <a:rPr lang="en-US" altLang="en-US" sz="3000" strike="sngStrike" dirty="0">
-                  <a:latin typeface="Arial" panose="020B0604020202020204" pitchFamily="34" charset="0"/>
-                  <a:cs typeface="Arial" panose="020B0604020202020204" pitchFamily="34" charset="0"/>
-                </a:rPr>
-                <a:t>(Analyze and interpret your results and how it supports your hypothesis. You can also state any sources of error or limitations you encountered. You can state your conclusion in bullet format if necessary.)</a:t>
-              </a:r>
-            </a:p>
-            <a:p>
-              <a:pPr marL="0" indent="0" eaLnBrk="1" hangingPunct="1"/>
-              <a:endParaRPr lang="en-US" altLang="en-US" sz="3000" dirty="0">
-                <a:latin typeface="Arial" panose="020B0604020202020204" pitchFamily="34" charset="0"/>
-                <a:cs typeface="Arial" panose="020B0604020202020204" pitchFamily="34" charset="0"/>
-              </a:endParaRPr>
-            </a:p>
-            <a:p>
-              <a:pPr marL="0" indent="0" eaLnBrk="1" hangingPunct="1"/>
-              <a:endParaRPr lang="en-US" altLang="en-US" sz="3000" dirty="0">
-                <a:latin typeface="Arial" panose="020B0604020202020204" pitchFamily="34" charset="0"/>
-                <a:cs typeface="Arial" panose="020B0604020202020204" pitchFamily="34" charset="0"/>
-              </a:endParaRPr>
+                <a:rPr lang="en-US" altLang="en-US" sz="3000" dirty="0">
+                  <a:latin typeface="Arial" panose="020B0604020202020204" pitchFamily="34" charset="0"/>
+                  <a:cs typeface="Arial" panose="020B0604020202020204" pitchFamily="34" charset="0"/>
+                </a:rPr>
+                <a:t>After conducting multiple experiments as part of our research, we employed various methods to assess the accuracy of different models used to classify messages as spam or ham. The results indicated that models such as Naive Bayes, k-nearest neighbors, and the Densely connected neural network did not perform up to the desired standard. However, the random forest classifier showed relatively lower proficiency when using a specific embedding technique. In comparison with the other models, it is possible to say that the embedding technique impacted the random forest. Nevertheless, all models exhibited similar accuracy levels when using any embedding technique. In the case of the Densely connected neural network, its accuracy was lower compared to the LSTM (Long Short-Term Memory) and the Stacked LSTM. This suggests that LSTM may be more effective in classifying text and that using only a Dense layer is insufficient to yield satisfactory results, although it still achieved acceptable accuracy due to its simplicity. The models that performed the best were the Stacked LSTM and the decision tree in conjunction with the Count Vectorizer technique. These results suggest that an LSTM could be the better option for more complex problems. However, the decision tree model demonstrated the same accuracy as the Stacked LSTM and also boasted faster compilation time and simpler implementation. This suggests that in simpler problems, such as the one discussed in this research, a conventional model could be more practical for real-world implementation. Moving forward, the next steps for further improvement will involve implementing this model in a real-world application, such as a messaging service, a web app, or even an email service, and analyze its effects.</a:t>
+              </a:r>
             </a:p>
           </p:txBody>
         </p:sp>
@@ -6362,7 +6267,7 @@
                   <a:latin typeface="Arial" panose="020B0604020202020204" pitchFamily="34" charset="0"/>
                   <a:cs typeface="Arial" panose="020B0604020202020204" pitchFamily="34" charset="0"/>
                 </a:rPr>
-                <a:t>Conclusion</a:t>
+                <a:t>Conclusion &amp; Future Work </a:t>
               </a:r>
             </a:p>
           </p:txBody>
@@ -6370,7 +6275,7 @@
       </p:grpSp>
       <p:grpSp>
         <p:nvGrpSpPr>
-          <p:cNvPr id="55" name="Group 6"/>
+          <p:cNvPr id="58" name="Group 6"/>
           <p:cNvGrpSpPr>
             <a:grpSpLocks/>
           </p:cNvGrpSpPr>
@@ -6378,15 +6283,15 @@
         </p:nvGrpSpPr>
         <p:grpSpPr bwMode="auto">
           <a:xfrm>
-            <a:off x="29426248" y="19884435"/>
-            <a:ext cx="14240655" cy="2371424"/>
-            <a:chOff x="432287" y="4365904"/>
-            <a:chExt cx="13705568" cy="1280700"/>
+            <a:off x="29292552" y="25872626"/>
+            <a:ext cx="14235113" cy="4221087"/>
+            <a:chOff x="432287" y="4613606"/>
+            <a:chExt cx="13700234" cy="2279620"/>
           </a:xfrm>
         </p:grpSpPr>
         <p:sp>
           <p:nvSpPr>
-            <p:cNvPr id="56" name="TextBox 3"/>
+            <p:cNvPr id="59" name="TextBox 3"/>
             <p:cNvSpPr txBox="1">
               <a:spLocks noChangeArrowheads="1"/>
             </p:cNvSpPr>
@@ -6395,7 +6300,7 @@
           <p:spPr bwMode="auto">
             <a:xfrm>
               <a:off x="432287" y="4848765"/>
-              <a:ext cx="13700233" cy="797839"/>
+              <a:ext cx="13700233" cy="2044461"/>
             </a:xfrm>
             <a:prstGeom prst="rect">
               <a:avLst/>
@@ -6409,7 +6314,7 @@
             </a:ln>
             <a:extLst>
               <a:ext uri="{909E8E84-426E-40dd-AFC4-6F175D3DCCD1}">
-                <a14:hiddenFill xmlns:a14="http://schemas.microsoft.com/office/drawing/2010/main" xmlns="">
+                <a14:hiddenFill xmlns="" xmlns:a14="http://schemas.microsoft.com/office/drawing/2010/main">
                   <a:solidFill>
                     <a:srgbClr val="FFFFFF"/>
                   </a:solidFill>
@@ -6529,34 +6434,113 @@
               </a:lvl9pPr>
             </a:lstStyle>
             <a:p>
-              <a:pPr marL="0" indent="0" eaLnBrk="1" hangingPunct="1"/>
-              <a:r>
-                <a:rPr lang="en-US" altLang="en-US" sz="3000" dirty="0">
-                  <a:latin typeface="Arial" panose="020B0604020202020204" pitchFamily="34" charset="0"/>
-                  <a:cs typeface="Arial" panose="020B0604020202020204" pitchFamily="34" charset="0"/>
-                </a:rPr>
-                <a:t>(</a:t>
-              </a:r>
-              <a:r>
-                <a:rPr lang="en-US" altLang="en-US" sz="3000" strike="sngStrike" dirty="0">
-                  <a:latin typeface="Arial" panose="020B0604020202020204" pitchFamily="34" charset="0"/>
-                  <a:cs typeface="Arial" panose="020B0604020202020204" pitchFamily="34" charset="0"/>
-                </a:rPr>
-                <a:t>You can state any future procedures or ideas that would help your experiment reach its goal or further advance it.)</a:t>
-              </a:r>
-            </a:p>
-            <a:p>
-              <a:pPr marL="0" indent="0" eaLnBrk="1" hangingPunct="1"/>
+              <a:pPr marL="514350" indent="-514350" eaLnBrk="1" hangingPunct="1">
+                <a:buFont typeface="+mj-lt"/>
+                <a:buAutoNum type="arabicPeriod"/>
+              </a:pPr>
               <a:endParaRPr lang="en-US" altLang="en-US" sz="3000" dirty="0">
                 <a:latin typeface="Arial" panose="020B0604020202020204" pitchFamily="34" charset="0"/>
                 <a:cs typeface="Arial" panose="020B0604020202020204" pitchFamily="34" charset="0"/>
               </a:endParaRPr>
             </a:p>
+            <a:p>
+              <a:pPr marL="514350" indent="-514350" eaLnBrk="1" hangingPunct="1">
+                <a:buFont typeface="+mj-lt"/>
+                <a:buAutoNum type="arabicPeriod"/>
+              </a:pPr>
+              <a:r>
+                <a:rPr lang="en-US" altLang="en-US" sz="3000" dirty="0">
+                  <a:latin typeface="Arial" panose="020B0604020202020204" pitchFamily="34" charset="0"/>
+                  <a:cs typeface="Arial" panose="020B0604020202020204" pitchFamily="34" charset="0"/>
+                </a:rPr>
+                <a:t>Bird, Steven, Edward </a:t>
+              </a:r>
+              <a:r>
+                <a:rPr lang="en-US" altLang="en-US" sz="3000" dirty="0" err="1">
+                  <a:latin typeface="Arial" panose="020B0604020202020204" pitchFamily="34" charset="0"/>
+                  <a:cs typeface="Arial" panose="020B0604020202020204" pitchFamily="34" charset="0"/>
+                </a:rPr>
+                <a:t>Loper</a:t>
+              </a:r>
+              <a:r>
+                <a:rPr lang="en-US" altLang="en-US" sz="3000" dirty="0">
+                  <a:latin typeface="Arial" panose="020B0604020202020204" pitchFamily="34" charset="0"/>
+                  <a:cs typeface="Arial" panose="020B0604020202020204" pitchFamily="34" charset="0"/>
+                </a:rPr>
+                <a:t> and Ewan Klein (2009), Natural Language Processing with Python. O’Reilly Media Inc</a:t>
+              </a:r>
+              <a:endParaRPr lang="en-US" sz="3000" dirty="0">
+                <a:latin typeface="Arial" panose="020B0604020202020204" pitchFamily="34" charset="0"/>
+                <a:cs typeface="Arial" panose="020B0604020202020204" pitchFamily="34" charset="0"/>
+              </a:endParaRPr>
+            </a:p>
+            <a:p>
+              <a:pPr marL="514350" indent="-514350" eaLnBrk="1" hangingPunct="1">
+                <a:buFont typeface="+mj-lt"/>
+                <a:buAutoNum type="arabicPeriod"/>
+              </a:pPr>
+              <a:r>
+                <a:rPr lang="en-US" sz="3000" dirty="0" err="1">
+                  <a:latin typeface="Arial" panose="020B0604020202020204" pitchFamily="34" charset="0"/>
+                  <a:cs typeface="Arial" panose="020B0604020202020204" pitchFamily="34" charset="0"/>
+                </a:rPr>
+                <a:t>Almeida,Tiago</a:t>
+              </a:r>
+              <a:r>
+                <a:rPr lang="en-US" sz="3000" dirty="0">
+                  <a:latin typeface="Arial" panose="020B0604020202020204" pitchFamily="34" charset="0"/>
+                  <a:cs typeface="Arial" panose="020B0604020202020204" pitchFamily="34" charset="0"/>
+                </a:rPr>
+                <a:t> and </a:t>
+              </a:r>
+              <a:r>
+                <a:rPr lang="en-US" sz="3000" dirty="0" err="1">
+                  <a:latin typeface="Arial" panose="020B0604020202020204" pitchFamily="34" charset="0"/>
+                  <a:cs typeface="Arial" panose="020B0604020202020204" pitchFamily="34" charset="0"/>
+                </a:rPr>
+                <a:t>Hidalgo,Jos</a:t>
+              </a:r>
+              <a:r>
+                <a:rPr lang="en-US" sz="3000" dirty="0">
+                  <a:latin typeface="Arial" panose="020B0604020202020204" pitchFamily="34" charset="0"/>
+                  <a:cs typeface="Arial" panose="020B0604020202020204" pitchFamily="34" charset="0"/>
+                </a:rPr>
+                <a:t>. (2012). SMS Spam Collection. UCI Machine Learning Repository. </a:t>
+              </a:r>
+              <a:r>
+                <a:rPr lang="en-US" sz="3000" dirty="0">
+                  <a:latin typeface="Arial" panose="020B0604020202020204" pitchFamily="34" charset="0"/>
+                  <a:cs typeface="Arial" panose="020B0604020202020204" pitchFamily="34" charset="0"/>
+                  <a:hlinkClick r:id="rId8"/>
+                </a:rPr>
+                <a:t>https://doi.org/10.24432/C5CC84</a:t>
+              </a:r>
+              <a:r>
+                <a:rPr lang="en-US" sz="3000" dirty="0">
+                  <a:latin typeface="Arial" panose="020B0604020202020204" pitchFamily="34" charset="0"/>
+                  <a:cs typeface="Arial" panose="020B0604020202020204" pitchFamily="34" charset="0"/>
+                </a:rPr>
+                <a:t>.</a:t>
+              </a:r>
+            </a:p>
+            <a:p>
+              <a:pPr marL="514350" indent="-514350" eaLnBrk="1" hangingPunct="1">
+                <a:buFont typeface="+mj-lt"/>
+                <a:buAutoNum type="arabicPeriod"/>
+              </a:pPr>
+              <a:r>
+                <a:rPr lang="en-US" sz="3000" dirty="0">
+                  <a:latin typeface="Arial" panose="020B0604020202020204" pitchFamily="34" charset="0"/>
+                  <a:cs typeface="Arial" panose="020B0604020202020204" pitchFamily="34" charset="0"/>
+                </a:rPr>
+                <a:t>Mishra, S., &amp; Soni, D. (2020). Smishing Detector: A security model to detect smishing through SMS content analysis and URL behavior analysis. Future Generation Computer Systems, 108, 803-815.</a:t>
+              </a:r>
+            </a:p>
           </p:txBody>
         </p:sp>
         <p:sp>
           <p:nvSpPr>
-            <p:cNvPr id="57" name="TextBox 21"/>
+            <p:cNvPr id="60" name="TextBox 21"/>
             <p:cNvSpPr txBox="1">
               <a:spLocks noChangeArrowheads="1"/>
             </p:cNvSpPr>
@@ -6564,7 +6548,7 @@
           </p:nvSpPr>
           <p:spPr bwMode="auto">
             <a:xfrm>
-              <a:off x="437621" y="4365904"/>
+              <a:off x="432287" y="4613606"/>
               <a:ext cx="13700234" cy="448784"/>
             </a:xfrm>
             <a:prstGeom prst="rect">
@@ -6701,477 +6685,6 @@
                   <a:latin typeface="Arial" panose="020B0604020202020204" pitchFamily="34" charset="0"/>
                   <a:cs typeface="Arial" panose="020B0604020202020204" pitchFamily="34" charset="0"/>
                 </a:rPr>
-                <a:t>Future Work </a:t>
-              </a:r>
-            </a:p>
-          </p:txBody>
-        </p:sp>
-      </p:grpSp>
-      <p:grpSp>
-        <p:nvGrpSpPr>
-          <p:cNvPr id="58" name="Group 6"/>
-          <p:cNvGrpSpPr>
-            <a:grpSpLocks/>
-          </p:cNvGrpSpPr>
-          <p:nvPr/>
-        </p:nvGrpSpPr>
-        <p:grpSpPr bwMode="auto">
-          <a:xfrm>
-            <a:off x="29431791" y="22755314"/>
-            <a:ext cx="14240655" cy="7449738"/>
-            <a:chOff x="432287" y="4365904"/>
-            <a:chExt cx="13705568" cy="4023269"/>
-          </a:xfrm>
-        </p:grpSpPr>
-        <p:sp>
-          <p:nvSpPr>
-            <p:cNvPr id="59" name="TextBox 3"/>
-            <p:cNvSpPr txBox="1">
-              <a:spLocks noChangeArrowheads="1"/>
-            </p:cNvSpPr>
-            <p:nvPr/>
-          </p:nvSpPr>
-          <p:spPr bwMode="auto">
-            <a:xfrm>
-              <a:off x="432287" y="4848765"/>
-              <a:ext cx="13700233" cy="3540408"/>
-            </a:xfrm>
-            <a:prstGeom prst="rect">
-              <a:avLst/>
-            </a:prstGeom>
-            <a:noFill/>
-            <a:ln w="9525">
-              <a:noFill/>
-              <a:miter lim="800000"/>
-              <a:headEnd/>
-              <a:tailEnd/>
-            </a:ln>
-            <a:extLst>
-              <a:ext uri="{909E8E84-426E-40dd-AFC4-6F175D3DCCD1}">
-                <a14:hiddenFill xmlns:a14="http://schemas.microsoft.com/office/drawing/2010/main" xmlns="">
-                  <a:solidFill>
-                    <a:srgbClr val="FFFFFF"/>
-                  </a:solidFill>
-                </a14:hiddenFill>
-              </a:ext>
-            </a:extLst>
-          </p:spPr>
-          <p:txBody>
-            <a:bodyPr lIns="274320" rIns="274320">
-              <a:spAutoFit/>
-            </a:bodyPr>
-            <a:lstStyle>
-              <a:lvl1pPr marL="457200" indent="-457200">
-                <a:defRPr sz="7200">
-                  <a:solidFill>
-                    <a:schemeClr val="tx1"/>
-                  </a:solidFill>
-                  <a:latin typeface="Calibri" charset="0"/>
-                  <a:ea typeface="ＭＳ Ｐゴシック" charset="-128"/>
-                </a:defRPr>
-              </a:lvl1pPr>
-              <a:lvl2pPr marL="742950" indent="-285750">
-                <a:defRPr sz="7200">
-                  <a:solidFill>
-                    <a:schemeClr val="tx1"/>
-                  </a:solidFill>
-                  <a:latin typeface="Calibri" charset="0"/>
-                  <a:ea typeface="ＭＳ Ｐゴシック" charset="-128"/>
-                </a:defRPr>
-              </a:lvl2pPr>
-              <a:lvl3pPr marL="1143000" indent="-228600">
-                <a:defRPr sz="7200">
-                  <a:solidFill>
-                    <a:schemeClr val="tx1"/>
-                  </a:solidFill>
-                  <a:latin typeface="Calibri" charset="0"/>
-                  <a:ea typeface="ＭＳ Ｐゴシック" charset="-128"/>
-                </a:defRPr>
-              </a:lvl3pPr>
-              <a:lvl4pPr marL="1600200" indent="-228600">
-                <a:defRPr sz="7200">
-                  <a:solidFill>
-                    <a:schemeClr val="tx1"/>
-                  </a:solidFill>
-                  <a:latin typeface="Calibri" charset="0"/>
-                  <a:ea typeface="ＭＳ Ｐゴシック" charset="-128"/>
-                </a:defRPr>
-              </a:lvl4pPr>
-              <a:lvl5pPr marL="2057400" indent="-228600">
-                <a:defRPr sz="7200">
-                  <a:solidFill>
-                    <a:schemeClr val="tx1"/>
-                  </a:solidFill>
-                  <a:latin typeface="Calibri" charset="0"/>
-                  <a:ea typeface="ＭＳ Ｐゴシック" charset="-128"/>
-                </a:defRPr>
-              </a:lvl5pPr>
-              <a:lvl6pPr marL="2514600" indent="-228600" defTabSz="3686175" eaLnBrk="0" fontAlgn="base" hangingPunct="0">
-                <a:spcBef>
-                  <a:spcPct val="0"/>
-                </a:spcBef>
-                <a:spcAft>
-                  <a:spcPct val="0"/>
-                </a:spcAft>
-                <a:defRPr sz="7200">
-                  <a:solidFill>
-                    <a:schemeClr val="tx1"/>
-                  </a:solidFill>
-                  <a:latin typeface="Calibri" charset="0"/>
-                  <a:ea typeface="ＭＳ Ｐゴシック" charset="-128"/>
-                </a:defRPr>
-              </a:lvl6pPr>
-              <a:lvl7pPr marL="2971800" indent="-228600" defTabSz="3686175" eaLnBrk="0" fontAlgn="base" hangingPunct="0">
-                <a:spcBef>
-                  <a:spcPct val="0"/>
-                </a:spcBef>
-                <a:spcAft>
-                  <a:spcPct val="0"/>
-                </a:spcAft>
-                <a:defRPr sz="7200">
-                  <a:solidFill>
-                    <a:schemeClr val="tx1"/>
-                  </a:solidFill>
-                  <a:latin typeface="Calibri" charset="0"/>
-                  <a:ea typeface="ＭＳ Ｐゴシック" charset="-128"/>
-                </a:defRPr>
-              </a:lvl7pPr>
-              <a:lvl8pPr marL="3429000" indent="-228600" defTabSz="3686175" eaLnBrk="0" fontAlgn="base" hangingPunct="0">
-                <a:spcBef>
-                  <a:spcPct val="0"/>
-                </a:spcBef>
-                <a:spcAft>
-                  <a:spcPct val="0"/>
-                </a:spcAft>
-                <a:defRPr sz="7200">
-                  <a:solidFill>
-                    <a:schemeClr val="tx1"/>
-                  </a:solidFill>
-                  <a:latin typeface="Calibri" charset="0"/>
-                  <a:ea typeface="ＭＳ Ｐゴシック" charset="-128"/>
-                </a:defRPr>
-              </a:lvl8pPr>
-              <a:lvl9pPr marL="3886200" indent="-228600" defTabSz="3686175" eaLnBrk="0" fontAlgn="base" hangingPunct="0">
-                <a:spcBef>
-                  <a:spcPct val="0"/>
-                </a:spcBef>
-                <a:spcAft>
-                  <a:spcPct val="0"/>
-                </a:spcAft>
-                <a:defRPr sz="7200">
-                  <a:solidFill>
-                    <a:schemeClr val="tx1"/>
-                  </a:solidFill>
-                  <a:latin typeface="Calibri" charset="0"/>
-                  <a:ea typeface="ＭＳ Ｐゴシック" charset="-128"/>
-                </a:defRPr>
-              </a:lvl9pPr>
-            </a:lstStyle>
-            <a:p>
-              <a:pPr marL="514350" indent="-514350" eaLnBrk="1" hangingPunct="1">
-                <a:buFont typeface="+mj-lt"/>
-                <a:buAutoNum type="arabicPeriod"/>
-              </a:pPr>
-              <a:endParaRPr lang="en-US" altLang="en-US" sz="3000" dirty="0">
-                <a:latin typeface="Arial" panose="020B0604020202020204" pitchFamily="34" charset="0"/>
-                <a:cs typeface="Arial" panose="020B0604020202020204" pitchFamily="34" charset="0"/>
-              </a:endParaRPr>
-            </a:p>
-            <a:p>
-              <a:pPr marL="514350" indent="-514350" eaLnBrk="1" hangingPunct="1">
-                <a:buFont typeface="+mj-lt"/>
-                <a:buAutoNum type="arabicPeriod"/>
-              </a:pPr>
-              <a:r>
-                <a:rPr lang="en-US" altLang="en-US" sz="3000" dirty="0">
-                  <a:latin typeface="Arial" panose="020B0604020202020204" pitchFamily="34" charset="0"/>
-                  <a:cs typeface="Arial" panose="020B0604020202020204" pitchFamily="34" charset="0"/>
-                </a:rPr>
-                <a:t>Bird, Steven, Edward </a:t>
-              </a:r>
-              <a:r>
-                <a:rPr lang="en-US" altLang="en-US" sz="3000" dirty="0" err="1">
-                  <a:latin typeface="Arial" panose="020B0604020202020204" pitchFamily="34" charset="0"/>
-                  <a:cs typeface="Arial" panose="020B0604020202020204" pitchFamily="34" charset="0"/>
-                </a:rPr>
-                <a:t>Loper</a:t>
-              </a:r>
-              <a:r>
-                <a:rPr lang="en-US" altLang="en-US" sz="3000" dirty="0">
-                  <a:latin typeface="Arial" panose="020B0604020202020204" pitchFamily="34" charset="0"/>
-                  <a:cs typeface="Arial" panose="020B0604020202020204" pitchFamily="34" charset="0"/>
-                </a:rPr>
-                <a:t> and Ewan Klein (2009), Natural Language Processing with Python. O’Reilly Media Inc</a:t>
-              </a:r>
-            </a:p>
-            <a:p>
-              <a:pPr marL="514350" indent="-514350" eaLnBrk="1" hangingPunct="1">
-                <a:buFont typeface="+mj-lt"/>
-                <a:buAutoNum type="arabicPeriod"/>
-              </a:pPr>
-              <a:endParaRPr lang="en-US" sz="3000" dirty="0">
-                <a:latin typeface="Arial" panose="020B0604020202020204" pitchFamily="34" charset="0"/>
-                <a:cs typeface="Arial" panose="020B0604020202020204" pitchFamily="34" charset="0"/>
-              </a:endParaRPr>
-            </a:p>
-            <a:p>
-              <a:pPr marL="514350" indent="-514350" eaLnBrk="1" hangingPunct="1">
-                <a:buFont typeface="+mj-lt"/>
-                <a:buAutoNum type="arabicPeriod"/>
-              </a:pPr>
-              <a:r>
-                <a:rPr lang="en-US" sz="3000" dirty="0" err="1">
-                  <a:latin typeface="Arial" panose="020B0604020202020204" pitchFamily="34" charset="0"/>
-                  <a:cs typeface="Arial" panose="020B0604020202020204" pitchFamily="34" charset="0"/>
-                </a:rPr>
-                <a:t>Almeida,Tiago</a:t>
-              </a:r>
-              <a:r>
-                <a:rPr lang="en-US" sz="3000" dirty="0">
-                  <a:latin typeface="Arial" panose="020B0604020202020204" pitchFamily="34" charset="0"/>
-                  <a:cs typeface="Arial" panose="020B0604020202020204" pitchFamily="34" charset="0"/>
-                </a:rPr>
-                <a:t> and </a:t>
-              </a:r>
-              <a:r>
-                <a:rPr lang="en-US" sz="3000" dirty="0" err="1">
-                  <a:latin typeface="Arial" panose="020B0604020202020204" pitchFamily="34" charset="0"/>
-                  <a:cs typeface="Arial" panose="020B0604020202020204" pitchFamily="34" charset="0"/>
-                </a:rPr>
-                <a:t>Hidalgo,Jos</a:t>
-              </a:r>
-              <a:r>
-                <a:rPr lang="en-US" sz="3000" dirty="0">
-                  <a:latin typeface="Arial" panose="020B0604020202020204" pitchFamily="34" charset="0"/>
-                  <a:cs typeface="Arial" panose="020B0604020202020204" pitchFamily="34" charset="0"/>
-                </a:rPr>
-                <a:t>. (2012). SMS Spam Collection. UCI Machine Learning Repository. </a:t>
-              </a:r>
-              <a:r>
-                <a:rPr lang="en-US" sz="3000" dirty="0">
-                  <a:latin typeface="Arial" panose="020B0604020202020204" pitchFamily="34" charset="0"/>
-                  <a:cs typeface="Arial" panose="020B0604020202020204" pitchFamily="34" charset="0"/>
-                  <a:hlinkClick r:id="rId4"/>
-                </a:rPr>
-                <a:t>https://doi.org/10.24432/C5CC84</a:t>
-              </a:r>
-              <a:r>
-                <a:rPr lang="en-US" sz="3000" dirty="0">
-                  <a:latin typeface="Arial" panose="020B0604020202020204" pitchFamily="34" charset="0"/>
-                  <a:cs typeface="Arial" panose="020B0604020202020204" pitchFamily="34" charset="0"/>
-                </a:rPr>
-                <a:t>.</a:t>
-              </a:r>
-            </a:p>
-            <a:p>
-              <a:pPr marL="514350" indent="-514350" eaLnBrk="1" hangingPunct="1">
-                <a:buFont typeface="+mj-lt"/>
-                <a:buAutoNum type="arabicPeriod"/>
-              </a:pPr>
-              <a:endParaRPr lang="en-US" sz="3000" dirty="0">
-                <a:latin typeface="Arial" panose="020B0604020202020204" pitchFamily="34" charset="0"/>
-                <a:cs typeface="Arial" panose="020B0604020202020204" pitchFamily="34" charset="0"/>
-              </a:endParaRPr>
-            </a:p>
-            <a:p>
-              <a:pPr marL="514350" indent="-514350" eaLnBrk="1" hangingPunct="1">
-                <a:buFont typeface="+mj-lt"/>
-                <a:buAutoNum type="arabicPeriod"/>
-              </a:pPr>
-              <a:r>
-                <a:rPr lang="en-US" sz="3000" dirty="0">
-                  <a:latin typeface="Arial" panose="020B0604020202020204" pitchFamily="34" charset="0"/>
-                  <a:cs typeface="Arial" panose="020B0604020202020204" pitchFamily="34" charset="0"/>
-                </a:rPr>
-                <a:t>Mishra, S., &amp; Soni, D. (2020). Smishing Detector: A security model to detect smishing through SMS content analysis and URL behavior analysis. Future Generation Computer Systems, 108, 803-815.</a:t>
-              </a:r>
-            </a:p>
-            <a:p>
-              <a:pPr marL="514350" indent="-514350" eaLnBrk="1" hangingPunct="1">
-                <a:buFont typeface="+mj-lt"/>
-                <a:buAutoNum type="arabicPeriod"/>
-              </a:pPr>
-              <a:endParaRPr lang="en-US" sz="3000" dirty="0">
-                <a:latin typeface="Arial" panose="020B0604020202020204" pitchFamily="34" charset="0"/>
-                <a:cs typeface="Arial" panose="020B0604020202020204" pitchFamily="34" charset="0"/>
-              </a:endParaRPr>
-            </a:p>
-            <a:p>
-              <a:pPr marL="514350" indent="-514350" eaLnBrk="1" hangingPunct="1">
-                <a:buFont typeface="+mj-lt"/>
-                <a:buAutoNum type="arabicPeriod"/>
-              </a:pPr>
-              <a:r>
-                <a:rPr lang="en-US" altLang="en-US" sz="3000" dirty="0">
-                  <a:latin typeface="Arial" panose="020B0604020202020204" pitchFamily="34" charset="0"/>
-                  <a:cs typeface="Arial" panose="020B0604020202020204" pitchFamily="34" charset="0"/>
-                </a:rPr>
-                <a:t>Devlin, J., Chang, M. W., Lee, K., &amp; Toutanova, K. (2018). Bert: Pre-training of deep bidirectional transformers for language understanding. </a:t>
-              </a:r>
-              <a:r>
-                <a:rPr lang="en-US" altLang="en-US" sz="3000" dirty="0" err="1">
-                  <a:latin typeface="Arial" panose="020B0604020202020204" pitchFamily="34" charset="0"/>
-                  <a:cs typeface="Arial" panose="020B0604020202020204" pitchFamily="34" charset="0"/>
-                </a:rPr>
-                <a:t>arXiv</a:t>
-              </a:r>
-              <a:r>
-                <a:rPr lang="en-US" altLang="en-US" sz="3000" dirty="0">
-                  <a:latin typeface="Arial" panose="020B0604020202020204" pitchFamily="34" charset="0"/>
-                  <a:cs typeface="Arial" panose="020B0604020202020204" pitchFamily="34" charset="0"/>
-                </a:rPr>
-                <a:t> preprint arXiv:1810.04805.</a:t>
-              </a:r>
-            </a:p>
-          </p:txBody>
-        </p:sp>
-        <p:sp>
-          <p:nvSpPr>
-            <p:cNvPr id="60" name="TextBox 21"/>
-            <p:cNvSpPr txBox="1">
-              <a:spLocks noChangeArrowheads="1"/>
-            </p:cNvSpPr>
-            <p:nvPr/>
-          </p:nvSpPr>
-          <p:spPr bwMode="auto">
-            <a:xfrm>
-              <a:off x="437621" y="4365904"/>
-              <a:ext cx="13700234" cy="448784"/>
-            </a:xfrm>
-            <a:prstGeom prst="rect">
-              <a:avLst/>
-            </a:prstGeom>
-            <a:solidFill>
-              <a:srgbClr val="00244E"/>
-            </a:solidFill>
-            <a:ln w="9525">
-              <a:noFill/>
-              <a:miter lim="800000"/>
-              <a:headEnd/>
-              <a:tailEnd/>
-            </a:ln>
-          </p:spPr>
-          <p:txBody>
-            <a:bodyPr>
-              <a:spAutoFit/>
-            </a:bodyPr>
-            <a:lstStyle>
-              <a:lvl1pPr>
-                <a:defRPr sz="7200">
-                  <a:solidFill>
-                    <a:schemeClr val="tx1"/>
-                  </a:solidFill>
-                  <a:latin typeface="Calibri" charset="0"/>
-                  <a:ea typeface="ＭＳ Ｐゴシック" charset="-128"/>
-                </a:defRPr>
-              </a:lvl1pPr>
-              <a:lvl2pPr marL="742950" indent="-285750">
-                <a:defRPr sz="7200">
-                  <a:solidFill>
-                    <a:schemeClr val="tx1"/>
-                  </a:solidFill>
-                  <a:latin typeface="Calibri" charset="0"/>
-                  <a:ea typeface="ＭＳ Ｐゴシック" charset="-128"/>
-                </a:defRPr>
-              </a:lvl2pPr>
-              <a:lvl3pPr marL="1143000" indent="-228600">
-                <a:defRPr sz="7200">
-                  <a:solidFill>
-                    <a:schemeClr val="tx1"/>
-                  </a:solidFill>
-                  <a:latin typeface="Calibri" charset="0"/>
-                  <a:ea typeface="ＭＳ Ｐゴシック" charset="-128"/>
-                </a:defRPr>
-              </a:lvl3pPr>
-              <a:lvl4pPr marL="1600200" indent="-228600">
-                <a:defRPr sz="7200">
-                  <a:solidFill>
-                    <a:schemeClr val="tx1"/>
-                  </a:solidFill>
-                  <a:latin typeface="Calibri" charset="0"/>
-                  <a:ea typeface="ＭＳ Ｐゴシック" charset="-128"/>
-                </a:defRPr>
-              </a:lvl4pPr>
-              <a:lvl5pPr marL="2057400" indent="-228600">
-                <a:defRPr sz="7200">
-                  <a:solidFill>
-                    <a:schemeClr val="tx1"/>
-                  </a:solidFill>
-                  <a:latin typeface="Calibri" charset="0"/>
-                  <a:ea typeface="ＭＳ Ｐゴシック" charset="-128"/>
-                </a:defRPr>
-              </a:lvl5pPr>
-              <a:lvl6pPr marL="2514600" indent="-228600" defTabSz="3686175" eaLnBrk="0" fontAlgn="base" hangingPunct="0">
-                <a:spcBef>
-                  <a:spcPct val="0"/>
-                </a:spcBef>
-                <a:spcAft>
-                  <a:spcPct val="0"/>
-                </a:spcAft>
-                <a:defRPr sz="7200">
-                  <a:solidFill>
-                    <a:schemeClr val="tx1"/>
-                  </a:solidFill>
-                  <a:latin typeface="Calibri" charset="0"/>
-                  <a:ea typeface="ＭＳ Ｐゴシック" charset="-128"/>
-                </a:defRPr>
-              </a:lvl6pPr>
-              <a:lvl7pPr marL="2971800" indent="-228600" defTabSz="3686175" eaLnBrk="0" fontAlgn="base" hangingPunct="0">
-                <a:spcBef>
-                  <a:spcPct val="0"/>
-                </a:spcBef>
-                <a:spcAft>
-                  <a:spcPct val="0"/>
-                </a:spcAft>
-                <a:defRPr sz="7200">
-                  <a:solidFill>
-                    <a:schemeClr val="tx1"/>
-                  </a:solidFill>
-                  <a:latin typeface="Calibri" charset="0"/>
-                  <a:ea typeface="ＭＳ Ｐゴシック" charset="-128"/>
-                </a:defRPr>
-              </a:lvl7pPr>
-              <a:lvl8pPr marL="3429000" indent="-228600" defTabSz="3686175" eaLnBrk="0" fontAlgn="base" hangingPunct="0">
-                <a:spcBef>
-                  <a:spcPct val="0"/>
-                </a:spcBef>
-                <a:spcAft>
-                  <a:spcPct val="0"/>
-                </a:spcAft>
-                <a:defRPr sz="7200">
-                  <a:solidFill>
-                    <a:schemeClr val="tx1"/>
-                  </a:solidFill>
-                  <a:latin typeface="Calibri" charset="0"/>
-                  <a:ea typeface="ＭＳ Ｐゴシック" charset="-128"/>
-                </a:defRPr>
-              </a:lvl8pPr>
-              <a:lvl9pPr marL="3886200" indent="-228600" defTabSz="3686175" eaLnBrk="0" fontAlgn="base" hangingPunct="0">
-                <a:spcBef>
-                  <a:spcPct val="0"/>
-                </a:spcBef>
-                <a:spcAft>
-                  <a:spcPct val="0"/>
-                </a:spcAft>
-                <a:defRPr sz="7200">
-                  <a:solidFill>
-                    <a:schemeClr val="tx1"/>
-                  </a:solidFill>
-                  <a:latin typeface="Calibri" charset="0"/>
-                  <a:ea typeface="ＭＳ Ｐゴシック" charset="-128"/>
-                </a:defRPr>
-              </a:lvl9pPr>
-            </a:lstStyle>
-            <a:p>
-              <a:pPr algn="ctr" eaLnBrk="1" hangingPunct="1"/>
-              <a:r>
-                <a:rPr lang="en-US" altLang="en-US" sz="4800" b="1" dirty="0">
-                  <a:solidFill>
-                    <a:schemeClr val="bg1"/>
-                  </a:solidFill>
-                  <a:latin typeface="Arial" panose="020B0604020202020204" pitchFamily="34" charset="0"/>
-                  <a:cs typeface="Arial" panose="020B0604020202020204" pitchFamily="34" charset="0"/>
-                </a:rPr>
                 <a:t>References </a:t>
               </a:r>
             </a:p>
@@ -7188,7 +6701,7 @@
         </p:nvGrpSpPr>
         <p:grpSpPr bwMode="auto">
           <a:xfrm>
-            <a:off x="29437335" y="30515979"/>
+            <a:off x="29437335" y="30541379"/>
             <a:ext cx="14287825" cy="2402421"/>
             <a:chOff x="432287" y="4349164"/>
             <a:chExt cx="13750966" cy="1297440"/>
@@ -7219,7 +6732,7 @@
             </a:ln>
             <a:extLst>
               <a:ext uri="{909E8E84-426E-40dd-AFC4-6F175D3DCCD1}">
-                <a14:hiddenFill xmlns:a14="http://schemas.microsoft.com/office/drawing/2010/main" xmlns="">
+                <a14:hiddenFill xmlns="" xmlns:a14="http://schemas.microsoft.com/office/drawing/2010/main">
                   <a:solidFill>
                     <a:srgbClr val="FFFFFF"/>
                   </a:solidFill>
@@ -7524,10 +7037,10 @@
         </p:nvGrpSpPr>
         <p:grpSpPr bwMode="auto">
           <a:xfrm>
-            <a:off x="14633689" y="21438208"/>
-            <a:ext cx="14267971" cy="6077839"/>
+            <a:off x="14890288" y="19421008"/>
+            <a:ext cx="14267971" cy="1461192"/>
             <a:chOff x="432287" y="4358829"/>
-            <a:chExt cx="13731857" cy="3282367"/>
+            <a:chExt cx="13731857" cy="789124"/>
           </a:xfrm>
         </p:grpSpPr>
         <p:sp>
@@ -7541,7 +7054,7 @@
           <p:spPr bwMode="auto">
             <a:xfrm>
               <a:off x="432287" y="4848764"/>
-              <a:ext cx="13700233" cy="2792432"/>
+              <a:ext cx="13700233" cy="299189"/>
             </a:xfrm>
             <a:prstGeom prst="rect">
               <a:avLst/>
@@ -7555,7 +7068,7 @@
             </a:ln>
             <a:extLst>
               <a:ext uri="{909E8E84-426E-40dd-AFC4-6F175D3DCCD1}">
-                <a14:hiddenFill xmlns:a14="http://schemas.microsoft.com/office/drawing/2010/main" xmlns="">
+                <a14:hiddenFill xmlns="" xmlns:a14="http://schemas.microsoft.com/office/drawing/2010/main">
                   <a:solidFill>
                     <a:srgbClr val="FFFFFF"/>
                   </a:solidFill>
@@ -7676,68 +7189,7 @@
             </a:lstStyle>
             <a:p>
               <a:pPr marL="0" indent="0" eaLnBrk="1" hangingPunct="1"/>
-              <a:r>
-                <a:rPr lang="en-US" altLang="en-US" sz="3000" strike="sngStrike" dirty="0">
-                  <a:latin typeface="Arial" panose="020B0604020202020204" pitchFamily="34" charset="0"/>
-                  <a:cs typeface="Arial" panose="020B0604020202020204" pitchFamily="34" charset="0"/>
-                </a:rPr>
-                <a:t>(Present the results you obtained in text, graphs, and/or images. </a:t>
-              </a:r>
-            </a:p>
-            <a:p>
-              <a:pPr marL="0" indent="0" eaLnBrk="1" hangingPunct="1"/>
               <a:endParaRPr lang="en-US" altLang="en-US" sz="3000" strike="sngStrike" dirty="0">
-                <a:latin typeface="Arial" panose="020B0604020202020204" pitchFamily="34" charset="0"/>
-                <a:cs typeface="Arial" panose="020B0604020202020204" pitchFamily="34" charset="0"/>
-              </a:endParaRPr>
-            </a:p>
-            <a:p>
-              <a:pPr marL="0" indent="0" eaLnBrk="1" hangingPunct="1"/>
-              <a:r>
-                <a:rPr lang="en-US" altLang="en-US" sz="3000" strike="sngStrike" dirty="0">
-                  <a:latin typeface="Arial" panose="020B0604020202020204" pitchFamily="34" charset="0"/>
-                  <a:cs typeface="Arial" panose="020B0604020202020204" pitchFamily="34" charset="0"/>
-                </a:rPr>
-                <a:t>Do not analyze. Be sure to include figures for graphs and images that briefly state the procedure completed and discuss the results of that procedure. </a:t>
-              </a:r>
-            </a:p>
-            <a:p>
-              <a:pPr marL="0" indent="0" eaLnBrk="1" hangingPunct="1"/>
-              <a:endParaRPr lang="en-US" altLang="en-US" sz="3000" strike="sngStrike" dirty="0">
-                <a:latin typeface="Arial" panose="020B0604020202020204" pitchFamily="34" charset="0"/>
-                <a:cs typeface="Arial" panose="020B0604020202020204" pitchFamily="34" charset="0"/>
-              </a:endParaRPr>
-            </a:p>
-            <a:p>
-              <a:pPr marL="0" indent="0" eaLnBrk="1" hangingPunct="1"/>
-              <a:r>
-                <a:rPr lang="en-US" altLang="en-US" sz="3000" strike="sngStrike" dirty="0">
-                  <a:latin typeface="Arial" panose="020B0604020202020204" pitchFamily="34" charset="0"/>
-                  <a:cs typeface="Arial" panose="020B0604020202020204" pitchFamily="34" charset="0"/>
-                </a:rPr>
-                <a:t>Present results in a story-like manner, which results were obtained first, second, and so on. </a:t>
-              </a:r>
-            </a:p>
-            <a:p>
-              <a:pPr marL="0" indent="0" eaLnBrk="1" hangingPunct="1"/>
-              <a:endParaRPr lang="en-US" altLang="en-US" sz="3000" strike="sngStrike" dirty="0">
-                <a:latin typeface="Arial" panose="020B0604020202020204" pitchFamily="34" charset="0"/>
-                <a:cs typeface="Arial" panose="020B0604020202020204" pitchFamily="34" charset="0"/>
-              </a:endParaRPr>
-            </a:p>
-            <a:p>
-              <a:pPr marL="0" indent="0" eaLnBrk="1" hangingPunct="1"/>
-              <a:r>
-                <a:rPr lang="en-US" altLang="en-US" sz="3000" strike="sngStrike" dirty="0">
-                  <a:latin typeface="Arial" panose="020B0604020202020204" pitchFamily="34" charset="0"/>
-                  <a:cs typeface="Arial" panose="020B0604020202020204" pitchFamily="34" charset="0"/>
-                </a:rPr>
-                <a:t>Don’t worry if you did not obtain many results or “bad” results. Any result is a good result.)</a:t>
-              </a:r>
-            </a:p>
-            <a:p>
-              <a:pPr marL="0" indent="0" eaLnBrk="1" hangingPunct="1"/>
-              <a:endParaRPr lang="en-US" altLang="en-US" sz="3000" dirty="0">
                 <a:latin typeface="Arial" panose="020B0604020202020204" pitchFamily="34" charset="0"/>
                 <a:cs typeface="Arial" panose="020B0604020202020204" pitchFamily="34" charset="0"/>
               </a:endParaRPr>
@@ -7754,8 +7206,8 @@
           </p:nvSpPr>
           <p:spPr bwMode="auto">
             <a:xfrm>
-              <a:off x="463911" y="4358829"/>
-              <a:ext cx="13700233" cy="448784"/>
+              <a:off x="471322" y="4358829"/>
+              <a:ext cx="13692822" cy="448784"/>
             </a:xfrm>
             <a:prstGeom prst="rect">
               <a:avLst/>
@@ -7771,7 +7223,7 @@
             </a:ln>
           </p:spPr>
           <p:txBody>
-            <a:bodyPr>
+            <a:bodyPr wrap="square">
               <a:spAutoFit/>
             </a:bodyPr>
             <a:lstStyle>
@@ -7912,7 +7364,7 @@
           <p:nvPr/>
         </p:nvPicPr>
         <p:blipFill>
-          <a:blip r:embed="rId5">
+          <a:blip r:embed="rId9">
             <a:extLst>
               <a:ext uri="{28A0092B-C50C-407E-A947-70E740481C1C}">
                 <a14:useLocalDpi xmlns:a14="http://schemas.microsoft.com/office/drawing/2010/main" val="0"/>
@@ -7978,7 +7430,7 @@
             </a:pathLst>
           </a:custGeom>
           <a:blipFill>
-            <a:blip r:embed="rId6"/>
+            <a:blip r:embed="rId10"/>
             <a:stretch>
               <a:fillRect/>
             </a:stretch>
@@ -8007,7 +7459,7 @@
           <p:nvPr/>
         </p:nvPicPr>
         <p:blipFill rotWithShape="1">
-          <a:blip r:embed="rId7">
+          <a:blip r:embed="rId11">
             <a:extLst>
               <a:ext uri="{28A0092B-C50C-407E-A947-70E740481C1C}">
                 <a14:useLocalDpi xmlns:a14="http://schemas.microsoft.com/office/drawing/2010/main" val="0"/>
@@ -8053,10 +7505,10 @@
         </p:nvGrpSpPr>
         <p:grpSpPr bwMode="auto">
           <a:xfrm>
-            <a:off x="14796147" y="4278696"/>
-            <a:ext cx="14240654" cy="5603076"/>
+            <a:off x="14796147" y="4278691"/>
+            <a:ext cx="14432609" cy="4368847"/>
             <a:chOff x="432287" y="4365904"/>
-            <a:chExt cx="13705567" cy="3025968"/>
+            <a:chExt cx="13890309" cy="2359418"/>
           </a:xfrm>
         </p:grpSpPr>
         <p:sp>
@@ -8076,7 +7528,7 @@
           <p:spPr bwMode="auto">
             <a:xfrm>
               <a:off x="432287" y="4848764"/>
-              <a:ext cx="13700233" cy="2543108"/>
+              <a:ext cx="13700233" cy="299189"/>
             </a:xfrm>
             <a:prstGeom prst="rect">
               <a:avLst/>
@@ -8090,7 +7542,7 @@
             </a:ln>
             <a:extLst>
               <a:ext uri="{909E8E84-426E-40dd-AFC4-6F175D3DCCD1}">
-                <a14:hiddenFill xmlns:a14="http://schemas.microsoft.com/office/drawing/2010/main" xmlns="">
+                <a14:hiddenFill xmlns="" xmlns:a14="http://schemas.microsoft.com/office/drawing/2010/main">
                   <a:solidFill>
                     <a:srgbClr val="FFFFFF"/>
                   </a:solidFill>
@@ -8210,99 +7662,8 @@
               </a:lvl9pPr>
             </a:lstStyle>
             <a:p>
-              <a:pPr>
-                <a:buFont typeface="Arial" panose="020B0604020202020204" pitchFamily="34" charset="0"/>
-                <a:buChar char="•"/>
-              </a:pPr>
-              <a:r>
-                <a:rPr lang="en-US" sz="3000" b="1" dirty="0">
-                  <a:latin typeface="Arial" panose="020B0604020202020204" pitchFamily="34" charset="0"/>
-                  <a:cs typeface="Arial" panose="020B0604020202020204" pitchFamily="34" charset="0"/>
-                </a:rPr>
-                <a:t>Model selection and training</a:t>
-              </a:r>
-            </a:p>
-            <a:p>
-              <a:pPr lvl="1">
-                <a:buFont typeface="Arial" panose="020B0604020202020204" pitchFamily="34" charset="0"/>
-                <a:buChar char="•"/>
-              </a:pPr>
-              <a:r>
-                <a:rPr lang="en-US" sz="3000" dirty="0">
-                  <a:latin typeface="Arial" panose="020B0604020202020204" pitchFamily="34" charset="0"/>
-                  <a:cs typeface="Arial" panose="020B0604020202020204" pitchFamily="34" charset="0"/>
-                </a:rPr>
-                <a:t>After the text preprocessing was done, different models, with each of the different embedding techniques were trained, the types of models that were used are:</a:t>
-              </a:r>
-            </a:p>
-            <a:p>
-              <a:pPr lvl="2">
-                <a:buFont typeface="Arial" panose="020B0604020202020204" pitchFamily="34" charset="0"/>
-                <a:buChar char="•"/>
-              </a:pPr>
-              <a:r>
-                <a:rPr lang="en-US" sz="3000" b="1" dirty="0">
-                  <a:latin typeface="Arial" panose="020B0604020202020204" pitchFamily="34" charset="0"/>
-                  <a:cs typeface="Arial" panose="020B0604020202020204" pitchFamily="34" charset="0"/>
-                </a:rPr>
-                <a:t>Naive Bayes Classifier</a:t>
-              </a:r>
-            </a:p>
-            <a:p>
-              <a:pPr lvl="2">
-                <a:buFont typeface="Arial" panose="020B0604020202020204" pitchFamily="34" charset="0"/>
-                <a:buChar char="•"/>
-              </a:pPr>
-              <a:r>
-                <a:rPr lang="en-US" sz="3000" b="1" dirty="0">
-                  <a:latin typeface="Arial" panose="020B0604020202020204" pitchFamily="34" charset="0"/>
-                  <a:cs typeface="Arial" panose="020B0604020202020204" pitchFamily="34" charset="0"/>
-                </a:rPr>
-                <a:t>K-Nearest neighbors Classifier</a:t>
-              </a:r>
-            </a:p>
-            <a:p>
-              <a:pPr lvl="2">
-                <a:buFont typeface="Arial" panose="020B0604020202020204" pitchFamily="34" charset="0"/>
-                <a:buChar char="•"/>
-              </a:pPr>
-              <a:r>
-                <a:rPr lang="en-US" sz="3000" b="1" dirty="0">
-                  <a:latin typeface="Arial" panose="020B0604020202020204" pitchFamily="34" charset="0"/>
-                  <a:cs typeface="Arial" panose="020B0604020202020204" pitchFamily="34" charset="0"/>
-                </a:rPr>
-                <a:t>Decision Tree Classifier</a:t>
-              </a:r>
-            </a:p>
-            <a:p>
-              <a:pPr lvl="2">
-                <a:buFont typeface="Arial" panose="020B0604020202020204" pitchFamily="34" charset="0"/>
-                <a:buChar char="•"/>
-              </a:pPr>
-              <a:r>
-                <a:rPr lang="en-US" sz="3000" b="1" dirty="0">
-                  <a:latin typeface="Arial" panose="020B0604020202020204" pitchFamily="34" charset="0"/>
-                  <a:cs typeface="Arial" panose="020B0604020202020204" pitchFamily="34" charset="0"/>
-                </a:rPr>
-                <a:t>Random Forest Classifier</a:t>
-              </a:r>
-            </a:p>
-            <a:p>
-              <a:pPr lvl="2">
-                <a:buFont typeface="Arial" panose="020B0604020202020204" pitchFamily="34" charset="0"/>
-                <a:buChar char="•"/>
-              </a:pPr>
-              <a:r>
-                <a:rPr lang="en-US" sz="3000" b="1" dirty="0">
-                  <a:latin typeface="Arial" panose="020B0604020202020204" pitchFamily="34" charset="0"/>
-                  <a:cs typeface="Arial" panose="020B0604020202020204" pitchFamily="34" charset="0"/>
-                </a:rPr>
-                <a:t>Long Short Term Memory (Recurrent Neural Network)</a:t>
-              </a:r>
-            </a:p>
-            <a:p>
-              <a:pPr marL="0" indent="0" eaLnBrk="1" hangingPunct="1"/>
-              <a:endParaRPr lang="en-US" altLang="en-US" sz="3000" dirty="0">
+              <a:pPr marL="0" indent="0"/>
+              <a:endParaRPr lang="en-US" sz="3000" b="1" dirty="0">
                 <a:latin typeface="Arial" panose="020B0604020202020204" pitchFamily="34" charset="0"/>
                 <a:cs typeface="Arial" panose="020B0604020202020204" pitchFamily="34" charset="0"/>
               </a:endParaRPr>
@@ -8467,13 +7828,769 @@
             </a:p>
           </p:txBody>
         </p:sp>
+        <p:sp>
+          <p:nvSpPr>
+            <p:cNvPr id="23" name="TextBox 3">
+              <a:extLst>
+                <a:ext uri="{FF2B5EF4-FFF2-40B4-BE49-F238E27FC236}">
+                  <a16:creationId xmlns:a16="http://schemas.microsoft.com/office/drawing/2014/main" id="{6BAB30F0-03B4-017E-E4AE-B61323130EAB}"/>
+                </a:ext>
+              </a:extLst>
+            </p:cNvPr>
+            <p:cNvSpPr txBox="1">
+              <a:spLocks noChangeArrowheads="1"/>
+            </p:cNvSpPr>
+            <p:nvPr/>
+          </p:nvSpPr>
+          <p:spPr bwMode="auto">
+            <a:xfrm>
+              <a:off x="608136" y="4930186"/>
+              <a:ext cx="13714460" cy="1795136"/>
+            </a:xfrm>
+            <a:prstGeom prst="rect">
+              <a:avLst/>
+            </a:prstGeom>
+            <a:noFill/>
+            <a:ln w="9525">
+              <a:noFill/>
+              <a:miter lim="800000"/>
+              <a:headEnd/>
+              <a:tailEnd/>
+            </a:ln>
+            <a:extLst>
+              <a:ext uri="{909E8E84-426E-40dd-AFC4-6F175D3DCCD1}">
+                <a14:hiddenFill xmlns="" xmlns:a14="http://schemas.microsoft.com/office/drawing/2010/main">
+                  <a:solidFill>
+                    <a:srgbClr val="FFFFFF"/>
+                  </a:solidFill>
+                </a14:hiddenFill>
+              </a:ext>
+            </a:extLst>
+          </p:spPr>
+          <p:txBody>
+            <a:bodyPr wrap="square" lIns="274320" rIns="274320" numCol="2">
+              <a:spAutoFit/>
+            </a:bodyPr>
+            <a:lstStyle>
+              <a:lvl1pPr marL="457200" indent="-457200">
+                <a:defRPr sz="7200">
+                  <a:solidFill>
+                    <a:schemeClr val="tx1"/>
+                  </a:solidFill>
+                  <a:latin typeface="Calibri" charset="0"/>
+                  <a:ea typeface="ＭＳ Ｐゴシック" charset="-128"/>
+                </a:defRPr>
+              </a:lvl1pPr>
+              <a:lvl2pPr marL="742950" indent="-285750">
+                <a:defRPr sz="7200">
+                  <a:solidFill>
+                    <a:schemeClr val="tx1"/>
+                  </a:solidFill>
+                  <a:latin typeface="Calibri" charset="0"/>
+                  <a:ea typeface="ＭＳ Ｐゴシック" charset="-128"/>
+                </a:defRPr>
+              </a:lvl2pPr>
+              <a:lvl3pPr marL="1143000" indent="-228600">
+                <a:defRPr sz="7200">
+                  <a:solidFill>
+                    <a:schemeClr val="tx1"/>
+                  </a:solidFill>
+                  <a:latin typeface="Calibri" charset="0"/>
+                  <a:ea typeface="ＭＳ Ｐゴシック" charset="-128"/>
+                </a:defRPr>
+              </a:lvl3pPr>
+              <a:lvl4pPr marL="1600200" indent="-228600">
+                <a:defRPr sz="7200">
+                  <a:solidFill>
+                    <a:schemeClr val="tx1"/>
+                  </a:solidFill>
+                  <a:latin typeface="Calibri" charset="0"/>
+                  <a:ea typeface="ＭＳ Ｐゴシック" charset="-128"/>
+                </a:defRPr>
+              </a:lvl4pPr>
+              <a:lvl5pPr marL="2057400" indent="-228600">
+                <a:defRPr sz="7200">
+                  <a:solidFill>
+                    <a:schemeClr val="tx1"/>
+                  </a:solidFill>
+                  <a:latin typeface="Calibri" charset="0"/>
+                  <a:ea typeface="ＭＳ Ｐゴシック" charset="-128"/>
+                </a:defRPr>
+              </a:lvl5pPr>
+              <a:lvl6pPr marL="2514600" indent="-228600" defTabSz="3686175" eaLnBrk="0" fontAlgn="base" hangingPunct="0">
+                <a:spcBef>
+                  <a:spcPct val="0"/>
+                </a:spcBef>
+                <a:spcAft>
+                  <a:spcPct val="0"/>
+                </a:spcAft>
+                <a:defRPr sz="7200">
+                  <a:solidFill>
+                    <a:schemeClr val="tx1"/>
+                  </a:solidFill>
+                  <a:latin typeface="Calibri" charset="0"/>
+                  <a:ea typeface="ＭＳ Ｐゴシック" charset="-128"/>
+                </a:defRPr>
+              </a:lvl6pPr>
+              <a:lvl7pPr marL="2971800" indent="-228600" defTabSz="3686175" eaLnBrk="0" fontAlgn="base" hangingPunct="0">
+                <a:spcBef>
+                  <a:spcPct val="0"/>
+                </a:spcBef>
+                <a:spcAft>
+                  <a:spcPct val="0"/>
+                </a:spcAft>
+                <a:defRPr sz="7200">
+                  <a:solidFill>
+                    <a:schemeClr val="tx1"/>
+                  </a:solidFill>
+                  <a:latin typeface="Calibri" charset="0"/>
+                  <a:ea typeface="ＭＳ Ｐゴシック" charset="-128"/>
+                </a:defRPr>
+              </a:lvl7pPr>
+              <a:lvl8pPr marL="3429000" indent="-228600" defTabSz="3686175" eaLnBrk="0" fontAlgn="base" hangingPunct="0">
+                <a:spcBef>
+                  <a:spcPct val="0"/>
+                </a:spcBef>
+                <a:spcAft>
+                  <a:spcPct val="0"/>
+                </a:spcAft>
+                <a:defRPr sz="7200">
+                  <a:solidFill>
+                    <a:schemeClr val="tx1"/>
+                  </a:solidFill>
+                  <a:latin typeface="Calibri" charset="0"/>
+                  <a:ea typeface="ＭＳ Ｐゴシック" charset="-128"/>
+                </a:defRPr>
+              </a:lvl8pPr>
+              <a:lvl9pPr marL="3886200" indent="-228600" defTabSz="3686175" eaLnBrk="0" fontAlgn="base" hangingPunct="0">
+                <a:spcBef>
+                  <a:spcPct val="0"/>
+                </a:spcBef>
+                <a:spcAft>
+                  <a:spcPct val="0"/>
+                </a:spcAft>
+                <a:defRPr sz="7200">
+                  <a:solidFill>
+                    <a:schemeClr val="tx1"/>
+                  </a:solidFill>
+                  <a:latin typeface="Calibri" charset="0"/>
+                  <a:ea typeface="ＭＳ Ｐゴシック" charset="-128"/>
+                </a:defRPr>
+              </a:lvl9pPr>
+            </a:lstStyle>
+            <a:p>
+              <a:pPr marL="914400" lvl="2" indent="0"/>
+              <a:r>
+                <a:rPr lang="en-US" sz="3000" b="1" dirty="0">
+                  <a:latin typeface="Arial" panose="020B0604020202020204" pitchFamily="34" charset="0"/>
+                  <a:cs typeface="Arial" panose="020B0604020202020204" pitchFamily="34" charset="0"/>
+                </a:rPr>
+                <a:t>ML Algorithms:</a:t>
+              </a:r>
+            </a:p>
+            <a:p>
+              <a:pPr lvl="2">
+                <a:buFont typeface="Arial" panose="020B0604020202020204" pitchFamily="34" charset="0"/>
+                <a:buChar char="•"/>
+              </a:pPr>
+              <a:r>
+                <a:rPr lang="en-US" sz="3000" b="1" dirty="0">
+                  <a:latin typeface="Arial" panose="020B0604020202020204" pitchFamily="34" charset="0"/>
+                  <a:cs typeface="Arial" panose="020B0604020202020204" pitchFamily="34" charset="0"/>
+                </a:rPr>
+                <a:t>Naive Bayes Classifier</a:t>
+              </a:r>
+            </a:p>
+            <a:p>
+              <a:pPr lvl="2">
+                <a:buFont typeface="Arial" panose="020B0604020202020204" pitchFamily="34" charset="0"/>
+                <a:buChar char="•"/>
+              </a:pPr>
+              <a:r>
+                <a:rPr lang="en-US" sz="3000" b="1" dirty="0">
+                  <a:latin typeface="Arial" panose="020B0604020202020204" pitchFamily="34" charset="0"/>
+                  <a:cs typeface="Arial" panose="020B0604020202020204" pitchFamily="34" charset="0"/>
+                </a:rPr>
+                <a:t>K-Nearest neighbors Classifier</a:t>
+              </a:r>
+            </a:p>
+            <a:p>
+              <a:pPr lvl="2">
+                <a:buFont typeface="Arial" panose="020B0604020202020204" pitchFamily="34" charset="0"/>
+                <a:buChar char="•"/>
+              </a:pPr>
+              <a:r>
+                <a:rPr lang="en-US" sz="3000" b="1" dirty="0">
+                  <a:latin typeface="Arial" panose="020B0604020202020204" pitchFamily="34" charset="0"/>
+                  <a:cs typeface="Arial" panose="020B0604020202020204" pitchFamily="34" charset="0"/>
+                </a:rPr>
+                <a:t>Decision Tree Classifier</a:t>
+              </a:r>
+            </a:p>
+            <a:p>
+              <a:pPr lvl="2">
+                <a:buFont typeface="Arial" panose="020B0604020202020204" pitchFamily="34" charset="0"/>
+                <a:buChar char="•"/>
+              </a:pPr>
+              <a:r>
+                <a:rPr lang="en-US" sz="3000" b="1" dirty="0">
+                  <a:latin typeface="Arial" panose="020B0604020202020204" pitchFamily="34" charset="0"/>
+                  <a:cs typeface="Arial" panose="020B0604020202020204" pitchFamily="34" charset="0"/>
+                </a:rPr>
+                <a:t>Random Forest Classifier</a:t>
+              </a:r>
+            </a:p>
+            <a:p>
+              <a:pPr lvl="2">
+                <a:buFont typeface="Arial" panose="020B0604020202020204" pitchFamily="34" charset="0"/>
+                <a:buChar char="•"/>
+              </a:pPr>
+              <a:endParaRPr lang="en-US" sz="3000" b="1" dirty="0">
+                <a:latin typeface="Arial" panose="020B0604020202020204" pitchFamily="34" charset="0"/>
+                <a:cs typeface="Arial" panose="020B0604020202020204" pitchFamily="34" charset="0"/>
+              </a:endParaRPr>
+            </a:p>
+            <a:p>
+              <a:pPr marL="914400" lvl="2" indent="0"/>
+              <a:endParaRPr lang="en-US" sz="3000" b="1" dirty="0">
+                <a:latin typeface="Arial" panose="020B0604020202020204" pitchFamily="34" charset="0"/>
+                <a:cs typeface="Arial" panose="020B0604020202020204" pitchFamily="34" charset="0"/>
+              </a:endParaRPr>
+            </a:p>
+            <a:p>
+              <a:pPr marL="914400" lvl="2" indent="0"/>
+              <a:r>
+                <a:rPr lang="en-US" sz="3000" b="1" dirty="0">
+                  <a:latin typeface="Arial" panose="020B0604020202020204" pitchFamily="34" charset="0"/>
+                  <a:cs typeface="Arial" panose="020B0604020202020204" pitchFamily="34" charset="0"/>
+                </a:rPr>
+                <a:t>DL algorithms:</a:t>
+              </a:r>
+            </a:p>
+            <a:p>
+              <a:pPr lvl="2">
+                <a:buFont typeface="Arial" panose="020B0604020202020204" pitchFamily="34" charset="0"/>
+                <a:buChar char="•"/>
+              </a:pPr>
+              <a:r>
+                <a:rPr lang="en-US" sz="3000" b="1" dirty="0">
+                  <a:latin typeface="Arial" panose="020B0604020202020204" pitchFamily="34" charset="0"/>
+                  <a:cs typeface="Arial" panose="020B0604020202020204" pitchFamily="34" charset="0"/>
+                </a:rPr>
+                <a:t>Long Short-Term Memory</a:t>
+              </a:r>
+            </a:p>
+            <a:p>
+              <a:pPr lvl="2">
+                <a:buFont typeface="Arial" panose="020B0604020202020204" pitchFamily="34" charset="0"/>
+                <a:buChar char="•"/>
+              </a:pPr>
+              <a:r>
+                <a:rPr lang="en-US" sz="3000" b="1" dirty="0">
+                  <a:latin typeface="Arial" panose="020B0604020202020204" pitchFamily="34" charset="0"/>
+                  <a:cs typeface="Arial" panose="020B0604020202020204" pitchFamily="34" charset="0"/>
+                </a:rPr>
+                <a:t>Stacked Long Short-Term Memory</a:t>
+              </a:r>
+            </a:p>
+            <a:p>
+              <a:pPr lvl="2">
+                <a:buFont typeface="Arial" panose="020B0604020202020204" pitchFamily="34" charset="0"/>
+                <a:buChar char="•"/>
+              </a:pPr>
+              <a:r>
+                <a:rPr lang="en-US" sz="3000" b="1" dirty="0">
+                  <a:latin typeface="Arial" panose="020B0604020202020204" pitchFamily="34" charset="0"/>
+                  <a:cs typeface="Arial" panose="020B0604020202020204" pitchFamily="34" charset="0"/>
+                </a:rPr>
+                <a:t>Densely Connected Neural Network</a:t>
+              </a:r>
+            </a:p>
+            <a:p>
+              <a:pPr marL="0" indent="0"/>
+              <a:endParaRPr lang="en-US" sz="3000" b="1" dirty="0">
+                <a:latin typeface="Arial" panose="020B0604020202020204" pitchFamily="34" charset="0"/>
+                <a:cs typeface="Arial" panose="020B0604020202020204" pitchFamily="34" charset="0"/>
+              </a:endParaRPr>
+            </a:p>
+          </p:txBody>
+        </p:sp>
       </p:grpSp>
+      <p:grpSp>
+        <p:nvGrpSpPr>
+          <p:cNvPr id="41" name="Group 6">
+            <a:extLst>
+              <a:ext uri="{FF2B5EF4-FFF2-40B4-BE49-F238E27FC236}">
+                <a16:creationId xmlns:a16="http://schemas.microsoft.com/office/drawing/2014/main" id="{C3ADC3DE-49A7-E1C5-BA77-1A8F091612F1}"/>
+              </a:ext>
+            </a:extLst>
+          </p:cNvPr>
+          <p:cNvGrpSpPr>
+            <a:grpSpLocks/>
+          </p:cNvGrpSpPr>
+          <p:nvPr/>
+        </p:nvGrpSpPr>
+        <p:grpSpPr bwMode="auto">
+          <a:xfrm>
+            <a:off x="29228756" y="4267250"/>
+            <a:ext cx="14267971" cy="1461192"/>
+            <a:chOff x="432287" y="4358829"/>
+            <a:chExt cx="13731857" cy="789124"/>
+          </a:xfrm>
+        </p:grpSpPr>
+        <p:sp>
+          <p:nvSpPr>
+            <p:cNvPr id="45" name="TextBox 3">
+              <a:extLst>
+                <a:ext uri="{FF2B5EF4-FFF2-40B4-BE49-F238E27FC236}">
+                  <a16:creationId xmlns:a16="http://schemas.microsoft.com/office/drawing/2014/main" id="{38A5044F-FDB8-6AF2-FDF2-95CD6F1250BC}"/>
+                </a:ext>
+              </a:extLst>
+            </p:cNvPr>
+            <p:cNvSpPr txBox="1">
+              <a:spLocks noChangeArrowheads="1"/>
+            </p:cNvSpPr>
+            <p:nvPr/>
+          </p:nvSpPr>
+          <p:spPr bwMode="auto">
+            <a:xfrm>
+              <a:off x="432287" y="4848764"/>
+              <a:ext cx="13700233" cy="299189"/>
+            </a:xfrm>
+            <a:prstGeom prst="rect">
+              <a:avLst/>
+            </a:prstGeom>
+            <a:noFill/>
+            <a:ln w="9525">
+              <a:noFill/>
+              <a:miter lim="800000"/>
+              <a:headEnd/>
+              <a:tailEnd/>
+            </a:ln>
+            <a:extLst>
+              <a:ext uri="{909E8E84-426E-40dd-AFC4-6F175D3DCCD1}">
+                <a14:hiddenFill xmlns="" xmlns:a14="http://schemas.microsoft.com/office/drawing/2010/main">
+                  <a:solidFill>
+                    <a:srgbClr val="FFFFFF"/>
+                  </a:solidFill>
+                </a14:hiddenFill>
+              </a:ext>
+            </a:extLst>
+          </p:spPr>
+          <p:txBody>
+            <a:bodyPr lIns="274320" rIns="274320">
+              <a:spAutoFit/>
+            </a:bodyPr>
+            <a:lstStyle>
+              <a:lvl1pPr marL="457200" indent="-457200">
+                <a:defRPr sz="7200">
+                  <a:solidFill>
+                    <a:schemeClr val="tx1"/>
+                  </a:solidFill>
+                  <a:latin typeface="Calibri" charset="0"/>
+                  <a:ea typeface="ＭＳ Ｐゴシック" charset="-128"/>
+                </a:defRPr>
+              </a:lvl1pPr>
+              <a:lvl2pPr marL="742950" indent="-285750">
+                <a:defRPr sz="7200">
+                  <a:solidFill>
+                    <a:schemeClr val="tx1"/>
+                  </a:solidFill>
+                  <a:latin typeface="Calibri" charset="0"/>
+                  <a:ea typeface="ＭＳ Ｐゴシック" charset="-128"/>
+                </a:defRPr>
+              </a:lvl2pPr>
+              <a:lvl3pPr marL="1143000" indent="-228600">
+                <a:defRPr sz="7200">
+                  <a:solidFill>
+                    <a:schemeClr val="tx1"/>
+                  </a:solidFill>
+                  <a:latin typeface="Calibri" charset="0"/>
+                  <a:ea typeface="ＭＳ Ｐゴシック" charset="-128"/>
+                </a:defRPr>
+              </a:lvl3pPr>
+              <a:lvl4pPr marL="1600200" indent="-228600">
+                <a:defRPr sz="7200">
+                  <a:solidFill>
+                    <a:schemeClr val="tx1"/>
+                  </a:solidFill>
+                  <a:latin typeface="Calibri" charset="0"/>
+                  <a:ea typeface="ＭＳ Ｐゴシック" charset="-128"/>
+                </a:defRPr>
+              </a:lvl4pPr>
+              <a:lvl5pPr marL="2057400" indent="-228600">
+                <a:defRPr sz="7200">
+                  <a:solidFill>
+                    <a:schemeClr val="tx1"/>
+                  </a:solidFill>
+                  <a:latin typeface="Calibri" charset="0"/>
+                  <a:ea typeface="ＭＳ Ｐゴシック" charset="-128"/>
+                </a:defRPr>
+              </a:lvl5pPr>
+              <a:lvl6pPr marL="2514600" indent="-228600" defTabSz="3686175" eaLnBrk="0" fontAlgn="base" hangingPunct="0">
+                <a:spcBef>
+                  <a:spcPct val="0"/>
+                </a:spcBef>
+                <a:spcAft>
+                  <a:spcPct val="0"/>
+                </a:spcAft>
+                <a:defRPr sz="7200">
+                  <a:solidFill>
+                    <a:schemeClr val="tx1"/>
+                  </a:solidFill>
+                  <a:latin typeface="Calibri" charset="0"/>
+                  <a:ea typeface="ＭＳ Ｐゴシック" charset="-128"/>
+                </a:defRPr>
+              </a:lvl6pPr>
+              <a:lvl7pPr marL="2971800" indent="-228600" defTabSz="3686175" eaLnBrk="0" fontAlgn="base" hangingPunct="0">
+                <a:spcBef>
+                  <a:spcPct val="0"/>
+                </a:spcBef>
+                <a:spcAft>
+                  <a:spcPct val="0"/>
+                </a:spcAft>
+                <a:defRPr sz="7200">
+                  <a:solidFill>
+                    <a:schemeClr val="tx1"/>
+                  </a:solidFill>
+                  <a:latin typeface="Calibri" charset="0"/>
+                  <a:ea typeface="ＭＳ Ｐゴシック" charset="-128"/>
+                </a:defRPr>
+              </a:lvl7pPr>
+              <a:lvl8pPr marL="3429000" indent="-228600" defTabSz="3686175" eaLnBrk="0" fontAlgn="base" hangingPunct="0">
+                <a:spcBef>
+                  <a:spcPct val="0"/>
+                </a:spcBef>
+                <a:spcAft>
+                  <a:spcPct val="0"/>
+                </a:spcAft>
+                <a:defRPr sz="7200">
+                  <a:solidFill>
+                    <a:schemeClr val="tx1"/>
+                  </a:solidFill>
+                  <a:latin typeface="Calibri" charset="0"/>
+                  <a:ea typeface="ＭＳ Ｐゴシック" charset="-128"/>
+                </a:defRPr>
+              </a:lvl8pPr>
+              <a:lvl9pPr marL="3886200" indent="-228600" defTabSz="3686175" eaLnBrk="0" fontAlgn="base" hangingPunct="0">
+                <a:spcBef>
+                  <a:spcPct val="0"/>
+                </a:spcBef>
+                <a:spcAft>
+                  <a:spcPct val="0"/>
+                </a:spcAft>
+                <a:defRPr sz="7200">
+                  <a:solidFill>
+                    <a:schemeClr val="tx1"/>
+                  </a:solidFill>
+                  <a:latin typeface="Calibri" charset="0"/>
+                  <a:ea typeface="ＭＳ Ｐゴシック" charset="-128"/>
+                </a:defRPr>
+              </a:lvl9pPr>
+            </a:lstStyle>
+            <a:p>
+              <a:pPr marL="0" indent="0" eaLnBrk="1" hangingPunct="1"/>
+              <a:endParaRPr lang="en-US" altLang="en-US" sz="3000" strike="sngStrike" dirty="0">
+                <a:latin typeface="Arial" panose="020B0604020202020204" pitchFamily="34" charset="0"/>
+                <a:cs typeface="Arial" panose="020B0604020202020204" pitchFamily="34" charset="0"/>
+              </a:endParaRPr>
+            </a:p>
+          </p:txBody>
+        </p:sp>
+        <p:sp>
+          <p:nvSpPr>
+            <p:cNvPr id="51" name="TextBox 21">
+              <a:extLst>
+                <a:ext uri="{FF2B5EF4-FFF2-40B4-BE49-F238E27FC236}">
+                  <a16:creationId xmlns:a16="http://schemas.microsoft.com/office/drawing/2014/main" id="{A32F56F4-E7CE-88D7-E11E-B660665595B2}"/>
+                </a:ext>
+              </a:extLst>
+            </p:cNvPr>
+            <p:cNvSpPr txBox="1">
+              <a:spLocks noChangeArrowheads="1"/>
+            </p:cNvSpPr>
+            <p:nvPr/>
+          </p:nvSpPr>
+          <p:spPr bwMode="auto">
+            <a:xfrm>
+              <a:off x="463911" y="4358829"/>
+              <a:ext cx="13700233" cy="448784"/>
+            </a:xfrm>
+            <a:prstGeom prst="rect">
+              <a:avLst/>
+            </a:prstGeom>
+            <a:solidFill>
+              <a:srgbClr val="00244E"/>
+            </a:solidFill>
+            <a:ln w="9525">
+              <a:noFill/>
+              <a:miter lim="800000"/>
+              <a:headEnd/>
+              <a:tailEnd/>
+            </a:ln>
+          </p:spPr>
+          <p:txBody>
+            <a:bodyPr>
+              <a:spAutoFit/>
+            </a:bodyPr>
+            <a:lstStyle>
+              <a:lvl1pPr>
+                <a:defRPr sz="7200">
+                  <a:solidFill>
+                    <a:schemeClr val="tx1"/>
+                  </a:solidFill>
+                  <a:latin typeface="Calibri" charset="0"/>
+                  <a:ea typeface="ＭＳ Ｐゴシック" charset="-128"/>
+                </a:defRPr>
+              </a:lvl1pPr>
+              <a:lvl2pPr marL="742950" indent="-285750">
+                <a:defRPr sz="7200">
+                  <a:solidFill>
+                    <a:schemeClr val="tx1"/>
+                  </a:solidFill>
+                  <a:latin typeface="Calibri" charset="0"/>
+                  <a:ea typeface="ＭＳ Ｐゴシック" charset="-128"/>
+                </a:defRPr>
+              </a:lvl2pPr>
+              <a:lvl3pPr marL="1143000" indent="-228600">
+                <a:defRPr sz="7200">
+                  <a:solidFill>
+                    <a:schemeClr val="tx1"/>
+                  </a:solidFill>
+                  <a:latin typeface="Calibri" charset="0"/>
+                  <a:ea typeface="ＭＳ Ｐゴシック" charset="-128"/>
+                </a:defRPr>
+              </a:lvl3pPr>
+              <a:lvl4pPr marL="1600200" indent="-228600">
+                <a:defRPr sz="7200">
+                  <a:solidFill>
+                    <a:schemeClr val="tx1"/>
+                  </a:solidFill>
+                  <a:latin typeface="Calibri" charset="0"/>
+                  <a:ea typeface="ＭＳ Ｐゴシック" charset="-128"/>
+                </a:defRPr>
+              </a:lvl4pPr>
+              <a:lvl5pPr marL="2057400" indent="-228600">
+                <a:defRPr sz="7200">
+                  <a:solidFill>
+                    <a:schemeClr val="tx1"/>
+                  </a:solidFill>
+                  <a:latin typeface="Calibri" charset="0"/>
+                  <a:ea typeface="ＭＳ Ｐゴシック" charset="-128"/>
+                </a:defRPr>
+              </a:lvl5pPr>
+              <a:lvl6pPr marL="2514600" indent="-228600" defTabSz="3686175" eaLnBrk="0" fontAlgn="base" hangingPunct="0">
+                <a:spcBef>
+                  <a:spcPct val="0"/>
+                </a:spcBef>
+                <a:spcAft>
+                  <a:spcPct val="0"/>
+                </a:spcAft>
+                <a:defRPr sz="7200">
+                  <a:solidFill>
+                    <a:schemeClr val="tx1"/>
+                  </a:solidFill>
+                  <a:latin typeface="Calibri" charset="0"/>
+                  <a:ea typeface="ＭＳ Ｐゴシック" charset="-128"/>
+                </a:defRPr>
+              </a:lvl6pPr>
+              <a:lvl7pPr marL="2971800" indent="-228600" defTabSz="3686175" eaLnBrk="0" fontAlgn="base" hangingPunct="0">
+                <a:spcBef>
+                  <a:spcPct val="0"/>
+                </a:spcBef>
+                <a:spcAft>
+                  <a:spcPct val="0"/>
+                </a:spcAft>
+                <a:defRPr sz="7200">
+                  <a:solidFill>
+                    <a:schemeClr val="tx1"/>
+                  </a:solidFill>
+                  <a:latin typeface="Calibri" charset="0"/>
+                  <a:ea typeface="ＭＳ Ｐゴシック" charset="-128"/>
+                </a:defRPr>
+              </a:lvl7pPr>
+              <a:lvl8pPr marL="3429000" indent="-228600" defTabSz="3686175" eaLnBrk="0" fontAlgn="base" hangingPunct="0">
+                <a:spcBef>
+                  <a:spcPct val="0"/>
+                </a:spcBef>
+                <a:spcAft>
+                  <a:spcPct val="0"/>
+                </a:spcAft>
+                <a:defRPr sz="7200">
+                  <a:solidFill>
+                    <a:schemeClr val="tx1"/>
+                  </a:solidFill>
+                  <a:latin typeface="Calibri" charset="0"/>
+                  <a:ea typeface="ＭＳ Ｐゴシック" charset="-128"/>
+                </a:defRPr>
+              </a:lvl8pPr>
+              <a:lvl9pPr marL="3886200" indent="-228600" defTabSz="3686175" eaLnBrk="0" fontAlgn="base" hangingPunct="0">
+                <a:spcBef>
+                  <a:spcPct val="0"/>
+                </a:spcBef>
+                <a:spcAft>
+                  <a:spcPct val="0"/>
+                </a:spcAft>
+                <a:defRPr sz="7200">
+                  <a:solidFill>
+                    <a:schemeClr val="tx1"/>
+                  </a:solidFill>
+                  <a:latin typeface="Calibri" charset="0"/>
+                  <a:ea typeface="ＭＳ Ｐゴシック" charset="-128"/>
+                </a:defRPr>
+              </a:lvl9pPr>
+            </a:lstStyle>
+            <a:p>
+              <a:pPr algn="ctr" eaLnBrk="1" hangingPunct="1"/>
+              <a:r>
+                <a:rPr lang="en-US" altLang="en-US" sz="4800" b="1" dirty="0">
+                  <a:solidFill>
+                    <a:schemeClr val="bg1"/>
+                  </a:solidFill>
+                  <a:latin typeface="Arial" panose="020B0604020202020204" pitchFamily="34" charset="0"/>
+                  <a:cs typeface="Arial" panose="020B0604020202020204" pitchFamily="34" charset="0"/>
+                </a:rPr>
+                <a:t>Results (continued)</a:t>
+              </a:r>
+            </a:p>
+          </p:txBody>
+        </p:sp>
+      </p:grpSp>
+      <p:sp>
+        <p:nvSpPr>
+          <p:cNvPr id="14338" name="TextBox 14337">
+            <a:extLst>
+              <a:ext uri="{FF2B5EF4-FFF2-40B4-BE49-F238E27FC236}">
+                <a16:creationId xmlns:a16="http://schemas.microsoft.com/office/drawing/2014/main" id="{32F1E1DD-3269-8CD4-22B3-F8E78DEE7D47}"/>
+              </a:ext>
+            </a:extLst>
+          </p:cNvPr>
+          <p:cNvSpPr txBox="1"/>
+          <p:nvPr/>
+        </p:nvSpPr>
+        <p:spPr>
+          <a:xfrm>
+            <a:off x="14803848" y="17744879"/>
+            <a:ext cx="14062772" cy="1477328"/>
+          </a:xfrm>
+          <a:prstGeom prst="rect">
+            <a:avLst/>
+          </a:prstGeom>
+          <a:noFill/>
+        </p:spPr>
+        <p:txBody>
+          <a:bodyPr wrap="square" rtlCol="0">
+            <a:spAutoFit/>
+          </a:bodyPr>
+          <a:lstStyle/>
+          <a:p>
+            <a:pPr algn="ctr"/>
+            <a:r>
+              <a:rPr lang="en-US" sz="3000" b="1" dirty="0"/>
+              <a:t>Figure 1:</a:t>
+            </a:r>
+          </a:p>
+          <a:p>
+            <a:pPr algn="ctr"/>
+            <a:r>
+              <a:rPr lang="en-US" sz="3000" dirty="0"/>
+              <a:t>The NLP process involves data collection, preprocessing, vectorization, model training (conventional models and neural networks), prediction, and accuracy testing.</a:t>
+            </a:r>
+          </a:p>
+        </p:txBody>
+      </p:sp>
+      <p:sp>
+        <p:nvSpPr>
+          <p:cNvPr id="14347" name="TextBox 14346">
+            <a:extLst>
+              <a:ext uri="{FF2B5EF4-FFF2-40B4-BE49-F238E27FC236}">
+                <a16:creationId xmlns:a16="http://schemas.microsoft.com/office/drawing/2014/main" id="{F75F9B24-3390-E0C6-4B65-FB7FE6677495}"/>
+              </a:ext>
+            </a:extLst>
+          </p:cNvPr>
+          <p:cNvSpPr txBox="1"/>
+          <p:nvPr/>
+        </p:nvSpPr>
+        <p:spPr>
+          <a:xfrm>
+            <a:off x="14803848" y="31098172"/>
+            <a:ext cx="14062772" cy="1477328"/>
+          </a:xfrm>
+          <a:prstGeom prst="rect">
+            <a:avLst/>
+          </a:prstGeom>
+          <a:noFill/>
+        </p:spPr>
+        <p:txBody>
+          <a:bodyPr wrap="square" rtlCol="0">
+            <a:spAutoFit/>
+          </a:bodyPr>
+          <a:lstStyle/>
+          <a:p>
+            <a:pPr algn="ctr"/>
+            <a:r>
+              <a:rPr lang="en-US" sz="3000" b="1" dirty="0"/>
+              <a:t>Figure 2:</a:t>
+            </a:r>
+          </a:p>
+          <a:p>
+            <a:pPr algn="ctr"/>
+            <a:r>
+              <a:rPr lang="en-US" sz="3000" dirty="0"/>
+              <a:t>Comparison of accuracy percentages of conventional machine learning algorithms with their respective vectorization or embedding techniques</a:t>
+            </a:r>
+          </a:p>
+        </p:txBody>
+      </p:sp>
+      <p:sp>
+        <p:nvSpPr>
+          <p:cNvPr id="14349" name="TextBox 14348">
+            <a:extLst>
+              <a:ext uri="{FF2B5EF4-FFF2-40B4-BE49-F238E27FC236}">
+                <a16:creationId xmlns:a16="http://schemas.microsoft.com/office/drawing/2014/main" id="{EA934585-071F-D2D3-27A3-D976873DB8A5}"/>
+              </a:ext>
+            </a:extLst>
+          </p:cNvPr>
+          <p:cNvSpPr txBox="1"/>
+          <p:nvPr/>
+        </p:nvSpPr>
+        <p:spPr>
+          <a:xfrm>
+            <a:off x="29809921" y="12872798"/>
+            <a:ext cx="14062772" cy="1015663"/>
+          </a:xfrm>
+          <a:prstGeom prst="rect">
+            <a:avLst/>
+          </a:prstGeom>
+          <a:noFill/>
+        </p:spPr>
+        <p:txBody>
+          <a:bodyPr wrap="square" rtlCol="0">
+            <a:spAutoFit/>
+          </a:bodyPr>
+          <a:lstStyle/>
+          <a:p>
+            <a:pPr algn="ctr"/>
+            <a:r>
+              <a:rPr lang="en-US" sz="3000" b="1" dirty="0"/>
+              <a:t>Figure 3:</a:t>
+            </a:r>
+          </a:p>
+          <a:p>
+            <a:pPr algn="ctr"/>
+            <a:r>
+              <a:rPr lang="en-US" sz="3000" dirty="0"/>
+              <a:t>Comparison of accuracy percentages of Deep Learning algorithms</a:t>
+            </a:r>
+          </a:p>
+        </p:txBody>
+      </p:sp>
       <p:pic>
         <p:nvPicPr>
-          <p:cNvPr id="9" name="Picture 8" descr="A diagram of the process">
+          <p:cNvPr id="14357" name="Graphic 14356">
             <a:extLst>
               <a:ext uri="{FF2B5EF4-FFF2-40B4-BE49-F238E27FC236}">
-                <a16:creationId xmlns:a16="http://schemas.microsoft.com/office/drawing/2014/main" id="{63D02D34-C393-6F50-0B9A-134BD5AF7301}"/>
+                <a16:creationId xmlns:a16="http://schemas.microsoft.com/office/drawing/2014/main" id="{99ED8E74-9F80-BE0B-28A4-2ECCE4473966}"/>
               </a:ext>
             </a:extLst>
           </p:cNvPr>
@@ -8483,10 +8600,10 @@
           <p:nvPr/>
         </p:nvPicPr>
         <p:blipFill>
-          <a:blip r:embed="rId8">
+          <a:blip r:embed="rId12">
             <a:extLst>
-              <a:ext uri="{28A0092B-C50C-407E-A947-70E740481C1C}">
-                <a14:useLocalDpi xmlns:a14="http://schemas.microsoft.com/office/drawing/2010/main" val="0"/>
+              <a:ext uri="{96DAC541-7B7A-43D3-8B79-37D633B846F1}">
+                <asvg:svgBlip xmlns:asvg="http://schemas.microsoft.com/office/drawing/2016/SVG/main" r:embed="rId13"/>
               </a:ext>
             </a:extLst>
           </a:blip>
@@ -8496,8 +8613,8 @@
         </p:blipFill>
         <p:spPr>
           <a:xfrm>
-            <a:off x="14593107" y="9097117"/>
-            <a:ext cx="14080334" cy="12316283"/>
+            <a:off x="14883955" y="7628386"/>
+            <a:ext cx="15022912" cy="10477073"/>
           </a:xfrm>
           <a:prstGeom prst="rect">
             <a:avLst/>
